--- a/Weekly_Report/2024_kouki/2nd/2024_2nd_takayama.pptx
+++ b/Weekly_Report/2024_kouki/2nd/2024_2nd_takayama.pptx
@@ -316,7 +316,7 @@
           <a:p>
             <a:fld id="{AA11B9FB-333F-460A-9517-0BCD279B4527}" type="datetimeFigureOut">
               <a:rPr kumimoji="1" lang="ja-JP" altLang="en-US" smtClean="0"/>
-              <a:t>2024/12/1</a:t>
+              <a:t>2024/12/2</a:t>
             </a:fld>
             <a:endParaRPr kumimoji="1" lang="ja-JP" altLang="en-US"/>
           </a:p>
@@ -493,7 +493,7 @@
           <a:p>
             <a:fld id="{51CEA0BD-DC90-403D-801D-2BAD5ACCE07B}" type="datetimeFigureOut">
               <a:rPr kumimoji="1" lang="ja-JP" altLang="en-US" smtClean="0"/>
-              <a:t>2024/12/1</a:t>
+              <a:t>2024/12/2</a:t>
             </a:fld>
             <a:endParaRPr kumimoji="1" lang="ja-JP" altLang="en-US"/>
           </a:p>
@@ -846,7 +846,7 @@
                 <a:cs typeface="Arial"/>
                 <a:sym typeface="Arial"/>
               </a:rPr>
-              <a:t>では </a:t>
+              <a:t>それでは </a:t>
             </a:r>
             <a:r>
               <a:rPr lang="en-US" altLang="ja-JP" sz="1200" b="1" i="0" u="none" strike="noStrike" cap="none" dirty="0">
@@ -3574,30 +3574,6 @@
               <a:t>本研究では</a:t>
             </a:r>
             <a:r>
-              <a:rPr lang="ja-JP" altLang="en-US" b="1" i="0" dirty="0"/>
-              <a:t>日本語に特化した</a:t>
-            </a:r>
-            <a:r>
-              <a:rPr lang="ja-JP" altLang="en-US" dirty="0"/>
-              <a:t>大規模言語モデル</a:t>
-            </a:r>
-            <a:r>
-              <a:rPr lang="en-US" altLang="ja-JP" dirty="0"/>
-              <a:t>API</a:t>
-            </a:r>
-            <a:r>
-              <a:rPr lang="ja-JP" altLang="en-US" dirty="0"/>
-              <a:t>として</a:t>
-            </a:r>
-            <a:r>
-              <a:rPr lang="en-US" altLang="ja-JP" dirty="0"/>
-              <a:t>Preferred Elements</a:t>
-            </a:r>
-            <a:r>
-              <a:rPr lang="ja-JP" altLang="en-US" dirty="0"/>
-              <a:t>が提供している</a:t>
-            </a:r>
-            <a:r>
               <a:rPr lang="en-US" altLang="ja-JP" dirty="0"/>
               <a:t>PLaMo API</a:t>
             </a:r>
@@ -3606,12 +3582,6 @@
               <a:t>を使用しました。</a:t>
             </a:r>
             <a:endParaRPr lang="en-US" altLang="ja-JP" dirty="0"/>
-          </a:p>
-          <a:p>
-            <a:r>
-              <a:rPr lang="en-US" altLang="ja-JP" dirty="0"/>
-              <a:t>----------------------------------------------------------------</a:t>
-            </a:r>
           </a:p>
         </p:txBody>
       </p:sp>
@@ -6298,7 +6268,7 @@
           <a:p>
             <a:r>
               <a:rPr lang="ja-JP" altLang="en-US" dirty="0"/>
-              <a:t>横軸がエポック数で、縦軸がロスを表しています。また青色の線が訓練データ、黄色の線が検証データを表しています。</a:t>
+              <a:t>横軸がエポック数で、縦軸がロスの値を表しています。また青色の線が訓練データ、黄色の線が検証データを表しています。</a:t>
             </a:r>
             <a:endParaRPr lang="en-US" altLang="ja-JP" dirty="0"/>
           </a:p>
@@ -6725,7 +6695,11 @@
             </a:r>
             <a:r>
               <a:rPr lang="ja-JP" altLang="en-US" sz="700" dirty="0"/>
-              <a:t>が学習過程においてポジティブな寄与をしていることが分かりました</a:t>
+              <a:t>が学習過程においてポジティブな寄与をしていると推測できます</a:t>
+            </a:r>
+            <a:r>
+              <a:rPr lang="en-US" altLang="ja-JP" sz="700" dirty="0"/>
+              <a:t>.</a:t>
             </a:r>
             <a:endParaRPr lang="ja-JP" altLang="en-US" dirty="0"/>
           </a:p>
@@ -6946,51 +6920,51 @@
               </a:p>
               <a:p>
                 <a:r>
-                  <a:rPr lang="ja-JP" altLang="en-US" dirty="0"/>
+                  <a:rPr lang="ja-JP" altLang="en-US" b="1" dirty="0"/>
                   <a:t>提案手法において精度が従来手法を上回ったのは、要約文データにおける </a:t>
                 </a:r>
                 <a:r>
-                  <a:rPr lang="en-US" altLang="ja-JP" dirty="0"/>
+                  <a:rPr lang="en-US" altLang="ja-JP" b="1" dirty="0"/>
                   <a:t>[CLS] </a:t>
                 </a:r>
                 <a:r>
-                  <a:rPr lang="ja-JP" altLang="en-US" dirty="0"/>
+                  <a:rPr lang="ja-JP" altLang="en-US" b="1" dirty="0"/>
                   <a:t>トークンの埋め込み表現 </a:t>
                 </a:r>
                 <a:r>
-                  <a:rPr lang="en-US" altLang="ja-JP" dirty="0" err="1"/>
+                  <a:rPr lang="en-US" altLang="ja-JP" b="1" dirty="0" err="1"/>
                   <a:t>E_sum</a:t>
                 </a:r>
                 <a:r>
-                  <a:rPr lang="en-US" altLang="ja-JP" dirty="0"/>
+                  <a:rPr lang="en-US" altLang="ja-JP" b="1" dirty="0"/>
                   <a:t> </a:t>
                 </a:r>
                 <a:r>
-                  <a:rPr lang="ja-JP" altLang="en-US" dirty="0"/>
+                  <a:rPr lang="ja-JP" altLang="en-US" b="1" dirty="0"/>
                   <a:t>を学習に組み込むことで</a:t>
                 </a:r>
                 <a:r>
-                  <a:rPr lang="en-US" altLang="ja-JP" dirty="0"/>
+                  <a:rPr lang="en-US" altLang="ja-JP" b="1" dirty="0"/>
                   <a:t>, </a:t>
                 </a:r>
               </a:p>
               <a:p>
                 <a:r>
-                  <a:rPr lang="ja-JP" altLang="en-US" dirty="0"/>
+                  <a:rPr lang="ja-JP" altLang="en-US" b="1" dirty="0"/>
                   <a:t>従来手法では学習時に欠損してしまっていた原文データの重要な文脈情報を補完したか</a:t>
                 </a:r>
                 <a:r>
-                  <a:rPr lang="en-US" altLang="ja-JP" dirty="0"/>
+                  <a:rPr lang="en-US" altLang="ja-JP" b="1" dirty="0"/>
                   <a:t>, </a:t>
                 </a:r>
               </a:p>
               <a:p>
                 <a:r>
-                  <a:rPr lang="ja-JP" altLang="en-US" dirty="0"/>
+                  <a:rPr lang="ja-JP" altLang="en-US" b="1" dirty="0"/>
                   <a:t>原文データ内に含まれるキーワードが強調されたことが原因であると考えられます</a:t>
                 </a:r>
                 <a:r>
-                  <a:rPr lang="en-US" altLang="ja-JP" dirty="0"/>
+                  <a:rPr lang="en-US" altLang="ja-JP" b="1" dirty="0"/>
                   <a:t>.</a:t>
                 </a:r>
               </a:p>
@@ -7409,7 +7383,7 @@
             </a:r>
             <a:r>
               <a:rPr lang="ja-JP" altLang="en-US" dirty="0"/>
-              <a:t>の判断され、提案手法でのみ </a:t>
+              <a:t>と判断され、提案手法でのみ </a:t>
             </a:r>
             <a:r>
               <a:rPr lang="en-US" altLang="ja-JP" dirty="0"/>
@@ -9456,7 +9430,15 @@
           <a:p>
             <a:r>
               <a:rPr lang="ja-JP" altLang="en-US" dirty="0"/>
-              <a:t>これらの技術は、カスタマーサポートのチャットボットや、文章から動画や音声を生成する</a:t>
+              <a:t>これらの技術は、カスタマーサポートのチャットボットや、文章から動画や音声</a:t>
+            </a:r>
+            <a:r>
+              <a:rPr lang="en-US" altLang="ja-JP" dirty="0"/>
+              <a:t>,</a:t>
+            </a:r>
+            <a:r>
+              <a:rPr lang="ja-JP" altLang="en-US" dirty="0"/>
+              <a:t>イラストを生成する</a:t>
             </a:r>
             <a:r>
               <a:rPr lang="en-US" altLang="ja-JP" dirty="0"/>
@@ -9918,7 +9900,7 @@
                     <a:latin typeface="+mn-ea"/>
                     <a:ea typeface="+mn-ea"/>
                   </a:rPr>
-                  <a:t>層を導入　しました </a:t>
+                  <a:t>層を導入しました </a:t>
                 </a:r>
                 <a:r>
                   <a:rPr lang="ja-JP" altLang="en-US" dirty="0"/>
@@ -11401,7 +11383,7 @@
           <a:p>
             <a:fld id="{ADC4CBD9-3FF8-40EE-9D77-E4BF71F8F70A}" type="datetime1">
               <a:rPr kumimoji="1" lang="ja-JP" altLang="en-US" smtClean="0"/>
-              <a:t>2024/12/1</a:t>
+              <a:t>2024/12/2</a:t>
             </a:fld>
             <a:endParaRPr kumimoji="1" lang="ja-JP" altLang="en-US"/>
           </a:p>
@@ -11692,7 +11674,7 @@
           <a:p>
             <a:fld id="{242B0D6A-3CDB-4C59-8359-D81C7810B887}" type="datetime1">
               <a:rPr kumimoji="1" lang="ja-JP" altLang="en-US" smtClean="0"/>
-              <a:t>2024/12/1</a:t>
+              <a:t>2024/12/2</a:t>
             </a:fld>
             <a:endParaRPr kumimoji="1" lang="ja-JP" altLang="en-US"/>
           </a:p>
@@ -11945,7 +11927,7 @@
           <a:p>
             <a:fld id="{85086828-11F7-43D4-B45B-BD352AC64FA5}" type="datetime1">
               <a:rPr kumimoji="1" lang="ja-JP" altLang="en-US" smtClean="0"/>
-              <a:t>2024/12/1</a:t>
+              <a:t>2024/12/2</a:t>
             </a:fld>
             <a:endParaRPr kumimoji="1" lang="ja-JP" altLang="en-US"/>
           </a:p>
@@ -12483,7 +12465,7 @@
           <a:p>
             <a:fld id="{0DD643D6-4565-4AFF-8261-1DE821FED62A}" type="datetime1">
               <a:rPr kumimoji="1" lang="ja-JP" altLang="en-US" smtClean="0"/>
-              <a:t>2024/12/1</a:t>
+              <a:t>2024/12/2</a:t>
             </a:fld>
             <a:endParaRPr kumimoji="1" lang="ja-JP" altLang="en-US"/>
           </a:p>
@@ -12731,7 +12713,7 @@
           <a:p>
             <a:fld id="{6250FEAA-82FB-45F7-A6C0-6F1709200136}" type="datetime1">
               <a:rPr kumimoji="1" lang="ja-JP" altLang="en-US" smtClean="0"/>
-              <a:t>2024/12/1</a:t>
+              <a:t>2024/12/2</a:t>
             </a:fld>
             <a:endParaRPr kumimoji="1" lang="ja-JP" altLang="en-US"/>
           </a:p>
@@ -13274,7 +13256,7 @@
           <a:p>
             <a:fld id="{0A756BA6-5FBD-4993-B242-DB093BD39E71}" type="datetime1">
               <a:rPr kumimoji="1" lang="ja-JP" altLang="en-US" smtClean="0"/>
-              <a:t>2024/12/1</a:t>
+              <a:t>2024/12/2</a:t>
             </a:fld>
             <a:endParaRPr kumimoji="1" lang="ja-JP" altLang="en-US"/>
           </a:p>
@@ -13584,7 +13566,7 @@
           <a:p>
             <a:fld id="{854A296A-2F8E-453C-9AE8-06C654B11136}" type="datetime1">
               <a:rPr kumimoji="1" lang="ja-JP" altLang="en-US" smtClean="0"/>
-              <a:t>2024/12/1</a:t>
+              <a:t>2024/12/2</a:t>
             </a:fld>
             <a:endParaRPr kumimoji="1" lang="ja-JP" altLang="en-US"/>
           </a:p>
@@ -13791,7 +13773,7 @@
           <a:p>
             <a:fld id="{C813875C-789E-4278-B2F6-ECC0749A8AE4}" type="datetime1">
               <a:rPr kumimoji="1" lang="ja-JP" altLang="en-US" smtClean="0"/>
-              <a:t>2024/12/1</a:t>
+              <a:t>2024/12/2</a:t>
             </a:fld>
             <a:endParaRPr kumimoji="1" lang="ja-JP" altLang="en-US"/>
           </a:p>
@@ -14003,7 +13985,7 @@
           <a:p>
             <a:fld id="{2B16063E-2909-4835-91B9-4DA02899CF91}" type="datetime1">
               <a:rPr kumimoji="1" lang="ja-JP" altLang="en-US" smtClean="0"/>
-              <a:t>2024/12/1</a:t>
+              <a:t>2024/12/2</a:t>
             </a:fld>
             <a:endParaRPr kumimoji="1" lang="ja-JP" altLang="en-US"/>
           </a:p>
@@ -14218,7 +14200,7 @@
           <a:p>
             <a:fld id="{5A9C2B8C-51CA-4594-AFC6-29498B41952D}" type="datetime1">
               <a:rPr kumimoji="1" lang="ja-JP" altLang="en-US" smtClean="0"/>
-              <a:t>2024/12/1</a:t>
+              <a:t>2024/12/2</a:t>
             </a:fld>
             <a:endParaRPr kumimoji="1" lang="ja-JP" altLang="en-US"/>
           </a:p>
@@ -14476,7 +14458,7 @@
           <a:p>
             <a:fld id="{D2770C22-E414-4906-A05C-194BBC5023B7}" type="datetime1">
               <a:rPr kumimoji="1" lang="ja-JP" altLang="en-US" smtClean="0"/>
-              <a:t>2024/12/1</a:t>
+              <a:t>2024/12/2</a:t>
             </a:fld>
             <a:endParaRPr kumimoji="1" lang="ja-JP" altLang="en-US"/>
           </a:p>
@@ -14832,7 +14814,7 @@
           <a:p>
             <a:fld id="{A594D997-E1B3-4962-AB01-9510AC780FED}" type="datetime1">
               <a:rPr kumimoji="1" lang="ja-JP" altLang="en-US" smtClean="0"/>
-              <a:t>2024/12/1</a:t>
+              <a:t>2024/12/2</a:t>
             </a:fld>
             <a:endParaRPr kumimoji="1" lang="ja-JP" altLang="en-US"/>
           </a:p>
@@ -15326,7 +15308,7 @@
           <a:p>
             <a:fld id="{EA510319-9696-41C7-A0B1-C79D0FAB72CE}" type="datetime1">
               <a:rPr kumimoji="1" lang="ja-JP" altLang="en-US" smtClean="0"/>
-              <a:t>2024/12/1</a:t>
+              <a:t>2024/12/2</a:t>
             </a:fld>
             <a:endParaRPr kumimoji="1" lang="ja-JP" altLang="en-US"/>
           </a:p>
@@ -15450,7 +15432,7 @@
           <a:p>
             <a:fld id="{47148222-9A41-429C-9D88-72B46141A146}" type="datetime1">
               <a:rPr kumimoji="1" lang="ja-JP" altLang="en-US" smtClean="0"/>
-              <a:t>2024/12/1</a:t>
+              <a:t>2024/12/2</a:t>
             </a:fld>
             <a:endParaRPr kumimoji="1" lang="ja-JP" altLang="en-US"/>
           </a:p>
@@ -15545,7 +15527,7 @@
           <a:p>
             <a:fld id="{FD4BA19C-D5EF-4F0E-A2B2-101D4B975ABD}" type="datetime1">
               <a:rPr kumimoji="1" lang="ja-JP" altLang="en-US" smtClean="0"/>
-              <a:t>2024/12/1</a:t>
+              <a:t>2024/12/2</a:t>
             </a:fld>
             <a:endParaRPr kumimoji="1" lang="ja-JP" altLang="en-US"/>
           </a:p>
@@ -15860,7 +15842,7 @@
           <a:p>
             <a:fld id="{31360CAD-AA14-4A9A-82A5-7F6F74B1D576}" type="datetime1">
               <a:rPr kumimoji="1" lang="ja-JP" altLang="en-US" smtClean="0"/>
-              <a:t>2024/12/1</a:t>
+              <a:t>2024/12/2</a:t>
             </a:fld>
             <a:endParaRPr kumimoji="1" lang="ja-JP" altLang="en-US"/>
           </a:p>
@@ -16151,7 +16133,7 @@
           <a:p>
             <a:fld id="{7E550737-9CA4-489A-9C80-E740D5B2F379}" type="datetime1">
               <a:rPr kumimoji="1" lang="ja-JP" altLang="en-US" smtClean="0"/>
-              <a:t>2024/12/1</a:t>
+              <a:t>2024/12/2</a:t>
             </a:fld>
             <a:endParaRPr kumimoji="1" lang="ja-JP" altLang="en-US"/>
           </a:p>
@@ -16414,7 +16396,7 @@
           <a:p>
             <a:fld id="{972CBB3C-9CDD-4C6D-9C7E-EDE408A6334B}" type="datetime1">
               <a:rPr kumimoji="1" lang="ja-JP" altLang="en-US" smtClean="0"/>
-              <a:t>2024/12/1</a:t>
+              <a:t>2024/12/2</a:t>
             </a:fld>
             <a:endParaRPr kumimoji="1" lang="ja-JP" altLang="en-US"/>
           </a:p>
@@ -17405,19 +17387,11 @@
             </a:pPr>
             <a:r>
               <a:rPr lang="ja-JP" altLang="en-US" sz="2400" dirty="0"/>
-              <a:t>既存モデルをベースに用いず</a:t>
+              <a:t>既存モデルをベースに用いず合計</a:t>
             </a:r>
             <a:r>
               <a:rPr lang="en-US" altLang="ja-JP" sz="2400" dirty="0"/>
-              <a:t>, </a:t>
-            </a:r>
-            <a:r>
-              <a:rPr lang="ja-JP" altLang="en-US" sz="2400" dirty="0"/>
-              <a:t>合計</a:t>
-            </a:r>
-            <a:r>
-              <a:rPr lang="en-US" altLang="ja-JP" sz="2400" dirty="0"/>
-              <a:t>2</a:t>
+              <a:t> 2 </a:t>
             </a:r>
             <a:r>
               <a:rPr lang="ja-JP" altLang="en-US" sz="2400" dirty="0"/>
@@ -17441,14 +17415,10 @@
             <a:endParaRPr lang="en-US" altLang="ja-JP" sz="2400" dirty="0"/>
           </a:p>
           <a:p>
-            <a:r>
-              <a:rPr lang="ja-JP" altLang="en-US" sz="2400" dirty="0">
-                <a:solidFill>
-                  <a:schemeClr val="tx1"/>
-                </a:solidFill>
-              </a:rPr>
-              <a:t>・</a:t>
-            </a:r>
+            <a:pPr marL="285750" indent="-285750">
+              <a:buFont typeface="Arial" panose="020B0604020202020204" pitchFamily="34" charset="0"/>
+              <a:buChar char="•"/>
+            </a:pPr>
             <a:r>
               <a:rPr lang="en-US" altLang="ja-JP" sz="2400" dirty="0">
                 <a:solidFill>
@@ -17473,14 +17443,6 @@
               </a:rPr>
             </a:br>
             <a:r>
-              <a:rPr lang="en-US" altLang="ja-JP" sz="2400" dirty="0">
-                <a:solidFill>
-                  <a:schemeClr val="tx1"/>
-                </a:solidFill>
-              </a:rPr>
-              <a:t>   </a:t>
-            </a:r>
-            <a:r>
               <a:rPr lang="ja-JP" altLang="en-US" sz="2400" dirty="0">
                 <a:solidFill>
                   <a:schemeClr val="tx1"/>
@@ -17495,14 +17457,6 @@
                 </a:solidFill>
               </a:rPr>
             </a:br>
-            <a:r>
-              <a:rPr lang="en-US" altLang="ja-JP" sz="2400" dirty="0">
-                <a:solidFill>
-                  <a:schemeClr val="tx1"/>
-                </a:solidFill>
-              </a:rPr>
-              <a:t>   </a:t>
-            </a:r>
             <a:r>
               <a:rPr lang="ja-JP" altLang="en-US" sz="2400" dirty="0">
                 <a:solidFill>
@@ -17944,8 +17898,8 @@
           </a:p>
         </p:txBody>
       </p:sp>
-      <mc:AlternateContent xmlns:mc="http://schemas.openxmlformats.org/markup-compatibility/2006">
-        <mc:Choice xmlns:a14="http://schemas.microsoft.com/office/drawing/2010/main" Requires="a14">
+      <mc:AlternateContent xmlns:mc="http://schemas.openxmlformats.org/markup-compatibility/2006" xmlns:a14="http://schemas.microsoft.com/office/drawing/2010/main">
+        <mc:Choice Requires="a14">
           <p:sp>
             <p:nvSpPr>
               <p:cNvPr id="3" name="テキスト ボックス 2">
@@ -18135,7 +18089,7 @@
                     <m:sSub>
                       <m:sSubPr>
                         <m:ctrlPr>
-                          <a:rPr lang="en-US" altLang="ja-JP" sz="2400" smtClean="0">
+                          <a:rPr lang="en-US" altLang="ja-JP" sz="2400" i="1" smtClean="0">
                             <a:solidFill>
                               <a:schemeClr val="tx1"/>
                             </a:solidFill>
@@ -18195,7 +18149,7 @@
                     <m:sSub>
                       <m:sSubPr>
                         <m:ctrlPr>
-                          <a:rPr lang="en-US" altLang="ja-JP" sz="2400">
+                          <a:rPr lang="en-US" altLang="ja-JP" sz="2400" i="1">
                             <a:latin typeface="Cambria Math" panose="02040503050406030204" pitchFamily="18" charset="0"/>
                           </a:rPr>
                         </m:ctrlPr>
@@ -18267,7 +18221,7 @@
                     <m:sSub>
                       <m:sSubPr>
                         <m:ctrlPr>
-                          <a:rPr lang="en-US" altLang="ja-JP" sz="2400" smtClean="0">
+                          <a:rPr lang="en-US" altLang="ja-JP" sz="2400" i="1" smtClean="0">
                             <a:solidFill>
                               <a:schemeClr val="tx1"/>
                             </a:solidFill>
@@ -18477,7 +18431,7 @@
             </p:txBody>
           </p:sp>
         </mc:Choice>
-        <mc:Fallback>
+        <mc:Fallback xmlns="">
           <p:sp>
             <p:nvSpPr>
               <p:cNvPr id="3" name="テキスト ボックス 2">
@@ -18558,8 +18512,8 @@
           <a:chExt cx="0" cy="0"/>
         </a:xfrm>
       </p:grpSpPr>
-      <mc:AlternateContent xmlns:mc="http://schemas.openxmlformats.org/markup-compatibility/2006">
-        <mc:Choice xmlns:a14="http://schemas.microsoft.com/office/drawing/2010/main" Requires="a14">
+      <mc:AlternateContent xmlns:mc="http://schemas.openxmlformats.org/markup-compatibility/2006" xmlns:a14="http://schemas.microsoft.com/office/drawing/2010/main">
+        <mc:Choice Requires="a14">
           <p:sp>
             <p:nvSpPr>
               <p:cNvPr id="10" name="Google Shape;92;p14">
@@ -18639,7 +18593,7 @@
                     <m:sSub>
                       <m:sSubPr>
                         <m:ctrlPr>
-                          <a:rPr lang="en-US" altLang="ja-JP" sz="2400" b="1" smtClean="0">
+                          <a:rPr lang="en-US" altLang="ja-JP" sz="2400" b="1" i="1" smtClean="0">
                             <a:latin typeface="Cambria Math" panose="02040503050406030204" pitchFamily="18" charset="0"/>
                           </a:rPr>
                         </m:ctrlPr>
@@ -18697,7 +18651,7 @@
             </p:txBody>
           </p:sp>
         </mc:Choice>
-        <mc:Fallback>
+        <mc:Fallback xmlns="">
           <p:sp>
             <p:nvSpPr>
               <p:cNvPr id="10" name="Google Shape;92;p14">
@@ -19241,8 +19195,8 @@
           </a:p>
         </p:txBody>
       </p:sp>
-      <mc:AlternateContent xmlns:mc="http://schemas.openxmlformats.org/markup-compatibility/2006">
-        <mc:Choice xmlns:a14="http://schemas.microsoft.com/office/drawing/2010/main" Requires="a14">
+      <mc:AlternateContent xmlns:mc="http://schemas.openxmlformats.org/markup-compatibility/2006" xmlns:a14="http://schemas.microsoft.com/office/drawing/2010/main">
+        <mc:Choice Requires="a14">
           <p:sp>
             <p:nvSpPr>
               <p:cNvPr id="42" name="テキスト ボックス 41">
@@ -19903,7 +19857,7 @@
             </p:txBody>
           </p:sp>
         </mc:Choice>
-        <mc:Fallback>
+        <mc:Fallback xmlns="">
           <p:sp>
             <p:nvSpPr>
               <p:cNvPr id="42" name="テキスト ボックス 41">
@@ -19984,8 +19938,8 @@
           <a:chExt cx="0" cy="0"/>
         </a:xfrm>
       </p:grpSpPr>
-      <mc:AlternateContent xmlns:mc="http://schemas.openxmlformats.org/markup-compatibility/2006">
-        <mc:Choice xmlns:a14="http://schemas.microsoft.com/office/drawing/2010/main" Requires="a14">
+      <mc:AlternateContent xmlns:mc="http://schemas.openxmlformats.org/markup-compatibility/2006" xmlns:a14="http://schemas.microsoft.com/office/drawing/2010/main">
+        <mc:Choice Requires="a14">
           <p:sp>
             <p:nvSpPr>
               <p:cNvPr id="10" name="Google Shape;92;p14">
@@ -20037,7 +19991,7 @@
                     <m:sSub>
                       <m:sSubPr>
                         <m:ctrlPr>
-                          <a:rPr lang="en-US" altLang="ja-JP" sz="3200" b="1" smtClean="0">
+                          <a:rPr lang="en-US" altLang="ja-JP" sz="3200" b="1" i="1" smtClean="0">
                             <a:latin typeface="Cambria Math" panose="02040503050406030204" pitchFamily="18" charset="0"/>
                           </a:rPr>
                         </m:ctrlPr>
@@ -20460,7 +20414,7 @@
             </p:txBody>
           </p:sp>
         </mc:Choice>
-        <mc:Fallback>
+        <mc:Fallback xmlns="">
           <p:sp>
             <p:nvSpPr>
               <p:cNvPr id="10" name="Google Shape;92;p14">
@@ -25621,8 +25575,8 @@
           </p:txBody>
         </p:sp>
       </p:grpSp>
-      <mc:AlternateContent xmlns:mc="http://schemas.openxmlformats.org/markup-compatibility/2006">
-        <mc:Choice xmlns:a14="http://schemas.microsoft.com/office/drawing/2010/main" Requires="a14">
+      <mc:AlternateContent xmlns:mc="http://schemas.openxmlformats.org/markup-compatibility/2006" xmlns:a14="http://schemas.microsoft.com/office/drawing/2010/main">
+        <mc:Choice Requires="a14">
           <p:sp>
             <p:nvSpPr>
               <p:cNvPr id="2" name="テキスト ボックス 1">
@@ -25651,6 +25605,7 @@
               </a:bodyPr>
               <a:lstStyle/>
               <a:p>
+                <a:pPr/>
                 <a14:m>
                   <m:oMathPara xmlns:m="http://schemas.openxmlformats.org/officeDocument/2006/math">
                     <m:oMathParaPr>
@@ -25671,7 +25626,7 @@
             </p:txBody>
           </p:sp>
         </mc:Choice>
-        <mc:Fallback>
+        <mc:Fallback xmlns="">
           <p:sp>
             <p:nvSpPr>
               <p:cNvPr id="2" name="テキスト ボックス 1">
@@ -26113,8 +26068,8 @@
           </a:p>
         </p:txBody>
       </p:sp>
-      <mc:AlternateContent xmlns:mc="http://schemas.openxmlformats.org/markup-compatibility/2006">
-        <mc:Choice xmlns:a14="http://schemas.microsoft.com/office/drawing/2010/main" Requires="a14">
+      <mc:AlternateContent xmlns:mc="http://schemas.openxmlformats.org/markup-compatibility/2006" xmlns:a14="http://schemas.microsoft.com/office/drawing/2010/main">
+        <mc:Choice Requires="a14">
           <p:graphicFrame>
             <p:nvGraphicFramePr>
               <p:cNvPr id="3" name="表 2">
@@ -26327,7 +26282,7 @@
                               <m:sSub>
                                 <m:sSubPr>
                                   <m:ctrlPr>
-                                    <a:rPr kumimoji="1" lang="en-US" altLang="ja-JP" sz="2400" b="1" i="0" smtClean="0">
+                                    <a:rPr kumimoji="1" lang="en-US" altLang="ja-JP" sz="2400" b="1" i="1" smtClean="0">
                                       <a:latin typeface="Cambria Math" panose="02040503050406030204" pitchFamily="18" charset="0"/>
                                     </a:rPr>
                                   </m:ctrlPr>
@@ -26500,7 +26455,7 @@
                               <m:sSub>
                                 <m:sSubPr>
                                   <m:ctrlPr>
-                                    <a:rPr kumimoji="1" lang="en-US" altLang="ja-JP" sz="2400" b="1" i="0" smtClean="0">
+                                    <a:rPr kumimoji="1" lang="en-US" altLang="ja-JP" sz="2400" b="1" i="1" smtClean="0">
                                       <a:latin typeface="Cambria Math" panose="02040503050406030204" pitchFamily="18" charset="0"/>
                                     </a:rPr>
                                   </m:ctrlPr>
@@ -26640,7 +26595,7 @@
             </a:graphic>
           </p:graphicFrame>
         </mc:Choice>
-        <mc:Fallback>
+        <mc:Fallback xmlns="">
           <p:graphicFrame>
             <p:nvGraphicFramePr>
               <p:cNvPr id="3" name="表 2">
@@ -27153,7 +27108,7 @@
         <p:spPr>
           <a:xfrm>
             <a:off x="119742" y="6803"/>
-            <a:ext cx="8382001" cy="732078"/>
+            <a:ext cx="8726546" cy="732078"/>
           </a:xfrm>
           <a:prstGeom prst="rect">
             <a:avLst/>
@@ -27196,8 +27151,38 @@
               </a:rPr>
               <a:t>学習曲線</a:t>
             </a:r>
+            <a:r>
+              <a:rPr lang="en-US" altLang="ja-JP" sz="2400" b="1" dirty="0">
+                <a:latin typeface="+mn-ea"/>
+              </a:rPr>
+              <a:t>(Train</a:t>
+            </a:r>
+            <a:r>
+              <a:rPr lang="ja-JP" altLang="en-US" sz="2400" b="1" dirty="0">
+                <a:latin typeface="+mn-ea"/>
+              </a:rPr>
+              <a:t> </a:t>
+            </a:r>
+            <a:r>
+              <a:rPr lang="en-US" altLang="ja-JP" sz="2400" b="1" dirty="0">
+                <a:latin typeface="+mn-ea"/>
+              </a:rPr>
+              <a:t>Loss / Validation</a:t>
+            </a:r>
+            <a:r>
+              <a:rPr lang="ja-JP" altLang="en-US" sz="2400" b="1" dirty="0">
+                <a:latin typeface="+mn-ea"/>
+              </a:rPr>
+              <a:t> </a:t>
+            </a:r>
+            <a:r>
+              <a:rPr lang="en-US" altLang="ja-JP" sz="2400" b="1" dirty="0">
+                <a:latin typeface="+mn-ea"/>
+              </a:rPr>
+              <a:t>Loss)</a:t>
+            </a:r>
             <a:br>
-              <a:rPr lang="en-US" altLang="ja-JP" sz="3200" b="1" dirty="0">
+              <a:rPr lang="en-US" altLang="ja-JP" sz="2400" b="1" dirty="0">
                 <a:latin typeface="+mn-ea"/>
               </a:rPr>
             </a:br>
@@ -27448,8 +27433,8 @@
           </a:p>
         </p:txBody>
       </p:sp>
-      <mc:AlternateContent xmlns:mc="http://schemas.openxmlformats.org/markup-compatibility/2006">
-        <mc:Choice xmlns:a14="http://schemas.microsoft.com/office/drawing/2010/main" Requires="a14">
+      <mc:AlternateContent xmlns:mc="http://schemas.openxmlformats.org/markup-compatibility/2006" xmlns:a14="http://schemas.microsoft.com/office/drawing/2010/main">
+        <mc:Choice Requires="a14">
           <p:sp>
             <p:nvSpPr>
               <p:cNvPr id="11" name="テキスト ボックス 10">
@@ -27519,7 +27504,7 @@
             </p:txBody>
           </p:sp>
         </mc:Choice>
-        <mc:Fallback>
+        <mc:Fallback xmlns="">
           <p:sp>
             <p:nvSpPr>
               <p:cNvPr id="11" name="テキスト ボックス 10">
@@ -27656,7 +27641,25 @@
               <a:rPr lang="ja-JP" altLang="en-US" sz="3200" b="1" dirty="0">
                 <a:latin typeface="+mn-ea"/>
               </a:rPr>
-              <a:t>学習曲線</a:t>
+              <a:t>学習曲線 </a:t>
+            </a:r>
+            <a:r>
+              <a:rPr lang="en-US" altLang="ja-JP" sz="3200" b="1" dirty="0">
+                <a:latin typeface="+mn-ea"/>
+              </a:rPr>
+              <a:t>(</a:t>
+            </a:r>
+            <a:r>
+              <a:rPr lang="ja-JP" altLang="en-US" sz="3200" b="1" dirty="0">
+                <a:latin typeface="+mn-ea"/>
+              </a:rPr>
+              <a:t>重みパラメータ</a:t>
+            </a:r>
+            <a:r>
+              <a:rPr lang="en-US" altLang="ja-JP" sz="3200" b="1" dirty="0">
+                <a:latin typeface="+mn-ea"/>
+              </a:rPr>
+              <a:t>)</a:t>
             </a:r>
             <a:br>
               <a:rPr lang="en-US" altLang="ja-JP" sz="3200" b="1" dirty="0">
@@ -28250,8 +28253,8 @@
           </a:p>
         </p:txBody>
       </p:sp>
-      <mc:AlternateContent xmlns:mc="http://schemas.openxmlformats.org/markup-compatibility/2006">
-        <mc:Choice xmlns:a14="http://schemas.microsoft.com/office/drawing/2010/main" Requires="a14">
+      <mc:AlternateContent xmlns:mc="http://schemas.openxmlformats.org/markup-compatibility/2006" xmlns:a14="http://schemas.microsoft.com/office/drawing/2010/main">
+        <mc:Choice Requires="a14">
           <p:sp>
             <p:nvSpPr>
               <p:cNvPr id="3" name="テキスト ボックス 2">
@@ -28280,6 +28283,7 @@
               </a:bodyPr>
               <a:lstStyle/>
               <a:p>
+                <a:pPr/>
                 <a14:m>
                   <m:oMathPara xmlns:m="http://schemas.openxmlformats.org/officeDocument/2006/math">
                     <m:oMathParaPr>
@@ -28342,7 +28346,7 @@
             </p:txBody>
           </p:sp>
         </mc:Choice>
-        <mc:Fallback>
+        <mc:Fallback xmlns="">
           <p:sp>
             <p:nvSpPr>
               <p:cNvPr id="3" name="テキスト ボックス 2">
@@ -28387,8 +28391,8 @@
           </p:sp>
         </mc:Fallback>
       </mc:AlternateContent>
-      <mc:AlternateContent xmlns:mc="http://schemas.openxmlformats.org/markup-compatibility/2006">
-        <mc:Choice xmlns:a14="http://schemas.microsoft.com/office/drawing/2010/main" Requires="a14">
+      <mc:AlternateContent xmlns:mc="http://schemas.openxmlformats.org/markup-compatibility/2006" xmlns:a14="http://schemas.microsoft.com/office/drawing/2010/main">
+        <mc:Choice Requires="a14">
           <p:sp>
             <p:nvSpPr>
               <p:cNvPr id="4" name="テキスト ボックス 3">
@@ -28417,6 +28421,7 @@
               </a:bodyPr>
               <a:lstStyle/>
               <a:p>
+                <a:pPr/>
                 <a14:m>
                   <m:oMathPara xmlns:m="http://schemas.openxmlformats.org/officeDocument/2006/math">
                     <m:oMathParaPr>
@@ -28491,7 +28496,7 @@
             </p:txBody>
           </p:sp>
         </mc:Choice>
-        <mc:Fallback>
+        <mc:Fallback xmlns="">
           <p:sp>
             <p:nvSpPr>
               <p:cNvPr id="4" name="テキスト ボックス 3">
@@ -28698,8 +28703,8 @@
           </a:p>
         </p:txBody>
       </p:sp>
-      <mc:AlternateContent xmlns:mc="http://schemas.openxmlformats.org/markup-compatibility/2006">
-        <mc:Choice xmlns:a14="http://schemas.microsoft.com/office/drawing/2010/main" Requires="a14">
+      <mc:AlternateContent xmlns:mc="http://schemas.openxmlformats.org/markup-compatibility/2006" xmlns:a14="http://schemas.microsoft.com/office/drawing/2010/main">
+        <mc:Choice Requires="a14">
           <p:graphicFrame>
             <p:nvGraphicFramePr>
               <p:cNvPr id="3" name="表 2">
@@ -29073,7 +29078,7 @@
             </a:graphic>
           </p:graphicFrame>
         </mc:Choice>
-        <mc:Fallback>
+        <mc:Fallback xmlns="">
           <p:graphicFrame>
             <p:nvGraphicFramePr>
               <p:cNvPr id="3" name="表 2">

--- a/Weekly_Report/2024_kouki/2nd/2024_2nd_takayama.pptx
+++ b/Weekly_Report/2024_kouki/2nd/2024_2nd_takayama.pptx
@@ -1260,6 +1260,10 @@
           <a:lstStyle/>
           <a:p>
             <a:r>
+              <a:rPr kumimoji="1" lang="en-US" altLang="ja-JP" b="1" dirty="0"/>
+              <a:t>[]</a:t>
+            </a:r>
+            <a:r>
               <a:rPr kumimoji="1" lang="ja-JP" altLang="en-US" dirty="0"/>
               <a:t>次に提案手法について</a:t>
             </a:r>
@@ -2186,7 +2190,7 @@
               <a:p>
                 <a:r>
                   <a:rPr lang="ja-JP" altLang="en-US" dirty="0"/>
-                  <a:t>前述したように本研究では、大和による先行研究に対する新しいアプローチとして、</a:t>
+                  <a:t>本研究では、大和による先行研究に対する新しいアプローチとして、</a:t>
                 </a:r>
                 <a:endParaRPr lang="en-US" altLang="ja-JP" dirty="0"/>
               </a:p>
@@ -2227,7 +2231,7 @@
               <a:p>
                 <a:r>
                   <a:rPr lang="ja-JP" altLang="en-US" dirty="0"/>
-                  <a:t>埋め込み層には２つの独立した</a:t>
+                  <a:t>埋め込み層には２つの独立した事前学習済</a:t>
                 </a:r>
                 <a:r>
                   <a:rPr lang="en-US" altLang="ja-JP" dirty="0"/>
@@ -2302,15 +2306,15 @@
                 </a:pPr>
                 <a:r>
                   <a:rPr lang="ja-JP" altLang="en-US" dirty="0"/>
-                  <a:t>また、事前に大規模言語モデル</a:t>
-                </a:r>
-                <a:r>
-                  <a:rPr lang="en-US" altLang="ja-JP" dirty="0"/>
-                  <a:t>API</a:t>
+                  <a:t>また、事前に生成していた要約文</a:t>
+                </a:r>
+                <a:r>
+                  <a:rPr lang="en-US" altLang="ja-JP" dirty="0" err="1"/>
+                  <a:t>D_summary</a:t>
                 </a:r>
                 <a:r>
                   <a:rPr lang="ja-JP" altLang="en-US" dirty="0"/>
-                  <a:t>を用いて原文データから生成していた要約文を</a:t>
+                  <a:t>を</a:t>
                 </a:r>
                 <a:br>
                   <a:rPr lang="en-US" altLang="ja-JP" dirty="0"/>
@@ -2325,7 +2329,7 @@
                 </a:r>
                 <a:r>
                   <a:rPr lang="ja-JP" altLang="en-US" dirty="0"/>
-                  <a:t>へ図のように入力し、要約文に対応する </a:t>
+                  <a:t>へ図のような形式で入力し、要約文に対応する </a:t>
                 </a:r>
                 <a:r>
                   <a:rPr lang="en-US" altLang="ja-JP" dirty="0" err="1"/>
@@ -3465,7 +3469,15 @@
           <a:p>
             <a:r>
               <a:rPr lang="ja-JP" altLang="en-US" dirty="0"/>
-              <a:t>次に、データセットに含まれる記事のタイトルや本文の情報から記事の要約文を生成する手法について説明します。</a:t>
+              <a:t>次に、データセットに含まれる記事のタイトルや本文の情報から記事の要約文</a:t>
+            </a:r>
+            <a:r>
+              <a:rPr lang="en-US" altLang="ja-JP" dirty="0" err="1"/>
+              <a:t>D_summary</a:t>
+            </a:r>
+            <a:r>
+              <a:rPr lang="ja-JP" altLang="en-US" dirty="0"/>
+              <a:t>を生成する手法について説明します。</a:t>
             </a:r>
             <a:endParaRPr lang="en-US" altLang="ja-JP" dirty="0"/>
           </a:p>
@@ -6260,6 +6272,12 @@
           <a:lstStyle/>
           <a:p>
             <a:r>
+              <a:rPr lang="en-US" altLang="ja-JP" b="1" dirty="0"/>
+              <a:t>[]</a:t>
+            </a:r>
+          </a:p>
+          <a:p>
+            <a:r>
               <a:rPr lang="ja-JP" altLang="en-US" dirty="0"/>
               <a:t>次にそれぞれの学習曲線を比較します。</a:t>
             </a:r>
@@ -6268,7 +6286,7 @@
           <a:p>
             <a:r>
               <a:rPr lang="ja-JP" altLang="en-US" dirty="0"/>
-              <a:t>横軸がエポック数で、縦軸がロスの値を表しています。また青色の線が訓練データ、黄色の線が検証データを表しています。</a:t>
+              <a:t>横軸がエポック数で、縦軸がロスの値を表しています。また青色の線が訓練データ、黄色の線が検証データにおけるロスを表しています。</a:t>
             </a:r>
             <a:endParaRPr lang="en-US" altLang="ja-JP" dirty="0"/>
           </a:p>
@@ -7568,6 +7586,12 @@
           <a:lstStyle/>
           <a:p>
             <a:r>
+              <a:rPr kumimoji="1" lang="en-US" altLang="ja-JP" b="1" dirty="0"/>
+              <a:t>[]</a:t>
+            </a:r>
+          </a:p>
+          <a:p>
+            <a:r>
               <a:rPr kumimoji="1" lang="ja-JP" altLang="en-US" dirty="0"/>
               <a:t>最後に、まとめと今後の課題です</a:t>
             </a:r>
@@ -9387,11 +9411,40 @@
           <a:bodyPr/>
           <a:lstStyle/>
           <a:p>
+            <a:pPr marL="0" lvl="0" indent="0" algn="l" rtl="0">
+              <a:spcBef>
+                <a:spcPts val="0"/>
+              </a:spcBef>
+              <a:spcAft>
+                <a:spcPts val="0"/>
+              </a:spcAft>
+              <a:buNone/>
+            </a:pPr>
             <a:r>
               <a:rPr lang="ja-JP" altLang="en-US" dirty="0"/>
-              <a:t>近年、深層学習をはじめとする機械学習技術は目覚ましい進化を遂げており、</a:t>
-            </a:r>
-            <a:endParaRPr lang="en-US" altLang="ja-JP" dirty="0"/>
+              <a:t>近年、</a:t>
+            </a:r>
+            <a:r>
+              <a:rPr lang="ja-JP" altLang="en-US" sz="1200" b="1" dirty="0">
+                <a:latin typeface="+mn-ea"/>
+                <a:ea typeface="+mn-ea"/>
+              </a:rPr>
+              <a:t>大規模言語モデル </a:t>
+            </a:r>
+            <a:r>
+              <a:rPr lang="en-US" altLang="ja-JP" sz="1200" dirty="0">
+                <a:latin typeface="+mn-ea"/>
+                <a:ea typeface="+mn-ea"/>
+              </a:rPr>
+              <a:t>(LLM) </a:t>
+            </a:r>
+            <a:r>
+              <a:rPr lang="ja-JP" altLang="en-US" sz="1200" dirty="0">
+                <a:latin typeface="+mn-ea"/>
+                <a:ea typeface="+mn-ea"/>
+              </a:rPr>
+              <a:t>の進化に伴って</a:t>
+            </a:r>
           </a:p>
           <a:p>
             <a:r>
@@ -9430,7 +9483,14 @@
           <a:p>
             <a:r>
               <a:rPr lang="ja-JP" altLang="en-US" dirty="0"/>
-              <a:t>これらの技術は、カスタマーサポートのチャットボットや、文章から動画や音声</a:t>
+              <a:t>これらの技術は、カスタマーサポートのチャットボットや、</a:t>
+            </a:r>
+            <a:endParaRPr lang="en-US" altLang="ja-JP" dirty="0"/>
+          </a:p>
+          <a:p>
+            <a:r>
+              <a:rPr lang="ja-JP" altLang="en-US" dirty="0"/>
+              <a:t>文章から動画や音声</a:t>
             </a:r>
             <a:r>
               <a:rPr lang="en-US" altLang="ja-JP" dirty="0"/>
@@ -10856,6 +10916,10 @@
           <a:bodyPr/>
           <a:lstStyle/>
           <a:p>
+            <a:r>
+              <a:rPr kumimoji="1" lang="en-US" altLang="ja-JP" b="1" dirty="0"/>
+              <a:t>[]</a:t>
+            </a:r>
             <a:r>
               <a:rPr kumimoji="1" lang="ja-JP" altLang="en-US" dirty="0"/>
               <a:t>次に要素技術について</a:t>
@@ -26068,8 +26132,8 @@
           </a:p>
         </p:txBody>
       </p:sp>
-      <mc:AlternateContent xmlns:mc="http://schemas.openxmlformats.org/markup-compatibility/2006" xmlns:a14="http://schemas.microsoft.com/office/drawing/2010/main">
-        <mc:Choice Requires="a14">
+      <mc:AlternateContent xmlns:mc="http://schemas.openxmlformats.org/markup-compatibility/2006">
+        <mc:Choice xmlns:a14="http://schemas.microsoft.com/office/drawing/2010/main" Requires="a14">
           <p:graphicFrame>
             <p:nvGraphicFramePr>
               <p:cNvPr id="3" name="表 2">
@@ -26085,7 +26149,7 @@
               <p:nvPr>
                 <p:extLst>
                   <p:ext uri="{D42A27DB-BD31-4B8C-83A1-F6EECF244321}">
-                    <p14:modId xmlns:p14="http://schemas.microsoft.com/office/powerpoint/2010/main" val="1459474650"/>
+                    <p14:modId xmlns:p14="http://schemas.microsoft.com/office/powerpoint/2010/main" val="2015684640"/>
                   </p:ext>
                 </p:extLst>
               </p:nvPr>
@@ -26545,7 +26609,7 @@
                         <a:bodyPr/>
                         <a:lstStyle/>
                         <a:p>
-                          <a:pPr algn="ctr"/>
+                          <a:pPr algn="l"/>
                           <a:r>
                             <a:rPr kumimoji="1" lang="ja-JP" altLang="en-US" sz="2400" b="1" dirty="0"/>
                             <a:t>ベースライン</a:t>
@@ -26595,7 +26659,7 @@
             </a:graphic>
           </p:graphicFrame>
         </mc:Choice>
-        <mc:Fallback xmlns="">
+        <mc:Fallback>
           <p:graphicFrame>
             <p:nvGraphicFramePr>
               <p:cNvPr id="3" name="表 2">
@@ -26611,7 +26675,7 @@
               <p:nvPr>
                 <p:extLst>
                   <p:ext uri="{D42A27DB-BD31-4B8C-83A1-F6EECF244321}">
-                    <p14:modId xmlns:p14="http://schemas.microsoft.com/office/powerpoint/2010/main" val="1459474650"/>
+                    <p14:modId xmlns:p14="http://schemas.microsoft.com/office/powerpoint/2010/main" val="2015684640"/>
                   </p:ext>
                 </p:extLst>
               </p:nvPr>
@@ -27006,7 +27070,7 @@
                         <a:bodyPr/>
                         <a:lstStyle/>
                         <a:p>
-                          <a:pPr algn="ctr"/>
+                          <a:pPr algn="l"/>
                           <a:r>
                             <a:rPr kumimoji="1" lang="ja-JP" altLang="en-US" sz="2400" b="1" dirty="0"/>
                             <a:t>ベースライン</a:t>

--- a/Weekly_Report/2024_kouki/2nd/2024_2nd_takayama.pptx
+++ b/Weekly_Report/2024_kouki/2nd/2024_2nd_takayama.pptx
@@ -26132,8 +26132,8 @@
           </a:p>
         </p:txBody>
       </p:sp>
-      <mc:AlternateContent xmlns:mc="http://schemas.openxmlformats.org/markup-compatibility/2006">
-        <mc:Choice xmlns:a14="http://schemas.microsoft.com/office/drawing/2010/main" Requires="a14">
+      <mc:AlternateContent xmlns:mc="http://schemas.openxmlformats.org/markup-compatibility/2006" xmlns:a14="http://schemas.microsoft.com/office/drawing/2010/main">
+        <mc:Choice Requires="a14">
           <p:graphicFrame>
             <p:nvGraphicFramePr>
               <p:cNvPr id="3" name="表 2">
@@ -26659,7 +26659,7 @@
             </a:graphic>
           </p:graphicFrame>
         </mc:Choice>
-        <mc:Fallback>
+        <mc:Fallback xmlns="">
           <p:graphicFrame>
             <p:nvGraphicFramePr>
               <p:cNvPr id="3" name="表 2">

--- a/Weekly_Report/2024_kouki/2nd/2024_2nd_takayama.pptx
+++ b/Weekly_Report/2024_kouki/2nd/2024_2nd_takayama.pptx
@@ -6273,7 +6273,7 @@
           <a:p>
             <a:r>
               <a:rPr lang="en-US" altLang="ja-JP" b="1" dirty="0"/>
-              <a:t>[]</a:t>
+              <a:t>[9:00]</a:t>
             </a:r>
           </a:p>
           <a:p>
@@ -7587,7 +7587,7 @@
           <a:p>
             <a:r>
               <a:rPr kumimoji="1" lang="en-US" altLang="ja-JP" b="1" dirty="0"/>
-              <a:t>[]</a:t>
+              <a:t>[13:30]</a:t>
             </a:r>
           </a:p>
           <a:p>
@@ -8683,348 +8683,6 @@
               <a:bodyPr/>
               <a:lstStyle/>
               <a:p>
-                <a:r>
-                  <a:rPr lang="ja-JP" altLang="en-US" dirty="0"/>
-                  <a:t>まず、本研究で使用するデータセットについて説明します。</a:t>
-                </a:r>
-                <a:endParaRPr lang="en-US" altLang="ja-JP" dirty="0"/>
-              </a:p>
-              <a:p>
-                <a:endParaRPr lang="en-US" altLang="ja-JP" dirty="0"/>
-              </a:p>
-              <a:p>
-                <a:pPr marL="0" marR="0" lvl="0" indent="0" algn="l" defTabSz="914400" rtl="0" eaLnBrk="1" fontAlgn="auto" latinLnBrk="0" hangingPunct="1">
-                  <a:lnSpc>
-                    <a:spcPct val="100000"/>
-                  </a:lnSpc>
-                  <a:spcBef>
-                    <a:spcPts val="0"/>
-                  </a:spcBef>
-                  <a:spcAft>
-                    <a:spcPts val="0"/>
-                  </a:spcAft>
-                  <a:buClrTx/>
-                  <a:buSzTx/>
-                  <a:buFontTx/>
-                  <a:buNone/>
-                  <a:tabLst/>
-                  <a:defRPr/>
-                </a:pPr>
-                <a:r>
-                  <a:rPr kumimoji="1" lang="ja-JP" altLang="en-US" sz="1200" dirty="0"/>
-                  <a:t>本研究では </a:t>
-                </a:r>
-                <a:r>
-                  <a:rPr kumimoji="1" lang="en-US" altLang="ja-JP" sz="1200" dirty="0"/>
-                  <a:t>livedoor </a:t>
-                </a:r>
-                <a:r>
-                  <a:rPr kumimoji="1" lang="ja-JP" altLang="en-US" sz="1200" dirty="0"/>
-                  <a:t>ニュースコーパスを利用しました．</a:t>
-                </a:r>
-                <a:endParaRPr kumimoji="1" lang="en-US" altLang="ja-JP" sz="1200" dirty="0"/>
-              </a:p>
-              <a:p>
-                <a:pPr marL="0" marR="0" lvl="0" indent="0" algn="l" defTabSz="914400" rtl="0" eaLnBrk="1" fontAlgn="auto" latinLnBrk="0" hangingPunct="1">
-                  <a:lnSpc>
-                    <a:spcPct val="100000"/>
-                  </a:lnSpc>
-                  <a:spcBef>
-                    <a:spcPts val="0"/>
-                  </a:spcBef>
-                  <a:spcAft>
-                    <a:spcPts val="0"/>
-                  </a:spcAft>
-                  <a:buClrTx/>
-                  <a:buSzTx/>
-                  <a:buFontTx/>
-                  <a:buNone/>
-                  <a:tabLst/>
-                  <a:defRPr/>
-                </a:pPr>
-                <a:r>
-                  <a:rPr kumimoji="1" lang="en-US" altLang="ja-JP" sz="1200" dirty="0"/>
-                  <a:t>Livedoor </a:t>
-                </a:r>
-                <a:r>
-                  <a:rPr kumimoji="1" lang="ja-JP" altLang="en-US" sz="1200" dirty="0"/>
-                  <a:t>ニュースコーパスは </a:t>
-                </a:r>
-                <a:r>
-                  <a:rPr kumimoji="1" lang="en-US" altLang="ja-JP" sz="1200" dirty="0"/>
-                  <a:t>livedoor </a:t>
-                </a:r>
-                <a:r>
-                  <a:rPr kumimoji="1" lang="ja-JP" altLang="en-US" sz="1200" dirty="0"/>
-                  <a:t>ニュースの記事を収集したデータセットで，可能な限り </a:t>
-                </a:r>
-                <a:r>
-                  <a:rPr kumimoji="1" lang="en-US" altLang="ja-JP" sz="1200" dirty="0"/>
-                  <a:t>HTML </a:t>
-                </a:r>
-                <a:r>
-                  <a:rPr kumimoji="1" lang="ja-JP" altLang="en-US" sz="1200" dirty="0"/>
-                  <a:t>タグの除去がされており</a:t>
-                </a:r>
-                <a:r>
-                  <a:rPr kumimoji="1" lang="en-US" altLang="ja-JP" sz="1200" dirty="0"/>
-                  <a:t>,</a:t>
-                </a:r>
-              </a:p>
-              <a:p>
-                <a:pPr marL="0" marR="0" lvl="0" indent="0" algn="l" defTabSz="914400" rtl="0" eaLnBrk="1" fontAlgn="auto" latinLnBrk="0" hangingPunct="1">
-                  <a:lnSpc>
-                    <a:spcPct val="100000"/>
-                  </a:lnSpc>
-                  <a:spcBef>
-                    <a:spcPts val="0"/>
-                  </a:spcBef>
-                  <a:spcAft>
-                    <a:spcPts val="0"/>
-                  </a:spcAft>
-                  <a:buClrTx/>
-                  <a:buSzTx/>
-                  <a:buFontTx/>
-                  <a:buNone/>
-                  <a:tabLst/>
-                  <a:defRPr/>
-                </a:pPr>
-                <a:r>
-                  <a:rPr kumimoji="1" lang="en-US" altLang="ja-JP" sz="1200" dirty="0"/>
-                  <a:t>9</a:t>
-                </a:r>
-                <a:r>
-                  <a:rPr kumimoji="1" lang="ja-JP" altLang="en-US" sz="1200" dirty="0"/>
-                  <a:t>つの ニュースカテゴリから構成され，合計で </a:t>
-                </a:r>
-                <a:r>
-                  <a:rPr kumimoji="1" lang="en-US" altLang="ja-JP" sz="1200" dirty="0"/>
-                  <a:t>7,367 </a:t>
-                </a:r>
-                <a:r>
-                  <a:rPr kumimoji="1" lang="ja-JP" altLang="en-US" sz="1200" dirty="0"/>
-                  <a:t>記事からなります。</a:t>
-                </a:r>
-                <a:endParaRPr kumimoji="1" lang="en-US" altLang="ja-JP" sz="1200" dirty="0"/>
-              </a:p>
-              <a:p>
-                <a:pPr marL="0" marR="0" lvl="0" indent="0" algn="l" defTabSz="914400" rtl="0" eaLnBrk="1" fontAlgn="auto" latinLnBrk="0" hangingPunct="1">
-                  <a:lnSpc>
-                    <a:spcPct val="100000"/>
-                  </a:lnSpc>
-                  <a:spcBef>
-                    <a:spcPts val="0"/>
-                  </a:spcBef>
-                  <a:spcAft>
-                    <a:spcPts val="0"/>
-                  </a:spcAft>
-                  <a:buClrTx/>
-                  <a:buSzTx/>
-                  <a:buFontTx/>
-                  <a:buNone/>
-                  <a:tabLst/>
-                  <a:defRPr/>
-                </a:pPr>
-                <a:endParaRPr kumimoji="1" lang="en-US" altLang="ja-JP" sz="1200" dirty="0"/>
-              </a:p>
-              <a:p>
-                <a:pPr marL="0" indent="0">
-                  <a:lnSpc>
-                    <a:spcPct val="150000"/>
-                  </a:lnSpc>
-                  <a:buFont typeface="Arial" panose="020B0604020202020204" pitchFamily="34" charset="0"/>
-                  <a:buNone/>
-                </a:pPr>
-                <a:r>
-                  <a:rPr lang="ja-JP" altLang="en-US" sz="1200" dirty="0">
-                    <a:solidFill>
-                      <a:schemeClr val="tx1"/>
-                    </a:solidFill>
-                  </a:rPr>
-                  <a:t>各記事データはカテゴリ名 </a:t>
-                </a:r>
-                <a14:m>
-                  <m:oMath xmlns:m="http://schemas.openxmlformats.org/officeDocument/2006/math">
-                    <m:sSub>
-                      <m:sSubPr>
-                        <m:ctrlPr>
-                          <a:rPr lang="en-US" altLang="ja-JP" sz="1200" i="1" smtClean="0">
-                            <a:solidFill>
-                              <a:schemeClr val="tx1"/>
-                            </a:solidFill>
-                            <a:latin typeface="Cambria Math" panose="02040503050406030204" pitchFamily="18" charset="0"/>
-                          </a:rPr>
-                        </m:ctrlPr>
-                      </m:sSubPr>
-                      <m:e>
-                        <m:r>
-                          <a:rPr lang="en-US" altLang="ja-JP" sz="1200" b="0" i="1" smtClean="0">
-                            <a:solidFill>
-                              <a:schemeClr val="tx1"/>
-                            </a:solidFill>
-                            <a:latin typeface="Cambria Math" panose="02040503050406030204" pitchFamily="18" charset="0"/>
-                          </a:rPr>
-                          <m:t>𝐷</m:t>
-                        </m:r>
-                      </m:e>
-                      <m:sub>
-                        <m:r>
-                          <a:rPr lang="en-US" altLang="ja-JP" sz="1200" b="0" i="1" smtClean="0">
-                            <a:solidFill>
-                              <a:schemeClr val="tx1"/>
-                            </a:solidFill>
-                            <a:latin typeface="Cambria Math" panose="02040503050406030204" pitchFamily="18" charset="0"/>
-                          </a:rPr>
-                          <m:t>𝑙𝑎𝑏𝑒𝑙</m:t>
-                        </m:r>
-                      </m:sub>
-                    </m:sSub>
-                  </m:oMath>
-                </a14:m>
-                <a:r>
-                  <a:rPr lang="en-US" altLang="ja-JP" sz="1200" dirty="0">
-                    <a:solidFill>
-                      <a:schemeClr val="tx1"/>
-                    </a:solidFill>
-                  </a:rPr>
-                  <a:t>, </a:t>
-                </a:r>
-                <a:r>
-                  <a:rPr lang="ja-JP" altLang="en-US" sz="1200" dirty="0">
-                    <a:solidFill>
-                      <a:schemeClr val="tx1"/>
-                    </a:solidFill>
-                  </a:rPr>
-                  <a:t>記事タイトル </a:t>
-                </a:r>
-                <a14:m>
-                  <m:oMath xmlns:m="http://schemas.openxmlformats.org/officeDocument/2006/math">
-                    <m:sSub>
-                      <m:sSubPr>
-                        <m:ctrlPr>
-                          <a:rPr lang="en-US" altLang="ja-JP" sz="1200" i="1">
-                            <a:latin typeface="Cambria Math" panose="02040503050406030204" pitchFamily="18" charset="0"/>
-                          </a:rPr>
-                        </m:ctrlPr>
-                      </m:sSubPr>
-                      <m:e>
-                        <m:r>
-                          <a:rPr lang="en-US" altLang="ja-JP" sz="1200" i="1">
-                            <a:latin typeface="Cambria Math" panose="02040503050406030204" pitchFamily="18" charset="0"/>
-                          </a:rPr>
-                          <m:t>𝐷</m:t>
-                        </m:r>
-                      </m:e>
-                      <m:sub>
-                        <m:r>
-                          <a:rPr lang="en-US" altLang="ja-JP" sz="1200" b="0" i="1" smtClean="0">
-                            <a:latin typeface="Cambria Math" panose="02040503050406030204" pitchFamily="18" charset="0"/>
-                          </a:rPr>
-                          <m:t>𝑡𝑖𝑡𝑙𝑒</m:t>
-                        </m:r>
-                      </m:sub>
-                    </m:sSub>
-                    <m:r>
-                      <a:rPr lang="en-US" altLang="ja-JP" sz="1200" i="1">
-                        <a:latin typeface="Cambria Math" panose="02040503050406030204" pitchFamily="18" charset="0"/>
-                      </a:rPr>
-                      <m:t> </m:t>
-                    </m:r>
-                  </m:oMath>
-                </a14:m>
-                <a:r>
-                  <a:rPr lang="en-US" altLang="ja-JP" sz="1200" dirty="0">
-                    <a:solidFill>
-                      <a:schemeClr val="tx1"/>
-                    </a:solidFill>
-                  </a:rPr>
-                  <a:t>, </a:t>
-                </a:r>
-                <a:r>
-                  <a:rPr lang="ja-JP" altLang="en-US" sz="1200" dirty="0">
-                    <a:solidFill>
-                      <a:schemeClr val="tx1"/>
-                    </a:solidFill>
-                  </a:rPr>
-                  <a:t>記事本文 </a:t>
-                </a:r>
-                <a14:m>
-                  <m:oMath xmlns:m="http://schemas.openxmlformats.org/officeDocument/2006/math">
-                    <m:sSub>
-                      <m:sSubPr>
-                        <m:ctrlPr>
-                          <a:rPr lang="en-US" altLang="ja-JP" sz="1200" i="1" smtClean="0">
-                            <a:solidFill>
-                              <a:schemeClr val="tx1"/>
-                            </a:solidFill>
-                            <a:latin typeface="Cambria Math" panose="02040503050406030204" pitchFamily="18" charset="0"/>
-                          </a:rPr>
-                        </m:ctrlPr>
-                      </m:sSubPr>
-                      <m:e>
-                        <m:r>
-                          <a:rPr lang="en-US" altLang="ja-JP" sz="1200" b="0" i="1" smtClean="0">
-                            <a:solidFill>
-                              <a:schemeClr val="tx1"/>
-                            </a:solidFill>
-                            <a:latin typeface="Cambria Math" panose="02040503050406030204" pitchFamily="18" charset="0"/>
-                          </a:rPr>
-                          <m:t>𝐷</m:t>
-                        </m:r>
-                      </m:e>
-                      <m:sub>
-                        <m:r>
-                          <a:rPr lang="en-US" altLang="ja-JP" sz="1200" b="0" i="1" smtClean="0">
-                            <a:solidFill>
-                              <a:schemeClr val="tx1"/>
-                            </a:solidFill>
-                            <a:latin typeface="Cambria Math" panose="02040503050406030204" pitchFamily="18" charset="0"/>
-                          </a:rPr>
-                          <m:t>𝑏𝑜𝑑𝑦</m:t>
-                        </m:r>
-                      </m:sub>
-                    </m:sSub>
-                  </m:oMath>
-                </a14:m>
-                <a:r>
-                  <a:rPr lang="ja-JP" altLang="en-US" sz="1200" dirty="0">
-                    <a:solidFill>
-                      <a:schemeClr val="tx1"/>
-                    </a:solidFill>
-                  </a:rPr>
-                  <a:t> などのメタデータから構成されており</a:t>
-                </a:r>
-                <a:endParaRPr lang="en-US" altLang="ja-JP" sz="1200" dirty="0">
-                  <a:solidFill>
-                    <a:schemeClr val="tx1"/>
-                  </a:solidFill>
-                </a:endParaRPr>
-              </a:p>
-              <a:p>
-                <a:pPr marL="0" marR="0" lvl="0" indent="0" algn="l" defTabSz="914400" rtl="0" eaLnBrk="1" fontAlgn="auto" latinLnBrk="0" hangingPunct="1">
-                  <a:lnSpc>
-                    <a:spcPct val="100000"/>
-                  </a:lnSpc>
-                  <a:spcBef>
-                    <a:spcPts val="0"/>
-                  </a:spcBef>
-                  <a:spcAft>
-                    <a:spcPts val="0"/>
-                  </a:spcAft>
-                  <a:buClrTx/>
-                  <a:buSzTx/>
-                  <a:buFontTx/>
-                  <a:buNone/>
-                  <a:tabLst/>
-                  <a:defRPr/>
-                </a:pPr>
-                <a:r>
-                  <a:rPr kumimoji="1" lang="ja-JP" altLang="en-US" sz="1200" dirty="0"/>
-                  <a:t>本研究では次のようにカテゴリ名に対してラベルを付与しています．</a:t>
-                </a:r>
-                <a:endParaRPr kumimoji="1" lang="en-US" altLang="ja-JP" sz="1200" dirty="0"/>
-              </a:p>
-              <a:p>
                 <a:endParaRPr lang="ja-JP" altLang="en-US" dirty="0"/>
               </a:p>
             </p:txBody>
@@ -9476,7 +9134,15 @@
             </a:r>
             <a:r>
               <a:rPr lang="ja-JP" altLang="en-US" dirty="0"/>
-              <a:t>といった大規模言語モデルを活用したシステムに注目が集まっています。</a:t>
+              <a:t>といった</a:t>
+            </a:r>
+            <a:r>
+              <a:rPr lang="en-US" altLang="ja-JP" dirty="0"/>
+              <a:t>LLM</a:t>
+            </a:r>
+            <a:r>
+              <a:rPr lang="ja-JP" altLang="en-US" dirty="0"/>
+              <a:t>を活用したシステムに注目が集まっています。</a:t>
             </a:r>
             <a:endParaRPr lang="en-US" altLang="ja-JP" dirty="0"/>
           </a:p>
@@ -35443,8 +35109,8 @@
         </p:blipFill>
         <p:spPr>
           <a:xfrm>
-            <a:off x="5587079" y="3233970"/>
-            <a:ext cx="3114518" cy="2749260"/>
+            <a:off x="5891147" y="3230917"/>
+            <a:ext cx="2893577" cy="2554230"/>
           </a:xfrm>
           <a:prstGeom prst="rect">
             <a:avLst/>
@@ -35653,7 +35319,7 @@
                   <a:schemeClr val="tx1"/>
                 </a:solidFill>
               </a:rPr>
-              <a:t>東北大学による事前学習モデル</a:t>
+              <a:t>東北大学による事前学習済モデル</a:t>
             </a:r>
             <a:br>
               <a:rPr lang="en-US" altLang="ja-JP" sz="2400" dirty="0">

--- a/Weekly_Report/2024_kouki/2nd/2024_2nd_takayama.pptx
+++ b/Weekly_Report/2024_kouki/2nd/2024_2nd_takayama.pptx
@@ -1261,7 +1261,7 @@
           <a:p>
             <a:r>
               <a:rPr kumimoji="1" lang="en-US" altLang="ja-JP" b="1" dirty="0"/>
-              <a:t>[]</a:t>
+              <a:t>[3:50]</a:t>
             </a:r>
             <a:r>
               <a:rPr kumimoji="1" lang="ja-JP" altLang="en-US" dirty="0"/>
@@ -10583,12 +10583,18 @@
           <a:lstStyle/>
           <a:p>
             <a:r>
-              <a:rPr kumimoji="1" lang="en-US" altLang="ja-JP" b="1" dirty="0"/>
-              <a:t>[]</a:t>
+              <a:rPr kumimoji="1" lang="en-US" altLang="ja-JP" b="1"/>
+              <a:t>[2:50]</a:t>
+            </a:r>
+          </a:p>
+          <a:p>
+            <a:r>
+              <a:rPr kumimoji="1" lang="ja-JP" altLang="en-US"/>
+              <a:t>次</a:t>
             </a:r>
             <a:r>
               <a:rPr kumimoji="1" lang="ja-JP" altLang="en-US" dirty="0"/>
-              <a:t>次に要素技術について</a:t>
+              <a:t>に要素技術について</a:t>
             </a:r>
           </a:p>
         </p:txBody>

--- a/Weekly_Report/2024_kouki/2nd/2024_2nd_takayama.pptx
+++ b/Weekly_Report/2024_kouki/2nd/2024_2nd_takayama.pptx
@@ -5,10 +5,10 @@
     <p:sldMasterId id="2147483732" r:id="rId1"/>
   </p:sldMasterIdLst>
   <p:notesMasterIdLst>
-    <p:notesMasterId r:id="rId35"/>
+    <p:notesMasterId r:id="rId37"/>
   </p:notesMasterIdLst>
   <p:handoutMasterIdLst>
-    <p:handoutMasterId r:id="rId36"/>
+    <p:handoutMasterId r:id="rId38"/>
   </p:handoutMasterIdLst>
   <p:sldIdLst>
     <p:sldId id="256" r:id="rId2"/>
@@ -27,23 +27,25 @@
     <p:sldId id="437" r:id="rId15"/>
     <p:sldId id="439" r:id="rId16"/>
     <p:sldId id="440" r:id="rId17"/>
-    <p:sldId id="441" r:id="rId18"/>
-    <p:sldId id="390" r:id="rId19"/>
-    <p:sldId id="442" r:id="rId20"/>
-    <p:sldId id="443" r:id="rId21"/>
-    <p:sldId id="444" r:id="rId22"/>
-    <p:sldId id="445" r:id="rId23"/>
-    <p:sldId id="452" r:id="rId24"/>
-    <p:sldId id="448" r:id="rId25"/>
-    <p:sldId id="447" r:id="rId26"/>
-    <p:sldId id="451" r:id="rId27"/>
-    <p:sldId id="449" r:id="rId28"/>
-    <p:sldId id="301" r:id="rId29"/>
-    <p:sldId id="457" r:id="rId30"/>
-    <p:sldId id="330" r:id="rId31"/>
-    <p:sldId id="336" r:id="rId32"/>
-    <p:sldId id="454" r:id="rId33"/>
-    <p:sldId id="450" r:id="rId34"/>
+    <p:sldId id="458" r:id="rId18"/>
+    <p:sldId id="441" r:id="rId19"/>
+    <p:sldId id="459" r:id="rId20"/>
+    <p:sldId id="390" r:id="rId21"/>
+    <p:sldId id="442" r:id="rId22"/>
+    <p:sldId id="443" r:id="rId23"/>
+    <p:sldId id="444" r:id="rId24"/>
+    <p:sldId id="445" r:id="rId25"/>
+    <p:sldId id="452" r:id="rId26"/>
+    <p:sldId id="448" r:id="rId27"/>
+    <p:sldId id="447" r:id="rId28"/>
+    <p:sldId id="451" r:id="rId29"/>
+    <p:sldId id="449" r:id="rId30"/>
+    <p:sldId id="301" r:id="rId31"/>
+    <p:sldId id="457" r:id="rId32"/>
+    <p:sldId id="330" r:id="rId33"/>
+    <p:sldId id="336" r:id="rId34"/>
+    <p:sldId id="454" r:id="rId35"/>
+    <p:sldId id="450" r:id="rId36"/>
   </p:sldIdLst>
   <p:sldSz cx="9144000" cy="6858000" type="screen4x3"/>
   <p:notesSz cx="6858000" cy="9144000"/>
@@ -179,7 +181,9 @@
             <p14:sldId id="437"/>
             <p14:sldId id="439"/>
             <p14:sldId id="440"/>
+            <p14:sldId id="458"/>
             <p14:sldId id="441"/>
+            <p14:sldId id="459"/>
           </p14:sldIdLst>
         </p14:section>
         <p14:section name="実験設定" id="{57D13AC2-5BAF-4A05-8C94-90F750AD787E}">
@@ -316,7 +320,7 @@
           <a:p>
             <a:fld id="{AA11B9FB-333F-460A-9517-0BCD279B4527}" type="datetimeFigureOut">
               <a:rPr kumimoji="1" lang="ja-JP" altLang="en-US" smtClean="0"/>
-              <a:t>2024/12/2</a:t>
+              <a:t>2025/2/1</a:t>
             </a:fld>
             <a:endParaRPr kumimoji="1" lang="ja-JP" altLang="en-US"/>
           </a:p>
@@ -493,7 +497,7 @@
           <a:p>
             <a:fld id="{51CEA0BD-DC90-403D-801D-2BAD5ACCE07B}" type="datetimeFigureOut">
               <a:rPr kumimoji="1" lang="ja-JP" altLang="en-US" smtClean="0"/>
-              <a:t>2024/12/2</a:t>
+              <a:t>2025/2/1</a:t>
             </a:fld>
             <a:endParaRPr kumimoji="1" lang="ja-JP" altLang="en-US"/>
           </a:p>
@@ -3817,6 +3821,176 @@
         <p:cNvPr id="1" name="">
           <a:extLst>
             <a:ext uri="{FF2B5EF4-FFF2-40B4-BE49-F238E27FC236}">
+              <a16:creationId xmlns:a16="http://schemas.microsoft.com/office/drawing/2014/main" id="{A153F319-3FCF-EE26-03E5-4EF8C283634E}"/>
+            </a:ext>
+          </a:extLst>
+        </p:cNvPr>
+        <p:cNvGrpSpPr/>
+        <p:nvPr/>
+      </p:nvGrpSpPr>
+      <p:grpSpPr>
+        <a:xfrm>
+          <a:off x="0" y="0"/>
+          <a:ext cx="0" cy="0"/>
+          <a:chOff x="0" y="0"/>
+          <a:chExt cx="0" cy="0"/>
+        </a:xfrm>
+      </p:grpSpPr>
+      <p:sp>
+        <p:nvSpPr>
+          <p:cNvPr id="2" name="スライド イメージ プレースホルダー 1">
+            <a:extLst>
+              <a:ext uri="{FF2B5EF4-FFF2-40B4-BE49-F238E27FC236}">
+                <a16:creationId xmlns:a16="http://schemas.microsoft.com/office/drawing/2014/main" id="{D9CA6F44-210A-497E-00DD-4301DAF084BF}"/>
+              </a:ext>
+            </a:extLst>
+          </p:cNvPr>
+          <p:cNvSpPr>
+            <a:spLocks noGrp="1" noRot="1" noChangeAspect="1"/>
+          </p:cNvSpPr>
+          <p:nvPr>
+            <p:ph type="sldImg"/>
+          </p:nvPr>
+        </p:nvSpPr>
+        <p:spPr/>
+      </p:sp>
+      <p:sp>
+        <p:nvSpPr>
+          <p:cNvPr id="3" name="ノート プレースホルダー 2">
+            <a:extLst>
+              <a:ext uri="{FF2B5EF4-FFF2-40B4-BE49-F238E27FC236}">
+                <a16:creationId xmlns:a16="http://schemas.microsoft.com/office/drawing/2014/main" id="{EE592F2E-36EF-C067-098F-4E22F29E2E47}"/>
+              </a:ext>
+            </a:extLst>
+          </p:cNvPr>
+          <p:cNvSpPr>
+            <a:spLocks noGrp="1"/>
+          </p:cNvSpPr>
+          <p:nvPr>
+            <p:ph type="body" idx="1"/>
+          </p:nvPr>
+        </p:nvSpPr>
+        <p:spPr/>
+        <p:txBody>
+          <a:bodyPr/>
+          <a:lstStyle/>
+          <a:p>
+            <a:r>
+              <a:rPr lang="ja-JP" altLang="en-US" dirty="0"/>
+              <a:t>要約文の生成例を</a:t>
+            </a:r>
+            <a:r>
+              <a:rPr lang="en-US" altLang="ja-JP" dirty="0"/>
+              <a:t>2</a:t>
+            </a:r>
+            <a:r>
+              <a:rPr lang="ja-JP" altLang="en-US" dirty="0"/>
+              <a:t>例ほど示します。</a:t>
+            </a:r>
+            <a:endParaRPr lang="en-US" altLang="ja-JP" dirty="0"/>
+          </a:p>
+          <a:p>
+            <a:endParaRPr lang="en-US" altLang="ja-JP" dirty="0"/>
+          </a:p>
+          <a:p>
+            <a:r>
+              <a:rPr lang="ja-JP" altLang="en-US" dirty="0"/>
+              <a:t>まずは、カテゴリラベルが独女通信の</a:t>
+            </a:r>
+            <a:r>
+              <a:rPr lang="en-US" altLang="ja-JP" dirty="0"/>
+              <a:t>1</a:t>
+            </a:r>
+            <a:r>
+              <a:rPr lang="ja-JP" altLang="en-US" dirty="0"/>
+              <a:t>例です。</a:t>
+            </a:r>
+            <a:endParaRPr lang="en-US" altLang="ja-JP" dirty="0"/>
+          </a:p>
+          <a:p>
+            <a:endParaRPr lang="en-US" altLang="ja-JP" dirty="0"/>
+          </a:p>
+          <a:p>
+            <a:r>
+              <a:rPr lang="ja-JP" altLang="en-US" dirty="0"/>
+              <a:t>内容の詳細は省きますが</a:t>
+            </a:r>
+            <a:endParaRPr lang="en-US" altLang="ja-JP" dirty="0"/>
+          </a:p>
+          <a:p>
+            <a:r>
+              <a:rPr lang="ja-JP" altLang="en-US" dirty="0"/>
+              <a:t>元々の文章に含まれる固有名詞や</a:t>
+            </a:r>
+            <a:r>
+              <a:rPr lang="ja-JP" altLang="en-US" b="1" dirty="0"/>
+              <a:t>ラベル名と強い結びつきを持つような語句</a:t>
+            </a:r>
+            <a:r>
+              <a:rPr lang="ja-JP" altLang="en-US" dirty="0"/>
+              <a:t>などが</a:t>
+            </a:r>
+            <a:endParaRPr lang="en-US" altLang="ja-JP" dirty="0"/>
+          </a:p>
+          <a:p>
+            <a:r>
+              <a:rPr lang="ja-JP" altLang="en-US" dirty="0"/>
+              <a:t>しっかりと要約文の中にピックアップされていることが分かります。</a:t>
+            </a:r>
+            <a:endParaRPr lang="en-US" altLang="ja-JP" dirty="0"/>
+          </a:p>
+        </p:txBody>
+      </p:sp>
+      <p:sp>
+        <p:nvSpPr>
+          <p:cNvPr id="4" name="スライド番号プレースホルダー 3">
+            <a:extLst>
+              <a:ext uri="{FF2B5EF4-FFF2-40B4-BE49-F238E27FC236}">
+                <a16:creationId xmlns:a16="http://schemas.microsoft.com/office/drawing/2014/main" id="{B9AC2502-92BC-8E12-BFE4-171E2295A106}"/>
+              </a:ext>
+            </a:extLst>
+          </p:cNvPr>
+          <p:cNvSpPr>
+            <a:spLocks noGrp="1"/>
+          </p:cNvSpPr>
+          <p:nvPr>
+            <p:ph type="sldNum" sz="quarter" idx="5"/>
+          </p:nvPr>
+        </p:nvSpPr>
+        <p:spPr/>
+        <p:txBody>
+          <a:bodyPr/>
+          <a:lstStyle/>
+          <a:p>
+            <a:fld id="{AB4198F6-3BD3-45C7-8FA6-C18C234E0100}" type="slidenum">
+              <a:rPr kumimoji="1" lang="ja-JP" altLang="en-US" smtClean="0"/>
+              <a:t>17</a:t>
+            </a:fld>
+            <a:endParaRPr kumimoji="1" lang="ja-JP" altLang="en-US"/>
+          </a:p>
+        </p:txBody>
+      </p:sp>
+    </p:spTree>
+    <p:extLst>
+      <p:ext uri="{BB962C8B-B14F-4D97-AF65-F5344CB8AC3E}">
+        <p14:creationId xmlns:p14="http://schemas.microsoft.com/office/powerpoint/2010/main" val="3278798463"/>
+      </p:ext>
+    </p:extLst>
+  </p:cSld>
+  <p:clrMapOvr>
+    <a:masterClrMapping/>
+  </p:clrMapOvr>
+</p:notes>
+</file>
+
+<file path=ppt/notesSlides/notesSlide18.xml><?xml version="1.0" encoding="utf-8"?>
+<p:notes xmlns:a="http://schemas.openxmlformats.org/drawingml/2006/main" xmlns:r="http://schemas.openxmlformats.org/officeDocument/2006/relationships" xmlns:p="http://schemas.openxmlformats.org/presentationml/2006/main">
+  <p:cSld>
+    <p:spTree>
+      <p:nvGrpSpPr>
+        <p:cNvPr id="1" name="">
+          <a:extLst>
+            <a:ext uri="{FF2B5EF4-FFF2-40B4-BE49-F238E27FC236}">
               <a16:creationId xmlns:a16="http://schemas.microsoft.com/office/drawing/2014/main" id="{41226921-CE11-F249-6793-0BB064BBA746}"/>
             </a:ext>
           </a:extLst>
@@ -3937,7 +4111,7 @@
           <a:p>
             <a:fld id="{AB4198F6-3BD3-45C7-8FA6-C18C234E0100}" type="slidenum">
               <a:rPr kumimoji="1" lang="ja-JP" altLang="en-US" smtClean="0"/>
-              <a:t>17</a:t>
+              <a:t>18</a:t>
             </a:fld>
             <a:endParaRPr kumimoji="1" lang="ja-JP" altLang="en-US"/>
           </a:p>
@@ -3956,7 +4130,154 @@
 </p:notes>
 </file>
 
-<file path=ppt/notesSlides/notesSlide18.xml><?xml version="1.0" encoding="utf-8"?>
+<file path=ppt/notesSlides/notesSlide19.xml><?xml version="1.0" encoding="utf-8"?>
+<p:notes xmlns:a="http://schemas.openxmlformats.org/drawingml/2006/main" xmlns:r="http://schemas.openxmlformats.org/officeDocument/2006/relationships" xmlns:p="http://schemas.openxmlformats.org/presentationml/2006/main">
+  <p:cSld>
+    <p:spTree>
+      <p:nvGrpSpPr>
+        <p:cNvPr id="1" name="">
+          <a:extLst>
+            <a:ext uri="{FF2B5EF4-FFF2-40B4-BE49-F238E27FC236}">
+              <a16:creationId xmlns:a16="http://schemas.microsoft.com/office/drawing/2014/main" id="{BD151E99-BEBE-E441-06A5-23611F1DED93}"/>
+            </a:ext>
+          </a:extLst>
+        </p:cNvPr>
+        <p:cNvGrpSpPr/>
+        <p:nvPr/>
+      </p:nvGrpSpPr>
+      <p:grpSpPr>
+        <a:xfrm>
+          <a:off x="0" y="0"/>
+          <a:ext cx="0" cy="0"/>
+          <a:chOff x="0" y="0"/>
+          <a:chExt cx="0" cy="0"/>
+        </a:xfrm>
+      </p:grpSpPr>
+      <p:sp>
+        <p:nvSpPr>
+          <p:cNvPr id="2" name="スライド イメージ プレースホルダー 1">
+            <a:extLst>
+              <a:ext uri="{FF2B5EF4-FFF2-40B4-BE49-F238E27FC236}">
+                <a16:creationId xmlns:a16="http://schemas.microsoft.com/office/drawing/2014/main" id="{42B9CF5A-C081-4247-B8E2-4BA74530FFF9}"/>
+              </a:ext>
+            </a:extLst>
+          </p:cNvPr>
+          <p:cNvSpPr>
+            <a:spLocks noGrp="1" noRot="1" noChangeAspect="1"/>
+          </p:cNvSpPr>
+          <p:nvPr>
+            <p:ph type="sldImg"/>
+          </p:nvPr>
+        </p:nvSpPr>
+        <p:spPr/>
+      </p:sp>
+      <p:sp>
+        <p:nvSpPr>
+          <p:cNvPr id="3" name="ノート プレースホルダー 2">
+            <a:extLst>
+              <a:ext uri="{FF2B5EF4-FFF2-40B4-BE49-F238E27FC236}">
+                <a16:creationId xmlns:a16="http://schemas.microsoft.com/office/drawing/2014/main" id="{50C587AF-7F0F-6EBC-C46C-2EB15924D096}"/>
+              </a:ext>
+            </a:extLst>
+          </p:cNvPr>
+          <p:cNvSpPr>
+            <a:spLocks noGrp="1"/>
+          </p:cNvSpPr>
+          <p:nvPr>
+            <p:ph type="body" idx="1"/>
+          </p:nvPr>
+        </p:nvSpPr>
+        <p:spPr/>
+        <p:txBody>
+          <a:bodyPr/>
+          <a:lstStyle/>
+          <a:p>
+            <a:r>
+              <a:rPr lang="ja-JP" altLang="en-US" dirty="0"/>
+              <a:t>また、</a:t>
+            </a:r>
+            <a:r>
+              <a:rPr lang="en-US" altLang="ja-JP" dirty="0"/>
+              <a:t>MOVIE ENTER</a:t>
+            </a:r>
+            <a:r>
+              <a:rPr lang="ja-JP" altLang="en-US" dirty="0"/>
+              <a:t>の例では</a:t>
+            </a:r>
+            <a:endParaRPr lang="en-US" altLang="ja-JP" dirty="0"/>
+          </a:p>
+          <a:p>
+            <a:endParaRPr lang="en-US" altLang="ja-JP" dirty="0"/>
+          </a:p>
+          <a:p>
+            <a:r>
+              <a:rPr lang="ja-JP" altLang="en-US" dirty="0"/>
+              <a:t>ニュース記事である特性上、記事の末尾に記されているような</a:t>
+            </a:r>
+            <a:endParaRPr lang="en-US" altLang="ja-JP" dirty="0"/>
+          </a:p>
+          <a:p>
+            <a:r>
+              <a:rPr lang="ja-JP" altLang="en-US" b="1" dirty="0"/>
+              <a:t>関連記事に関する文章</a:t>
+            </a:r>
+            <a:r>
+              <a:rPr lang="ja-JP" altLang="en-US" dirty="0"/>
+              <a:t>が含まれていたとしても</a:t>
+            </a:r>
+            <a:endParaRPr lang="en-US" altLang="ja-JP" dirty="0"/>
+          </a:p>
+          <a:p>
+            <a:r>
+              <a:rPr lang="ja-JP" altLang="en-US" dirty="0"/>
+              <a:t>要約時には取り除かれていることが分かります。</a:t>
+            </a:r>
+          </a:p>
+        </p:txBody>
+      </p:sp>
+      <p:sp>
+        <p:nvSpPr>
+          <p:cNvPr id="4" name="スライド番号プレースホルダー 3">
+            <a:extLst>
+              <a:ext uri="{FF2B5EF4-FFF2-40B4-BE49-F238E27FC236}">
+                <a16:creationId xmlns:a16="http://schemas.microsoft.com/office/drawing/2014/main" id="{075AF63D-E693-B66F-559E-ABEC81DCD23E}"/>
+              </a:ext>
+            </a:extLst>
+          </p:cNvPr>
+          <p:cNvSpPr>
+            <a:spLocks noGrp="1"/>
+          </p:cNvSpPr>
+          <p:nvPr>
+            <p:ph type="sldNum" sz="quarter" idx="5"/>
+          </p:nvPr>
+        </p:nvSpPr>
+        <p:spPr/>
+        <p:txBody>
+          <a:bodyPr/>
+          <a:lstStyle/>
+          <a:p>
+            <a:fld id="{AB4198F6-3BD3-45C7-8FA6-C18C234E0100}" type="slidenum">
+              <a:rPr kumimoji="1" lang="ja-JP" altLang="en-US" smtClean="0"/>
+              <a:t>19</a:t>
+            </a:fld>
+            <a:endParaRPr kumimoji="1" lang="ja-JP" altLang="en-US"/>
+          </a:p>
+        </p:txBody>
+      </p:sp>
+    </p:spTree>
+    <p:extLst>
+      <p:ext uri="{BB962C8B-B14F-4D97-AF65-F5344CB8AC3E}">
+        <p14:creationId xmlns:p14="http://schemas.microsoft.com/office/powerpoint/2010/main" val="2261296176"/>
+      </p:ext>
+    </p:extLst>
+  </p:cSld>
+  <p:clrMapOvr>
+    <a:masterClrMapping/>
+  </p:clrMapOvr>
+</p:notes>
+</file>
+
+<file path=ppt/notesSlides/notesSlide2.xml><?xml version="1.0" encoding="utf-8"?>
 <p:notes xmlns:a="http://schemas.openxmlformats.org/drawingml/2006/main" xmlns:r="http://schemas.openxmlformats.org/officeDocument/2006/relationships" xmlns:p="http://schemas.openxmlformats.org/presentationml/2006/main">
   <p:cSld>
     <p:spTree>
@@ -4001,15 +4322,14 @@
           <a:lstStyle/>
           <a:p>
             <a:r>
-              <a:rPr kumimoji="1" lang="en-US" altLang="ja-JP" b="1" dirty="0"/>
-              <a:t>[7:30]</a:t>
-            </a:r>
-          </a:p>
-          <a:p>
-            <a:r>
               <a:rPr kumimoji="1" lang="ja-JP" altLang="en-US" dirty="0"/>
-              <a:t>次に数値実験について説明します</a:t>
-            </a:r>
+              <a:t>発表の流れはこのようになっております</a:t>
+            </a:r>
+            <a:r>
+              <a:rPr kumimoji="1" lang="en-US" altLang="ja-JP" dirty="0"/>
+              <a:t>.</a:t>
+            </a:r>
+            <a:endParaRPr kumimoji="1" lang="ja-JP" altLang="en-US" dirty="0"/>
           </a:p>
         </p:txBody>
       </p:sp>
@@ -4030,7 +4350,100 @@
           <a:p>
             <a:fld id="{AB4198F6-3BD3-45C7-8FA6-C18C234E0100}" type="slidenum">
               <a:rPr kumimoji="1" lang="ja-JP" altLang="en-US" smtClean="0"/>
-              <a:t>18</a:t>
+              <a:t>2</a:t>
+            </a:fld>
+            <a:endParaRPr kumimoji="1" lang="ja-JP" altLang="en-US"/>
+          </a:p>
+        </p:txBody>
+      </p:sp>
+    </p:spTree>
+    <p:extLst>
+      <p:ext uri="{BB962C8B-B14F-4D97-AF65-F5344CB8AC3E}">
+        <p14:creationId xmlns:p14="http://schemas.microsoft.com/office/powerpoint/2010/main" val="3420094154"/>
+      </p:ext>
+    </p:extLst>
+  </p:cSld>
+  <p:clrMapOvr>
+    <a:masterClrMapping/>
+  </p:clrMapOvr>
+</p:notes>
+</file>
+
+<file path=ppt/notesSlides/notesSlide20.xml><?xml version="1.0" encoding="utf-8"?>
+<p:notes xmlns:a="http://schemas.openxmlformats.org/drawingml/2006/main" xmlns:r="http://schemas.openxmlformats.org/officeDocument/2006/relationships" xmlns:p="http://schemas.openxmlformats.org/presentationml/2006/main">
+  <p:cSld>
+    <p:spTree>
+      <p:nvGrpSpPr>
+        <p:cNvPr id="1" name=""/>
+        <p:cNvGrpSpPr/>
+        <p:nvPr/>
+      </p:nvGrpSpPr>
+      <p:grpSpPr>
+        <a:xfrm>
+          <a:off x="0" y="0"/>
+          <a:ext cx="0" cy="0"/>
+          <a:chOff x="0" y="0"/>
+          <a:chExt cx="0" cy="0"/>
+        </a:xfrm>
+      </p:grpSpPr>
+      <p:sp>
+        <p:nvSpPr>
+          <p:cNvPr id="2" name="スライド イメージ プレースホルダー 1"/>
+          <p:cNvSpPr>
+            <a:spLocks noGrp="1" noRot="1" noChangeAspect="1"/>
+          </p:cNvSpPr>
+          <p:nvPr>
+            <p:ph type="sldImg"/>
+          </p:nvPr>
+        </p:nvSpPr>
+        <p:spPr/>
+      </p:sp>
+      <p:sp>
+        <p:nvSpPr>
+          <p:cNvPr id="3" name="ノート プレースホルダー 2"/>
+          <p:cNvSpPr>
+            <a:spLocks noGrp="1"/>
+          </p:cNvSpPr>
+          <p:nvPr>
+            <p:ph type="body" idx="1"/>
+          </p:nvPr>
+        </p:nvSpPr>
+        <p:spPr/>
+        <p:txBody>
+          <a:bodyPr/>
+          <a:lstStyle/>
+          <a:p>
+            <a:r>
+              <a:rPr kumimoji="1" lang="en-US" altLang="ja-JP" b="1" dirty="0"/>
+              <a:t>[7:30]</a:t>
+            </a:r>
+          </a:p>
+          <a:p>
+            <a:r>
+              <a:rPr kumimoji="1" lang="ja-JP" altLang="en-US" dirty="0"/>
+              <a:t>次に数値実験について説明します</a:t>
+            </a:r>
+          </a:p>
+        </p:txBody>
+      </p:sp>
+      <p:sp>
+        <p:nvSpPr>
+          <p:cNvPr id="4" name="スライド番号プレースホルダー 3"/>
+          <p:cNvSpPr>
+            <a:spLocks noGrp="1"/>
+          </p:cNvSpPr>
+          <p:nvPr>
+            <p:ph type="sldNum" sz="quarter" idx="5"/>
+          </p:nvPr>
+        </p:nvSpPr>
+        <p:spPr/>
+        <p:txBody>
+          <a:bodyPr/>
+          <a:lstStyle/>
+          <a:p>
+            <a:fld id="{AB4198F6-3BD3-45C7-8FA6-C18C234E0100}" type="slidenum">
+              <a:rPr kumimoji="1" lang="ja-JP" altLang="en-US" smtClean="0"/>
+              <a:t>20</a:t>
             </a:fld>
             <a:endParaRPr kumimoji="1" lang="ja-JP" altLang="en-US"/>
           </a:p>
@@ -4049,7 +4462,7 @@
 </p:notes>
 </file>
 
-<file path=ppt/notesSlides/notesSlide19.xml><?xml version="1.0" encoding="utf-8"?>
+<file path=ppt/notesSlides/notesSlide21.xml><?xml version="1.0" encoding="utf-8"?>
 <p:notes xmlns:a="http://schemas.openxmlformats.org/drawingml/2006/main" xmlns:r="http://schemas.openxmlformats.org/officeDocument/2006/relationships" xmlns:p="http://schemas.openxmlformats.org/presentationml/2006/main">
   <p:cSld>
     <p:spTree>
@@ -4608,7 +5021,7 @@
           <a:p>
             <a:fld id="{AB4198F6-3BD3-45C7-8FA6-C18C234E0100}" type="slidenum">
               <a:rPr kumimoji="1" lang="ja-JP" altLang="en-US" smtClean="0"/>
-              <a:t>19</a:t>
+              <a:t>21</a:t>
             </a:fld>
             <a:endParaRPr kumimoji="1" lang="ja-JP" altLang="en-US"/>
           </a:p>
@@ -4627,99 +5040,7 @@
 </p:notes>
 </file>
 
-<file path=ppt/notesSlides/notesSlide2.xml><?xml version="1.0" encoding="utf-8"?>
-<p:notes xmlns:a="http://schemas.openxmlformats.org/drawingml/2006/main" xmlns:r="http://schemas.openxmlformats.org/officeDocument/2006/relationships" xmlns:p="http://schemas.openxmlformats.org/presentationml/2006/main">
-  <p:cSld>
-    <p:spTree>
-      <p:nvGrpSpPr>
-        <p:cNvPr id="1" name=""/>
-        <p:cNvGrpSpPr/>
-        <p:nvPr/>
-      </p:nvGrpSpPr>
-      <p:grpSpPr>
-        <a:xfrm>
-          <a:off x="0" y="0"/>
-          <a:ext cx="0" cy="0"/>
-          <a:chOff x="0" y="0"/>
-          <a:chExt cx="0" cy="0"/>
-        </a:xfrm>
-      </p:grpSpPr>
-      <p:sp>
-        <p:nvSpPr>
-          <p:cNvPr id="2" name="スライド イメージ プレースホルダー 1"/>
-          <p:cNvSpPr>
-            <a:spLocks noGrp="1" noRot="1" noChangeAspect="1"/>
-          </p:cNvSpPr>
-          <p:nvPr>
-            <p:ph type="sldImg"/>
-          </p:nvPr>
-        </p:nvSpPr>
-        <p:spPr/>
-      </p:sp>
-      <p:sp>
-        <p:nvSpPr>
-          <p:cNvPr id="3" name="ノート プレースホルダー 2"/>
-          <p:cNvSpPr>
-            <a:spLocks noGrp="1"/>
-          </p:cNvSpPr>
-          <p:nvPr>
-            <p:ph type="body" idx="1"/>
-          </p:nvPr>
-        </p:nvSpPr>
-        <p:spPr/>
-        <p:txBody>
-          <a:bodyPr/>
-          <a:lstStyle/>
-          <a:p>
-            <a:r>
-              <a:rPr kumimoji="1" lang="ja-JP" altLang="en-US" dirty="0"/>
-              <a:t>発表の流れはこのようになっております</a:t>
-            </a:r>
-            <a:r>
-              <a:rPr kumimoji="1" lang="en-US" altLang="ja-JP" dirty="0"/>
-              <a:t>.</a:t>
-            </a:r>
-            <a:endParaRPr kumimoji="1" lang="ja-JP" altLang="en-US" dirty="0"/>
-          </a:p>
-        </p:txBody>
-      </p:sp>
-      <p:sp>
-        <p:nvSpPr>
-          <p:cNvPr id="4" name="スライド番号プレースホルダー 3"/>
-          <p:cNvSpPr>
-            <a:spLocks noGrp="1"/>
-          </p:cNvSpPr>
-          <p:nvPr>
-            <p:ph type="sldNum" sz="quarter" idx="5"/>
-          </p:nvPr>
-        </p:nvSpPr>
-        <p:spPr/>
-        <p:txBody>
-          <a:bodyPr/>
-          <a:lstStyle/>
-          <a:p>
-            <a:fld id="{AB4198F6-3BD3-45C7-8FA6-C18C234E0100}" type="slidenum">
-              <a:rPr kumimoji="1" lang="ja-JP" altLang="en-US" smtClean="0"/>
-              <a:t>2</a:t>
-            </a:fld>
-            <a:endParaRPr kumimoji="1" lang="ja-JP" altLang="en-US"/>
-          </a:p>
-        </p:txBody>
-      </p:sp>
-    </p:spTree>
-    <p:extLst>
-      <p:ext uri="{BB962C8B-B14F-4D97-AF65-F5344CB8AC3E}">
-        <p14:creationId xmlns:p14="http://schemas.microsoft.com/office/powerpoint/2010/main" val="3420094154"/>
-      </p:ext>
-    </p:extLst>
-  </p:cSld>
-  <p:clrMapOvr>
-    <a:masterClrMapping/>
-  </p:clrMapOvr>
-</p:notes>
-</file>
-
-<file path=ppt/notesSlides/notesSlide20.xml><?xml version="1.0" encoding="utf-8"?>
+<file path=ppt/notesSlides/notesSlide22.xml><?xml version="1.0" encoding="utf-8"?>
 <p:notes xmlns:a="http://schemas.openxmlformats.org/drawingml/2006/main" xmlns:r="http://schemas.openxmlformats.org/officeDocument/2006/relationships" xmlns:p="http://schemas.openxmlformats.org/presentationml/2006/main">
   <p:cSld>
     <p:spTree>
@@ -5315,7 +5636,7 @@
           <a:p>
             <a:fld id="{AB4198F6-3BD3-45C7-8FA6-C18C234E0100}" type="slidenum">
               <a:rPr kumimoji="1" lang="ja-JP" altLang="en-US" smtClean="0"/>
-              <a:t>20</a:t>
+              <a:t>22</a:t>
             </a:fld>
             <a:endParaRPr kumimoji="1" lang="ja-JP" altLang="en-US"/>
           </a:p>
@@ -5334,7 +5655,7 @@
 </p:notes>
 </file>
 
-<file path=ppt/notesSlides/notesSlide21.xml><?xml version="1.0" encoding="utf-8"?>
+<file path=ppt/notesSlides/notesSlide23.xml><?xml version="1.0" encoding="utf-8"?>
 <p:notes xmlns:a="http://schemas.openxmlformats.org/drawingml/2006/main" xmlns:r="http://schemas.openxmlformats.org/officeDocument/2006/relationships" xmlns:p="http://schemas.openxmlformats.org/presentationml/2006/main">
   <p:cSld>
     <p:spTree>
@@ -5754,7 +6075,7 @@
           <a:p>
             <a:fld id="{AB4198F6-3BD3-45C7-8FA6-C18C234E0100}" type="slidenum">
               <a:rPr kumimoji="1" lang="ja-JP" altLang="en-US" smtClean="0"/>
-              <a:t>21</a:t>
+              <a:t>23</a:t>
             </a:fld>
             <a:endParaRPr kumimoji="1" lang="ja-JP" altLang="en-US"/>
           </a:p>
@@ -5773,7 +6094,7 @@
 </p:notes>
 </file>
 
-<file path=ppt/notesSlides/notesSlide22.xml><?xml version="1.0" encoding="utf-8"?>
+<file path=ppt/notesSlides/notesSlide24.xml><?xml version="1.0" encoding="utf-8"?>
 <p:notes xmlns:a="http://schemas.openxmlformats.org/drawingml/2006/main" xmlns:r="http://schemas.openxmlformats.org/officeDocument/2006/relationships" xmlns:p="http://schemas.openxmlformats.org/presentationml/2006/main">
   <p:cSld>
     <p:spTree>
@@ -6190,7 +6511,7 @@
           <a:p>
             <a:fld id="{AB4198F6-3BD3-45C7-8FA6-C18C234E0100}" type="slidenum">
               <a:rPr kumimoji="1" lang="ja-JP" altLang="en-US" smtClean="0"/>
-              <a:t>22</a:t>
+              <a:t>24</a:t>
             </a:fld>
             <a:endParaRPr kumimoji="1" lang="ja-JP" altLang="en-US"/>
           </a:p>
@@ -6209,7 +6530,7 @@
 </p:notes>
 </file>
 
-<file path=ppt/notesSlides/notesSlide23.xml><?xml version="1.0" encoding="utf-8"?>
+<file path=ppt/notesSlides/notesSlide25.xml><?xml version="1.0" encoding="utf-8"?>
 <p:notes xmlns:a="http://schemas.openxmlformats.org/drawingml/2006/main" xmlns:r="http://schemas.openxmlformats.org/officeDocument/2006/relationships" xmlns:p="http://schemas.openxmlformats.org/presentationml/2006/main">
   <p:cSld>
     <p:spTree>
@@ -6361,7 +6682,7 @@
           <a:p>
             <a:fld id="{AB4198F6-3BD3-45C7-8FA6-C18C234E0100}" type="slidenum">
               <a:rPr kumimoji="1" lang="ja-JP" altLang="en-US" smtClean="0"/>
-              <a:t>23</a:t>
+              <a:t>25</a:t>
             </a:fld>
             <a:endParaRPr kumimoji="1" lang="ja-JP" altLang="en-US"/>
           </a:p>
@@ -6380,7 +6701,7 @@
 </p:notes>
 </file>
 
-<file path=ppt/notesSlides/notesSlide24.xml><?xml version="1.0" encoding="utf-8"?>
+<file path=ppt/notesSlides/notesSlide26.xml><?xml version="1.0" encoding="utf-8"?>
 <p:notes xmlns:a="http://schemas.openxmlformats.org/drawingml/2006/main" xmlns:r="http://schemas.openxmlformats.org/officeDocument/2006/relationships" xmlns:p="http://schemas.openxmlformats.org/presentationml/2006/main">
   <p:cSld>
     <p:spTree>
@@ -6746,7 +7067,7 @@
           <a:p>
             <a:fld id="{AB4198F6-3BD3-45C7-8FA6-C18C234E0100}" type="slidenum">
               <a:rPr kumimoji="1" lang="ja-JP" altLang="en-US" smtClean="0"/>
-              <a:t>24</a:t>
+              <a:t>26</a:t>
             </a:fld>
             <a:endParaRPr kumimoji="1" lang="ja-JP" altLang="en-US"/>
           </a:p>
@@ -6765,7 +7086,7 @@
 </p:notes>
 </file>
 
-<file path=ppt/notesSlides/notesSlide25.xml><?xml version="1.0" encoding="utf-8"?>
+<file path=ppt/notesSlides/notesSlide27.xml><?xml version="1.0" encoding="utf-8"?>
 <p:notes xmlns:a="http://schemas.openxmlformats.org/drawingml/2006/main" xmlns:r="http://schemas.openxmlformats.org/officeDocument/2006/relationships" xmlns:p="http://schemas.openxmlformats.org/presentationml/2006/main">
   <p:cSld>
     <p:spTree>
@@ -7310,7 +7631,7 @@
           <a:p>
             <a:fld id="{AB4198F6-3BD3-45C7-8FA6-C18C234E0100}" type="slidenum">
               <a:rPr kumimoji="1" lang="ja-JP" altLang="en-US" smtClean="0"/>
-              <a:t>25</a:t>
+              <a:t>27</a:t>
             </a:fld>
             <a:endParaRPr kumimoji="1" lang="ja-JP" altLang="en-US"/>
           </a:p>
@@ -7329,7 +7650,7 @@
 </p:notes>
 </file>
 
-<file path=ppt/notesSlides/notesSlide26.xml><?xml version="1.0" encoding="utf-8"?>
+<file path=ppt/notesSlides/notesSlide28.xml><?xml version="1.0" encoding="utf-8"?>
 <p:notes xmlns:a="http://schemas.openxmlformats.org/drawingml/2006/main" xmlns:r="http://schemas.openxmlformats.org/officeDocument/2006/relationships" xmlns:p="http://schemas.openxmlformats.org/presentationml/2006/main">
   <p:cSld>
     <p:spTree>
@@ -7504,7 +7825,7 @@
           <a:p>
             <a:fld id="{AB4198F6-3BD3-45C7-8FA6-C18C234E0100}" type="slidenum">
               <a:rPr kumimoji="1" lang="ja-JP" altLang="en-US" smtClean="0"/>
-              <a:t>26</a:t>
+              <a:t>28</a:t>
             </a:fld>
             <a:endParaRPr kumimoji="1" lang="ja-JP" altLang="en-US"/>
           </a:p>
@@ -7523,7 +7844,7 @@
 </p:notes>
 </file>
 
-<file path=ppt/notesSlides/notesSlide27.xml><?xml version="1.0" encoding="utf-8"?>
+<file path=ppt/notesSlides/notesSlide29.xml><?xml version="1.0" encoding="utf-8"?>
 <p:notes xmlns:a="http://schemas.openxmlformats.org/drawingml/2006/main" xmlns:r="http://schemas.openxmlformats.org/officeDocument/2006/relationships" xmlns:p="http://schemas.openxmlformats.org/presentationml/2006/main">
   <p:cSld>
     <p:spTree>
@@ -7621,7 +7942,7 @@
           <a:p>
             <a:fld id="{AB4198F6-3BD3-45C7-8FA6-C18C234E0100}" type="slidenum">
               <a:rPr kumimoji="1" lang="ja-JP" altLang="en-US" smtClean="0"/>
-              <a:t>27</a:t>
+              <a:t>29</a:t>
             </a:fld>
             <a:endParaRPr kumimoji="1" lang="ja-JP" altLang="en-US"/>
           </a:p>
@@ -7640,7 +7961,7 @@
 </p:notes>
 </file>
 
-<file path=ppt/notesSlides/notesSlide28.xml><?xml version="1.0" encoding="utf-8"?>
+<file path=ppt/notesSlides/notesSlide3.xml><?xml version="1.0" encoding="utf-8"?>
 <p:notes xmlns:a="http://schemas.openxmlformats.org/drawingml/2006/main" xmlns:r="http://schemas.openxmlformats.org/officeDocument/2006/relationships" xmlns:p="http://schemas.openxmlformats.org/presentationml/2006/main">
   <p:cSld>
     <p:spTree>
@@ -7684,6 +8005,93 @@
           <a:bodyPr/>
           <a:lstStyle/>
           <a:p>
+            <a:r>
+              <a:rPr kumimoji="1" lang="ja-JP" altLang="en-US" dirty="0"/>
+              <a:t>はじめに</a:t>
+            </a:r>
+          </a:p>
+        </p:txBody>
+      </p:sp>
+      <p:sp>
+        <p:nvSpPr>
+          <p:cNvPr id="4" name="スライド番号プレースホルダー 3"/>
+          <p:cNvSpPr>
+            <a:spLocks noGrp="1"/>
+          </p:cNvSpPr>
+          <p:nvPr>
+            <p:ph type="sldNum" sz="quarter" idx="5"/>
+          </p:nvPr>
+        </p:nvSpPr>
+        <p:spPr/>
+        <p:txBody>
+          <a:bodyPr/>
+          <a:lstStyle/>
+          <a:p>
+            <a:fld id="{AB4198F6-3BD3-45C7-8FA6-C18C234E0100}" type="slidenum">
+              <a:rPr kumimoji="1" lang="ja-JP" altLang="en-US" smtClean="0"/>
+              <a:t>3</a:t>
+            </a:fld>
+            <a:endParaRPr kumimoji="1" lang="ja-JP" altLang="en-US"/>
+          </a:p>
+        </p:txBody>
+      </p:sp>
+    </p:spTree>
+    <p:extLst>
+      <p:ext uri="{BB962C8B-B14F-4D97-AF65-F5344CB8AC3E}">
+        <p14:creationId xmlns:p14="http://schemas.microsoft.com/office/powerpoint/2010/main" val="4133301028"/>
+      </p:ext>
+    </p:extLst>
+  </p:cSld>
+  <p:clrMapOvr>
+    <a:masterClrMapping/>
+  </p:clrMapOvr>
+</p:notes>
+</file>
+
+<file path=ppt/notesSlides/notesSlide30.xml><?xml version="1.0" encoding="utf-8"?>
+<p:notes xmlns:a="http://schemas.openxmlformats.org/drawingml/2006/main" xmlns:r="http://schemas.openxmlformats.org/officeDocument/2006/relationships" xmlns:p="http://schemas.openxmlformats.org/presentationml/2006/main">
+  <p:cSld>
+    <p:spTree>
+      <p:nvGrpSpPr>
+        <p:cNvPr id="1" name=""/>
+        <p:cNvGrpSpPr/>
+        <p:nvPr/>
+      </p:nvGrpSpPr>
+      <p:grpSpPr>
+        <a:xfrm>
+          <a:off x="0" y="0"/>
+          <a:ext cx="0" cy="0"/>
+          <a:chOff x="0" y="0"/>
+          <a:chExt cx="0" cy="0"/>
+        </a:xfrm>
+      </p:grpSpPr>
+      <p:sp>
+        <p:nvSpPr>
+          <p:cNvPr id="2" name="スライド イメージ プレースホルダー 1"/>
+          <p:cNvSpPr>
+            <a:spLocks noGrp="1" noRot="1" noChangeAspect="1"/>
+          </p:cNvSpPr>
+          <p:nvPr>
+            <p:ph type="sldImg"/>
+          </p:nvPr>
+        </p:nvSpPr>
+        <p:spPr/>
+      </p:sp>
+      <p:sp>
+        <p:nvSpPr>
+          <p:cNvPr id="3" name="ノート プレースホルダー 2"/>
+          <p:cNvSpPr>
+            <a:spLocks noGrp="1"/>
+          </p:cNvSpPr>
+          <p:nvPr>
+            <p:ph type="body" idx="1"/>
+          </p:nvPr>
+        </p:nvSpPr>
+        <p:spPr/>
+        <p:txBody>
+          <a:bodyPr/>
+          <a:lstStyle/>
+          <a:p>
             <a:pPr marL="0" marR="0" lvl="0" indent="0" algn="l" defTabSz="914400" rtl="0" eaLnBrk="1" fontAlgn="auto" latinLnBrk="0" hangingPunct="1">
               <a:lnSpc>
                 <a:spcPct val="100000"/>
@@ -7999,7 +8407,7 @@
           <a:p>
             <a:fld id="{AB4198F6-3BD3-45C7-8FA6-C18C234E0100}" type="slidenum">
               <a:rPr kumimoji="1" lang="ja-JP" altLang="en-US" smtClean="0"/>
-              <a:t>28</a:t>
+              <a:t>30</a:t>
             </a:fld>
             <a:endParaRPr kumimoji="1" lang="ja-JP" altLang="en-US"/>
           </a:p>
@@ -8018,7 +8426,7 @@
 </p:notes>
 </file>
 
-<file path=ppt/notesSlides/notesSlide29.xml><?xml version="1.0" encoding="utf-8"?>
+<file path=ppt/notesSlides/notesSlide31.xml><?xml version="1.0" encoding="utf-8"?>
 <p:notes xmlns:a="http://schemas.openxmlformats.org/drawingml/2006/main" xmlns:r="http://schemas.openxmlformats.org/officeDocument/2006/relationships" xmlns:p="http://schemas.openxmlformats.org/presentationml/2006/main">
   <p:cSld>
     <p:spTree>
@@ -8291,7 +8699,7 @@
           <a:p>
             <a:fld id="{AB4198F6-3BD3-45C7-8FA6-C18C234E0100}" type="slidenum">
               <a:rPr kumimoji="1" lang="ja-JP" altLang="en-US" smtClean="0"/>
-              <a:t>29</a:t>
+              <a:t>31</a:t>
             </a:fld>
             <a:endParaRPr kumimoji="1" lang="ja-JP" altLang="en-US"/>
           </a:p>
@@ -8310,7 +8718,7 @@
 </p:notes>
 </file>
 
-<file path=ppt/notesSlides/notesSlide3.xml><?xml version="1.0" encoding="utf-8"?>
+<file path=ppt/notesSlides/notesSlide32.xml><?xml version="1.0" encoding="utf-8"?>
 <p:notes xmlns:a="http://schemas.openxmlformats.org/drawingml/2006/main" xmlns:r="http://schemas.openxmlformats.org/officeDocument/2006/relationships" xmlns:p="http://schemas.openxmlformats.org/presentationml/2006/main">
   <p:cSld>
     <p:spTree>
@@ -8356,7 +8764,7 @@
           <a:p>
             <a:r>
               <a:rPr kumimoji="1" lang="ja-JP" altLang="en-US" dirty="0"/>
-              <a:t>はじめに</a:t>
+              <a:t>以上で発表を終わります。ご清聴ありがとうございました。</a:t>
             </a:r>
           </a:p>
         </p:txBody>
@@ -8378,94 +8786,7 @@
           <a:p>
             <a:fld id="{AB4198F6-3BD3-45C7-8FA6-C18C234E0100}" type="slidenum">
               <a:rPr kumimoji="1" lang="ja-JP" altLang="en-US" smtClean="0"/>
-              <a:t>3</a:t>
-            </a:fld>
-            <a:endParaRPr kumimoji="1" lang="ja-JP" altLang="en-US"/>
-          </a:p>
-        </p:txBody>
-      </p:sp>
-    </p:spTree>
-    <p:extLst>
-      <p:ext uri="{BB962C8B-B14F-4D97-AF65-F5344CB8AC3E}">
-        <p14:creationId xmlns:p14="http://schemas.microsoft.com/office/powerpoint/2010/main" val="4133301028"/>
-      </p:ext>
-    </p:extLst>
-  </p:cSld>
-  <p:clrMapOvr>
-    <a:masterClrMapping/>
-  </p:clrMapOvr>
-</p:notes>
-</file>
-
-<file path=ppt/notesSlides/notesSlide30.xml><?xml version="1.0" encoding="utf-8"?>
-<p:notes xmlns:a="http://schemas.openxmlformats.org/drawingml/2006/main" xmlns:r="http://schemas.openxmlformats.org/officeDocument/2006/relationships" xmlns:p="http://schemas.openxmlformats.org/presentationml/2006/main">
-  <p:cSld>
-    <p:spTree>
-      <p:nvGrpSpPr>
-        <p:cNvPr id="1" name=""/>
-        <p:cNvGrpSpPr/>
-        <p:nvPr/>
-      </p:nvGrpSpPr>
-      <p:grpSpPr>
-        <a:xfrm>
-          <a:off x="0" y="0"/>
-          <a:ext cx="0" cy="0"/>
-          <a:chOff x="0" y="0"/>
-          <a:chExt cx="0" cy="0"/>
-        </a:xfrm>
-      </p:grpSpPr>
-      <p:sp>
-        <p:nvSpPr>
-          <p:cNvPr id="2" name="スライド イメージ プレースホルダー 1"/>
-          <p:cNvSpPr>
-            <a:spLocks noGrp="1" noRot="1" noChangeAspect="1"/>
-          </p:cNvSpPr>
-          <p:nvPr>
-            <p:ph type="sldImg"/>
-          </p:nvPr>
-        </p:nvSpPr>
-        <p:spPr/>
-      </p:sp>
-      <p:sp>
-        <p:nvSpPr>
-          <p:cNvPr id="3" name="ノート プレースホルダー 2"/>
-          <p:cNvSpPr>
-            <a:spLocks noGrp="1"/>
-          </p:cNvSpPr>
-          <p:nvPr>
-            <p:ph type="body" idx="1"/>
-          </p:nvPr>
-        </p:nvSpPr>
-        <p:spPr/>
-        <p:txBody>
-          <a:bodyPr/>
-          <a:lstStyle/>
-          <a:p>
-            <a:r>
-              <a:rPr kumimoji="1" lang="ja-JP" altLang="en-US" dirty="0"/>
-              <a:t>以上で発表を終わります。ご清聴ありがとうございました。</a:t>
-            </a:r>
-          </a:p>
-        </p:txBody>
-      </p:sp>
-      <p:sp>
-        <p:nvSpPr>
-          <p:cNvPr id="4" name="スライド番号プレースホルダー 3"/>
-          <p:cNvSpPr>
-            <a:spLocks noGrp="1"/>
-          </p:cNvSpPr>
-          <p:nvPr>
-            <p:ph type="sldNum" sz="quarter" idx="5"/>
-          </p:nvPr>
-        </p:nvSpPr>
-        <p:spPr/>
-        <p:txBody>
-          <a:bodyPr/>
-          <a:lstStyle/>
-          <a:p>
-            <a:fld id="{AB4198F6-3BD3-45C7-8FA6-C18C234E0100}" type="slidenum">
-              <a:rPr kumimoji="1" lang="ja-JP" altLang="en-US" smtClean="0"/>
-              <a:t>30</a:t>
+              <a:t>32</a:t>
             </a:fld>
             <a:endParaRPr kumimoji="1" lang="ja-JP" altLang="en-US"/>
           </a:p>
@@ -8484,7 +8805,7 @@
 </p:notes>
 </file>
 
-<file path=ppt/notesSlides/notesSlide31.xml><?xml version="1.0" encoding="utf-8"?>
+<file path=ppt/notesSlides/notesSlide33.xml><?xml version="1.0" encoding="utf-8"?>
 <p:notes xmlns:a="http://schemas.openxmlformats.org/drawingml/2006/main" xmlns:r="http://schemas.openxmlformats.org/officeDocument/2006/relationships" xmlns:p="http://schemas.openxmlformats.org/presentationml/2006/main">
   <p:cSld>
     <p:spTree>
@@ -8600,7 +8921,7 @@
           <a:p>
             <a:fld id="{AB4198F6-3BD3-45C7-8FA6-C18C234E0100}" type="slidenum">
               <a:rPr kumimoji="1" lang="ja-JP" altLang="en-US" smtClean="0"/>
-              <a:t>32</a:t>
+              <a:t>34</a:t>
             </a:fld>
             <a:endParaRPr kumimoji="1" lang="ja-JP" altLang="en-US"/>
           </a:p>
@@ -8619,7 +8940,7 @@
 </p:notes>
 </file>
 
-<file path=ppt/notesSlides/notesSlide32.xml><?xml version="1.0" encoding="utf-8"?>
+<file path=ppt/notesSlides/notesSlide34.xml><?xml version="1.0" encoding="utf-8"?>
 <p:notes xmlns:a="http://schemas.openxmlformats.org/drawingml/2006/main" xmlns:r="http://schemas.openxmlformats.org/officeDocument/2006/relationships" xmlns:p="http://schemas.openxmlformats.org/presentationml/2006/main">
   <p:cSld>
     <p:spTree>
@@ -9006,7 +9327,7 @@
           <a:p>
             <a:fld id="{AB4198F6-3BD3-45C7-8FA6-C18C234E0100}" type="slidenum">
               <a:rPr kumimoji="1" lang="ja-JP" altLang="en-US" smtClean="0"/>
-              <a:t>33</a:t>
+              <a:t>35</a:t>
             </a:fld>
             <a:endParaRPr kumimoji="1" lang="ja-JP" altLang="en-US"/>
           </a:p>
@@ -11119,7 +11440,7 @@
           <a:p>
             <a:fld id="{ADC4CBD9-3FF8-40EE-9D77-E4BF71F8F70A}" type="datetime1">
               <a:rPr kumimoji="1" lang="ja-JP" altLang="en-US" smtClean="0"/>
-              <a:t>2024/12/2</a:t>
+              <a:t>2025/2/1</a:t>
             </a:fld>
             <a:endParaRPr kumimoji="1" lang="ja-JP" altLang="en-US"/>
           </a:p>
@@ -11410,7 +11731,7 @@
           <a:p>
             <a:fld id="{242B0D6A-3CDB-4C59-8359-D81C7810B887}" type="datetime1">
               <a:rPr kumimoji="1" lang="ja-JP" altLang="en-US" smtClean="0"/>
-              <a:t>2024/12/2</a:t>
+              <a:t>2025/2/1</a:t>
             </a:fld>
             <a:endParaRPr kumimoji="1" lang="ja-JP" altLang="en-US"/>
           </a:p>
@@ -11663,7 +11984,7 @@
           <a:p>
             <a:fld id="{85086828-11F7-43D4-B45B-BD352AC64FA5}" type="datetime1">
               <a:rPr kumimoji="1" lang="ja-JP" altLang="en-US" smtClean="0"/>
-              <a:t>2024/12/2</a:t>
+              <a:t>2025/2/1</a:t>
             </a:fld>
             <a:endParaRPr kumimoji="1" lang="ja-JP" altLang="en-US"/>
           </a:p>
@@ -12201,7 +12522,7 @@
           <a:p>
             <a:fld id="{0DD643D6-4565-4AFF-8261-1DE821FED62A}" type="datetime1">
               <a:rPr kumimoji="1" lang="ja-JP" altLang="en-US" smtClean="0"/>
-              <a:t>2024/12/2</a:t>
+              <a:t>2025/2/1</a:t>
             </a:fld>
             <a:endParaRPr kumimoji="1" lang="ja-JP" altLang="en-US"/>
           </a:p>
@@ -12449,7 +12770,7 @@
           <a:p>
             <a:fld id="{6250FEAA-82FB-45F7-A6C0-6F1709200136}" type="datetime1">
               <a:rPr kumimoji="1" lang="ja-JP" altLang="en-US" smtClean="0"/>
-              <a:t>2024/12/2</a:t>
+              <a:t>2025/2/1</a:t>
             </a:fld>
             <a:endParaRPr kumimoji="1" lang="ja-JP" altLang="en-US"/>
           </a:p>
@@ -12992,7 +13313,7 @@
           <a:p>
             <a:fld id="{0A756BA6-5FBD-4993-B242-DB093BD39E71}" type="datetime1">
               <a:rPr kumimoji="1" lang="ja-JP" altLang="en-US" smtClean="0"/>
-              <a:t>2024/12/2</a:t>
+              <a:t>2025/2/1</a:t>
             </a:fld>
             <a:endParaRPr kumimoji="1" lang="ja-JP" altLang="en-US"/>
           </a:p>
@@ -13302,7 +13623,7 @@
           <a:p>
             <a:fld id="{854A296A-2F8E-453C-9AE8-06C654B11136}" type="datetime1">
               <a:rPr kumimoji="1" lang="ja-JP" altLang="en-US" smtClean="0"/>
-              <a:t>2024/12/2</a:t>
+              <a:t>2025/2/1</a:t>
             </a:fld>
             <a:endParaRPr kumimoji="1" lang="ja-JP" altLang="en-US"/>
           </a:p>
@@ -13509,7 +13830,7 @@
           <a:p>
             <a:fld id="{C813875C-789E-4278-B2F6-ECC0749A8AE4}" type="datetime1">
               <a:rPr kumimoji="1" lang="ja-JP" altLang="en-US" smtClean="0"/>
-              <a:t>2024/12/2</a:t>
+              <a:t>2025/2/1</a:t>
             </a:fld>
             <a:endParaRPr kumimoji="1" lang="ja-JP" altLang="en-US"/>
           </a:p>
@@ -13721,7 +14042,7 @@
           <a:p>
             <a:fld id="{2B16063E-2909-4835-91B9-4DA02899CF91}" type="datetime1">
               <a:rPr kumimoji="1" lang="ja-JP" altLang="en-US" smtClean="0"/>
-              <a:t>2024/12/2</a:t>
+              <a:t>2025/2/1</a:t>
             </a:fld>
             <a:endParaRPr kumimoji="1" lang="ja-JP" altLang="en-US"/>
           </a:p>
@@ -13936,7 +14257,7 @@
           <a:p>
             <a:fld id="{5A9C2B8C-51CA-4594-AFC6-29498B41952D}" type="datetime1">
               <a:rPr kumimoji="1" lang="ja-JP" altLang="en-US" smtClean="0"/>
-              <a:t>2024/12/2</a:t>
+              <a:t>2025/2/1</a:t>
             </a:fld>
             <a:endParaRPr kumimoji="1" lang="ja-JP" altLang="en-US"/>
           </a:p>
@@ -14194,7 +14515,7 @@
           <a:p>
             <a:fld id="{D2770C22-E414-4906-A05C-194BBC5023B7}" type="datetime1">
               <a:rPr kumimoji="1" lang="ja-JP" altLang="en-US" smtClean="0"/>
-              <a:t>2024/12/2</a:t>
+              <a:t>2025/2/1</a:t>
             </a:fld>
             <a:endParaRPr kumimoji="1" lang="ja-JP" altLang="en-US"/>
           </a:p>
@@ -14550,7 +14871,7 @@
           <a:p>
             <a:fld id="{A594D997-E1B3-4962-AB01-9510AC780FED}" type="datetime1">
               <a:rPr kumimoji="1" lang="ja-JP" altLang="en-US" smtClean="0"/>
-              <a:t>2024/12/2</a:t>
+              <a:t>2025/2/1</a:t>
             </a:fld>
             <a:endParaRPr kumimoji="1" lang="ja-JP" altLang="en-US"/>
           </a:p>
@@ -15044,7 +15365,7 @@
           <a:p>
             <a:fld id="{EA510319-9696-41C7-A0B1-C79D0FAB72CE}" type="datetime1">
               <a:rPr kumimoji="1" lang="ja-JP" altLang="en-US" smtClean="0"/>
-              <a:t>2024/12/2</a:t>
+              <a:t>2025/2/1</a:t>
             </a:fld>
             <a:endParaRPr kumimoji="1" lang="ja-JP" altLang="en-US"/>
           </a:p>
@@ -15168,7 +15489,7 @@
           <a:p>
             <a:fld id="{47148222-9A41-429C-9D88-72B46141A146}" type="datetime1">
               <a:rPr kumimoji="1" lang="ja-JP" altLang="en-US" smtClean="0"/>
-              <a:t>2024/12/2</a:t>
+              <a:t>2025/2/1</a:t>
             </a:fld>
             <a:endParaRPr kumimoji="1" lang="ja-JP" altLang="en-US"/>
           </a:p>
@@ -15263,7 +15584,7 @@
           <a:p>
             <a:fld id="{FD4BA19C-D5EF-4F0E-A2B2-101D4B975ABD}" type="datetime1">
               <a:rPr kumimoji="1" lang="ja-JP" altLang="en-US" smtClean="0"/>
-              <a:t>2024/12/2</a:t>
+              <a:t>2025/2/1</a:t>
             </a:fld>
             <a:endParaRPr kumimoji="1" lang="ja-JP" altLang="en-US"/>
           </a:p>
@@ -15578,7 +15899,7 @@
           <a:p>
             <a:fld id="{31360CAD-AA14-4A9A-82A5-7F6F74B1D576}" type="datetime1">
               <a:rPr kumimoji="1" lang="ja-JP" altLang="en-US" smtClean="0"/>
-              <a:t>2024/12/2</a:t>
+              <a:t>2025/2/1</a:t>
             </a:fld>
             <a:endParaRPr kumimoji="1" lang="ja-JP" altLang="en-US"/>
           </a:p>
@@ -15869,7 +16190,7 @@
           <a:p>
             <a:fld id="{7E550737-9CA4-489A-9C80-E740D5B2F379}" type="datetime1">
               <a:rPr kumimoji="1" lang="ja-JP" altLang="en-US" smtClean="0"/>
-              <a:t>2024/12/2</a:t>
+              <a:t>2025/2/1</a:t>
             </a:fld>
             <a:endParaRPr kumimoji="1" lang="ja-JP" altLang="en-US"/>
           </a:p>
@@ -16132,7 +16453,7 @@
           <a:p>
             <a:fld id="{972CBB3C-9CDD-4C6D-9C7E-EDE408A6334B}" type="datetime1">
               <a:rPr kumimoji="1" lang="ja-JP" altLang="en-US" smtClean="0"/>
-              <a:t>2024/12/2</a:t>
+              <a:t>2025/2/1</a:t>
             </a:fld>
             <a:endParaRPr kumimoji="1" lang="ja-JP" altLang="en-US"/>
           </a:p>
@@ -21408,6 +21729,1038 @@
         <p:cNvPr id="1" name="">
           <a:extLst>
             <a:ext uri="{FF2B5EF4-FFF2-40B4-BE49-F238E27FC236}">
+              <a16:creationId xmlns:a16="http://schemas.microsoft.com/office/drawing/2014/main" id="{FEB53A6D-BACF-1B9C-3E25-97FF57E0D6C4}"/>
+            </a:ext>
+          </a:extLst>
+        </p:cNvPr>
+        <p:cNvGrpSpPr/>
+        <p:nvPr/>
+      </p:nvGrpSpPr>
+      <p:grpSpPr>
+        <a:xfrm>
+          <a:off x="0" y="0"/>
+          <a:ext cx="0" cy="0"/>
+          <a:chOff x="0" y="0"/>
+          <a:chExt cx="0" cy="0"/>
+        </a:xfrm>
+      </p:grpSpPr>
+      <p:sp>
+        <p:nvSpPr>
+          <p:cNvPr id="10" name="Google Shape;92;p14">
+            <a:extLst>
+              <a:ext uri="{FF2B5EF4-FFF2-40B4-BE49-F238E27FC236}">
+                <a16:creationId xmlns:a16="http://schemas.microsoft.com/office/drawing/2014/main" id="{8462530C-E6A8-E398-E681-65837F751120}"/>
+              </a:ext>
+            </a:extLst>
+          </p:cNvPr>
+          <p:cNvSpPr txBox="1"/>
+          <p:nvPr/>
+        </p:nvSpPr>
+        <p:spPr>
+          <a:xfrm>
+            <a:off x="510035" y="-51424"/>
+            <a:ext cx="8633965" cy="732078"/>
+          </a:xfrm>
+          <a:prstGeom prst="rect">
+            <a:avLst/>
+          </a:prstGeom>
+          <a:noFill/>
+          <a:ln>
+            <a:noFill/>
+          </a:ln>
+        </p:spPr>
+        <p:txBody>
+          <a:bodyPr spcFirstLastPara="1" wrap="square" lIns="91425" tIns="91425" rIns="91425" bIns="91425" anchor="t" anchorCtr="0">
+            <a:noAutofit/>
+          </a:bodyPr>
+          <a:lstStyle/>
+          <a:p>
+            <a:pPr marL="0" lvl="0" indent="0" algn="l" rtl="0">
+              <a:spcBef>
+                <a:spcPts val="0"/>
+              </a:spcBef>
+              <a:spcAft>
+                <a:spcPts val="0"/>
+              </a:spcAft>
+              <a:buNone/>
+            </a:pPr>
+            <a:r>
+              <a:rPr lang="ja-JP" altLang="en-US" sz="3200" b="1" dirty="0">
+                <a:latin typeface="+mn-ea"/>
+              </a:rPr>
+              <a:t>要約文の生成例 </a:t>
+            </a:r>
+            <a:r>
+              <a:rPr lang="en-US" altLang="ja-JP" sz="3200" b="1" dirty="0">
+                <a:latin typeface="+mn-ea"/>
+              </a:rPr>
+              <a:t>1</a:t>
+            </a:r>
+            <a:r>
+              <a:rPr lang="ja-JP" altLang="en-US" sz="3200" b="1" dirty="0">
+                <a:latin typeface="+mn-ea"/>
+              </a:rPr>
+              <a:t> </a:t>
+            </a:r>
+            <a:r>
+              <a:rPr lang="en-US" altLang="ja-JP" sz="2400" b="1" dirty="0">
+                <a:latin typeface="+mn-ea"/>
+              </a:rPr>
+              <a:t>(</a:t>
+            </a:r>
+            <a:r>
+              <a:rPr lang="ja-JP" altLang="en-US" sz="2400" b="1" dirty="0">
+                <a:latin typeface="+mn-ea"/>
+              </a:rPr>
+              <a:t>ラベル</a:t>
+            </a:r>
+            <a:r>
+              <a:rPr lang="en-US" altLang="ja-JP" sz="2400" b="1" dirty="0">
+                <a:latin typeface="+mn-ea"/>
+              </a:rPr>
+              <a:t>: </a:t>
+            </a:r>
+            <a:r>
+              <a:rPr lang="ja-JP" altLang="en-US" sz="2400" b="1" dirty="0">
+                <a:latin typeface="+mn-ea"/>
+              </a:rPr>
+              <a:t>独女通信</a:t>
+            </a:r>
+            <a:r>
+              <a:rPr lang="en-US" altLang="ja-JP" sz="2400" b="1" dirty="0">
+                <a:latin typeface="+mn-ea"/>
+              </a:rPr>
+              <a:t>)</a:t>
+            </a:r>
+            <a:endParaRPr lang="en-US" altLang="ja-JP" b="1" dirty="0">
+              <a:latin typeface="+mn-ea"/>
+            </a:endParaRPr>
+          </a:p>
+          <a:p>
+            <a:pPr marL="0" lvl="0" indent="0" algn="l" rtl="0">
+              <a:spcBef>
+                <a:spcPts val="0"/>
+              </a:spcBef>
+              <a:spcAft>
+                <a:spcPts val="0"/>
+              </a:spcAft>
+              <a:buNone/>
+            </a:pPr>
+            <a:endParaRPr lang="en-US" altLang="ja-JP" sz="2400" b="1" dirty="0">
+              <a:latin typeface="+mn-ea"/>
+            </a:endParaRPr>
+          </a:p>
+          <a:p>
+            <a:pPr marL="0" lvl="0" indent="0" algn="l" rtl="0">
+              <a:spcBef>
+                <a:spcPts val="0"/>
+              </a:spcBef>
+              <a:spcAft>
+                <a:spcPts val="0"/>
+              </a:spcAft>
+              <a:buNone/>
+            </a:pPr>
+            <a:endParaRPr lang="en-US" altLang="ja-JP" sz="2400" b="1" dirty="0">
+              <a:latin typeface="+mn-ea"/>
+            </a:endParaRPr>
+          </a:p>
+          <a:p>
+            <a:pPr marL="0" lvl="0" indent="0" algn="l" rtl="0">
+              <a:spcBef>
+                <a:spcPts val="0"/>
+              </a:spcBef>
+              <a:spcAft>
+                <a:spcPts val="0"/>
+              </a:spcAft>
+              <a:buNone/>
+            </a:pPr>
+            <a:endParaRPr lang="en-US" altLang="ja-JP" sz="2400" b="1" dirty="0">
+              <a:latin typeface="+mn-ea"/>
+            </a:endParaRPr>
+          </a:p>
+          <a:p>
+            <a:pPr marL="0" lvl="0" indent="0" algn="l" rtl="0">
+              <a:spcBef>
+                <a:spcPts val="0"/>
+              </a:spcBef>
+              <a:spcAft>
+                <a:spcPts val="0"/>
+              </a:spcAft>
+              <a:buNone/>
+            </a:pPr>
+            <a:endParaRPr lang="en-US" altLang="ja-JP" sz="2400" b="1" dirty="0">
+              <a:latin typeface="+mn-ea"/>
+            </a:endParaRPr>
+          </a:p>
+          <a:p>
+            <a:pPr marL="0" lvl="0" indent="0" algn="l" rtl="0">
+              <a:spcBef>
+                <a:spcPts val="0"/>
+              </a:spcBef>
+              <a:spcAft>
+                <a:spcPts val="0"/>
+              </a:spcAft>
+              <a:buNone/>
+            </a:pPr>
+            <a:endParaRPr lang="en-US" altLang="ja-JP" sz="2400" b="1" dirty="0">
+              <a:latin typeface="+mn-ea"/>
+            </a:endParaRPr>
+          </a:p>
+          <a:p>
+            <a:pPr marL="0" lvl="0" indent="0" algn="l" rtl="0">
+              <a:spcBef>
+                <a:spcPts val="0"/>
+              </a:spcBef>
+              <a:spcAft>
+                <a:spcPts val="0"/>
+              </a:spcAft>
+              <a:buNone/>
+            </a:pPr>
+            <a:br>
+              <a:rPr lang="en-US" altLang="ja-JP" sz="3200" b="1" dirty="0">
+                <a:latin typeface="+mn-ea"/>
+              </a:rPr>
+            </a:br>
+            <a:r>
+              <a:rPr lang="en-US" sz="2400" b="1" dirty="0">
+                <a:latin typeface="+mn-ea"/>
+                <a:ea typeface="+mn-ea"/>
+              </a:rPr>
+              <a:t>	</a:t>
+            </a:r>
+            <a:r>
+              <a:rPr lang="en-US" sz="2800" dirty="0">
+                <a:latin typeface="+mn-ea"/>
+                <a:ea typeface="+mn-ea"/>
+              </a:rPr>
+              <a:t>	</a:t>
+            </a:r>
+            <a:br>
+              <a:rPr lang="en-US" sz="2800" dirty="0">
+                <a:latin typeface="+mn-ea"/>
+                <a:ea typeface="+mn-ea"/>
+              </a:rPr>
+            </a:br>
+            <a:r>
+              <a:rPr lang="en-US" sz="2400" dirty="0">
+                <a:latin typeface="+mn-ea"/>
+                <a:ea typeface="+mn-ea"/>
+              </a:rPr>
+              <a:t>	</a:t>
+            </a:r>
+            <a:endParaRPr lang="en-US" altLang="ja-JP" sz="2400" dirty="0">
+              <a:latin typeface="+mn-ea"/>
+              <a:ea typeface="+mn-ea"/>
+            </a:endParaRPr>
+          </a:p>
+        </p:txBody>
+      </p:sp>
+      <p:sp>
+        <p:nvSpPr>
+          <p:cNvPr id="7" name="スライド番号プレースホルダー 6">
+            <a:extLst>
+              <a:ext uri="{FF2B5EF4-FFF2-40B4-BE49-F238E27FC236}">
+                <a16:creationId xmlns:a16="http://schemas.microsoft.com/office/drawing/2014/main" id="{AA91798B-8349-7D4A-E6F9-D09BCB22C8AE}"/>
+              </a:ext>
+            </a:extLst>
+          </p:cNvPr>
+          <p:cNvSpPr>
+            <a:spLocks noGrp="1"/>
+          </p:cNvSpPr>
+          <p:nvPr>
+            <p:ph type="sldNum" sz="quarter" idx="12"/>
+          </p:nvPr>
+        </p:nvSpPr>
+        <p:spPr/>
+        <p:txBody>
+          <a:bodyPr/>
+          <a:lstStyle/>
+          <a:p>
+            <a:fld id="{84E5AB44-6C43-4864-84E5-D75B94A07FCF}" type="slidenum">
+              <a:rPr kumimoji="1" lang="ja-JP" altLang="en-US" smtClean="0"/>
+              <a:t>17</a:t>
+            </a:fld>
+            <a:endParaRPr kumimoji="1" lang="ja-JP" altLang="en-US"/>
+          </a:p>
+        </p:txBody>
+      </p:sp>
+      <p:grpSp>
+        <p:nvGrpSpPr>
+          <p:cNvPr id="6" name="グループ化 5">
+            <a:extLst>
+              <a:ext uri="{FF2B5EF4-FFF2-40B4-BE49-F238E27FC236}">
+                <a16:creationId xmlns:a16="http://schemas.microsoft.com/office/drawing/2014/main" id="{A34695C3-4F69-6370-A211-E5B54A4472E7}"/>
+              </a:ext>
+            </a:extLst>
+          </p:cNvPr>
+          <p:cNvGrpSpPr/>
+          <p:nvPr/>
+        </p:nvGrpSpPr>
+        <p:grpSpPr>
+          <a:xfrm>
+            <a:off x="245327" y="1242142"/>
+            <a:ext cx="8653346" cy="5212675"/>
+            <a:chOff x="245327" y="1242142"/>
+            <a:chExt cx="8653346" cy="5212675"/>
+          </a:xfrm>
+        </p:grpSpPr>
+        <p:sp>
+          <p:nvSpPr>
+            <p:cNvPr id="2" name="テキスト ボックス 1">
+              <a:extLst>
+                <a:ext uri="{FF2B5EF4-FFF2-40B4-BE49-F238E27FC236}">
+                  <a16:creationId xmlns:a16="http://schemas.microsoft.com/office/drawing/2014/main" id="{56CF3128-FB1A-BAC7-AF4B-763322E12C4C}"/>
+                </a:ext>
+              </a:extLst>
+            </p:cNvPr>
+            <p:cNvSpPr txBox="1"/>
+            <p:nvPr/>
+          </p:nvSpPr>
+          <p:spPr>
+            <a:xfrm>
+              <a:off x="245327" y="1561170"/>
+              <a:ext cx="4895385" cy="4893647"/>
+            </a:xfrm>
+            <a:prstGeom prst="rect">
+              <a:avLst/>
+            </a:prstGeom>
+          </p:spPr>
+          <p:style>
+            <a:lnRef idx="2">
+              <a:schemeClr val="dk1"/>
+            </a:lnRef>
+            <a:fillRef idx="1">
+              <a:schemeClr val="lt1"/>
+            </a:fillRef>
+            <a:effectRef idx="0">
+              <a:schemeClr val="dk1"/>
+            </a:effectRef>
+            <a:fontRef idx="minor">
+              <a:schemeClr val="dk1"/>
+            </a:fontRef>
+          </p:style>
+          <p:txBody>
+            <a:bodyPr wrap="square" rtlCol="0">
+              <a:spAutoFit/>
+            </a:bodyPr>
+            <a:lstStyle/>
+            <a:p>
+              <a:r>
+                <a:rPr kumimoji="1" lang="en-US" altLang="ja-JP" sz="1200" b="0" i="0" dirty="0">
+                  <a:solidFill>
+                    <a:schemeClr val="bg1"/>
+                  </a:solidFill>
+                  <a:effectLst/>
+                  <a:latin typeface="+mn-ea"/>
+                </a:rPr>
+                <a:t>【</a:t>
+              </a:r>
+              <a:r>
+                <a:rPr lang="ja-JP" altLang="en-US" sz="1200" b="0" i="0" dirty="0">
+                  <a:solidFill>
+                    <a:schemeClr val="bg1"/>
+                  </a:solidFill>
+                  <a:effectLst/>
+                  <a:latin typeface="+mn-ea"/>
+                </a:rPr>
+                <a:t>健康のために体張ります</a:t>
+              </a:r>
+              <a:r>
+                <a:rPr lang="en-US" altLang="ja-JP" sz="1200" b="0" i="0" dirty="0">
+                  <a:solidFill>
+                    <a:schemeClr val="bg1"/>
+                  </a:solidFill>
+                  <a:effectLst/>
+                  <a:latin typeface="+mn-ea"/>
+                </a:rPr>
+                <a:t>! Presented by </a:t>
+              </a:r>
+              <a:r>
+                <a:rPr lang="ja-JP" altLang="en-US" sz="1200" b="0" i="0" dirty="0">
+                  <a:solidFill>
+                    <a:schemeClr val="bg1"/>
+                  </a:solidFill>
+                  <a:effectLst/>
+                  <a:latin typeface="+mn-ea"/>
+                </a:rPr>
+                <a:t>ゆるっと</a:t>
+              </a:r>
+              <a:r>
+                <a:rPr lang="en-US" altLang="ja-JP" sz="1200" b="0" i="0" dirty="0">
+                  <a:solidFill>
+                    <a:schemeClr val="bg1"/>
+                  </a:solidFill>
+                  <a:effectLst/>
+                  <a:latin typeface="+mn-ea"/>
+                </a:rPr>
+                <a:t>café</a:t>
+              </a:r>
+              <a:r>
+                <a:rPr kumimoji="1" lang="en-US" altLang="ja-JP" sz="1200" b="0" i="0" dirty="0">
+                  <a:solidFill>
+                    <a:schemeClr val="bg1"/>
+                  </a:solidFill>
+                  <a:effectLst/>
+                  <a:latin typeface="+mn-ea"/>
+                </a:rPr>
+                <a:t>】</a:t>
+              </a:r>
+              <a:endParaRPr kumimoji="1" lang="en-US" altLang="ja-JP" sz="1200" dirty="0">
+                <a:solidFill>
+                  <a:schemeClr val="bg1"/>
+                </a:solidFill>
+                <a:latin typeface="+mn-ea"/>
+              </a:endParaRPr>
+            </a:p>
+            <a:p>
+              <a:endParaRPr kumimoji="1" lang="en-US" altLang="ja-JP" sz="1200" dirty="0">
+                <a:solidFill>
+                  <a:schemeClr val="bg1"/>
+                </a:solidFill>
+                <a:latin typeface="+mn-ea"/>
+              </a:endParaRPr>
+            </a:p>
+            <a:p>
+              <a:r>
+                <a:rPr kumimoji="1" lang="ja-JP" altLang="en-US" sz="1200" dirty="0">
+                  <a:solidFill>
+                    <a:schemeClr val="bg1"/>
+                  </a:solidFill>
+                  <a:latin typeface="+mn-ea"/>
+                </a:rPr>
+                <a:t>みなさま、こんにちは</a:t>
+              </a:r>
+              <a:r>
+                <a:rPr kumimoji="1" lang="en-US" altLang="ja-JP" sz="1200" dirty="0">
+                  <a:solidFill>
+                    <a:schemeClr val="bg1"/>
+                  </a:solidFill>
+                  <a:latin typeface="+mn-ea"/>
+                </a:rPr>
+                <a:t>!</a:t>
+              </a:r>
+            </a:p>
+            <a:p>
+              <a:r>
+                <a:rPr kumimoji="1" lang="ja-JP" altLang="en-US" sz="1200" dirty="0">
+                  <a:solidFill>
+                    <a:schemeClr val="bg1"/>
+                  </a:solidFill>
+                  <a:latin typeface="+mn-ea"/>
+                </a:rPr>
+                <a:t>私は以前、「アラフォーだけど結婚したい</a:t>
+              </a:r>
+              <a:r>
+                <a:rPr kumimoji="1" lang="en-US" altLang="ja-JP" sz="1200" dirty="0">
+                  <a:solidFill>
+                    <a:schemeClr val="bg1"/>
+                  </a:solidFill>
+                  <a:latin typeface="+mn-ea"/>
+                </a:rPr>
+                <a:t>!</a:t>
+              </a:r>
+              <a:r>
+                <a:rPr kumimoji="1" lang="ja-JP" altLang="en-US" sz="1200" dirty="0">
+                  <a:solidFill>
+                    <a:schemeClr val="bg1"/>
+                  </a:solidFill>
+                  <a:latin typeface="+mn-ea"/>
+                </a:rPr>
+                <a:t>」という</a:t>
+              </a:r>
+            </a:p>
+            <a:p>
+              <a:r>
+                <a:rPr kumimoji="1" lang="ja-JP" altLang="en-US" sz="1200" dirty="0">
+                  <a:solidFill>
+                    <a:schemeClr val="bg1"/>
+                  </a:solidFill>
+                  <a:latin typeface="+mn-ea"/>
+                </a:rPr>
+                <a:t>コラムを書かせていただいた漫画家の尾形未紀です。</a:t>
+              </a:r>
+            </a:p>
+            <a:p>
+              <a:r>
+                <a:rPr kumimoji="1" lang="en-US" altLang="ja-JP" sz="1200" dirty="0">
+                  <a:solidFill>
+                    <a:schemeClr val="bg1"/>
+                  </a:solidFill>
+                  <a:latin typeface="+mn-ea"/>
+                </a:rPr>
+                <a:t>40</a:t>
+              </a:r>
+              <a:r>
+                <a:rPr kumimoji="1" lang="ja-JP" altLang="en-US" sz="1200" dirty="0">
+                  <a:solidFill>
+                    <a:schemeClr val="bg1"/>
+                  </a:solidFill>
+                  <a:latin typeface="+mn-ea"/>
+                </a:rPr>
+                <a:t>代半ばで結婚した私たち夫婦。子供はできるかどうかまだわからないし、親ももうかなりいい年だから、あまり頼ることもできない</a:t>
+              </a:r>
+              <a:r>
+                <a:rPr kumimoji="1" lang="en-US" altLang="ja-JP" sz="1200" dirty="0">
+                  <a:solidFill>
+                    <a:schemeClr val="bg1"/>
+                  </a:solidFill>
+                  <a:latin typeface="+mn-ea"/>
+                </a:rPr>
+                <a:t>!</a:t>
+              </a:r>
+            </a:p>
+            <a:p>
+              <a:r>
+                <a:rPr kumimoji="1" lang="ja-JP" altLang="en-US" sz="1200" dirty="0">
+                  <a:solidFill>
+                    <a:schemeClr val="bg1"/>
+                  </a:solidFill>
+                  <a:latin typeface="+mn-ea"/>
+                </a:rPr>
+                <a:t>だから夫婦</a:t>
+              </a:r>
+              <a:r>
+                <a:rPr kumimoji="1" lang="en-US" altLang="ja-JP" sz="1200" dirty="0">
+                  <a:solidFill>
+                    <a:schemeClr val="bg1"/>
+                  </a:solidFill>
+                  <a:latin typeface="+mn-ea"/>
+                </a:rPr>
+                <a:t>2</a:t>
+              </a:r>
+              <a:r>
+                <a:rPr kumimoji="1" lang="ja-JP" altLang="en-US" sz="1200" dirty="0">
+                  <a:solidFill>
+                    <a:schemeClr val="bg1"/>
+                  </a:solidFill>
+                  <a:latin typeface="+mn-ea"/>
+                </a:rPr>
+                <a:t>人でしっかり支えあって生きていかなくてはいけないと思う今日この頃</a:t>
+              </a:r>
+              <a:r>
+                <a:rPr kumimoji="1" lang="en-US" altLang="ja-JP" sz="1200" dirty="0">
+                  <a:solidFill>
+                    <a:schemeClr val="bg1"/>
+                  </a:solidFill>
+                  <a:latin typeface="+mn-ea"/>
+                </a:rPr>
+                <a:t>...</a:t>
+              </a:r>
+              <a:r>
+                <a:rPr kumimoji="1" lang="ja-JP" altLang="en-US" sz="1200" dirty="0">
+                  <a:solidFill>
+                    <a:schemeClr val="bg1"/>
+                  </a:solidFill>
+                  <a:latin typeface="+mn-ea"/>
+                </a:rPr>
+                <a:t>。でも、そんなときに気になるのが「健康」。</a:t>
+              </a:r>
+            </a:p>
+            <a:p>
+              <a:r>
+                <a:rPr kumimoji="1" lang="ja-JP" altLang="en-US" sz="1200" dirty="0">
+                  <a:solidFill>
+                    <a:schemeClr val="bg1"/>
+                  </a:solidFill>
+                  <a:latin typeface="+mn-ea"/>
+                </a:rPr>
+                <a:t>長生きしても健康じゃなきゃ、楽しくないもんね</a:t>
+              </a:r>
+              <a:r>
+                <a:rPr kumimoji="1" lang="en-US" altLang="ja-JP" sz="1200" dirty="0">
+                  <a:solidFill>
+                    <a:schemeClr val="bg1"/>
+                  </a:solidFill>
+                  <a:latin typeface="+mn-ea"/>
+                </a:rPr>
+                <a:t>?</a:t>
+              </a:r>
+            </a:p>
+            <a:p>
+              <a:r>
+                <a:rPr kumimoji="1" lang="ja-JP" altLang="en-US" sz="1200" dirty="0">
+                  <a:solidFill>
+                    <a:schemeClr val="bg1"/>
+                  </a:solidFill>
+                  <a:latin typeface="+mn-ea"/>
+                </a:rPr>
+                <a:t>独女のみなさんも、年々老いてくるにしたがって、増えてくる悩みに頭を抱えてるのでは</a:t>
+              </a:r>
+              <a:r>
+                <a:rPr kumimoji="1" lang="en-US" altLang="ja-JP" sz="1200" dirty="0">
+                  <a:solidFill>
+                    <a:schemeClr val="bg1"/>
+                  </a:solidFill>
+                  <a:latin typeface="+mn-ea"/>
+                </a:rPr>
+                <a:t>!?</a:t>
+              </a:r>
+              <a:r>
+                <a:rPr kumimoji="1" lang="ja-JP" altLang="en-US" sz="1200" dirty="0">
+                  <a:solidFill>
+                    <a:schemeClr val="bg1"/>
+                  </a:solidFill>
+                  <a:latin typeface="+mn-ea"/>
+                </a:rPr>
+                <a:t> 疲れがとれにくくなったり、シミやしわが増えてきたり、二日酔いがなかなか治らなかったり</a:t>
+              </a:r>
+              <a:r>
+                <a:rPr kumimoji="1" lang="en-US" altLang="ja-JP" sz="1200" dirty="0">
+                  <a:solidFill>
+                    <a:schemeClr val="bg1"/>
+                  </a:solidFill>
+                  <a:latin typeface="+mn-ea"/>
+                </a:rPr>
+                <a:t>...</a:t>
+              </a:r>
+            </a:p>
+            <a:p>
+              <a:r>
+                <a:rPr kumimoji="1" lang="ja-JP" altLang="en-US" sz="1200" dirty="0">
+                  <a:solidFill>
+                    <a:schemeClr val="bg1"/>
+                  </a:solidFill>
+                  <a:latin typeface="+mn-ea"/>
+                </a:rPr>
+                <a:t>さらに、病気で入院したりする友達や知り合いも増えているのでは</a:t>
+              </a:r>
+              <a:r>
+                <a:rPr kumimoji="1" lang="en-US" altLang="ja-JP" sz="1200" dirty="0">
+                  <a:solidFill>
+                    <a:schemeClr val="bg1"/>
+                  </a:solidFill>
+                  <a:latin typeface="+mn-ea"/>
+                </a:rPr>
+                <a:t>?</a:t>
+              </a:r>
+            </a:p>
+            <a:p>
+              <a:r>
+                <a:rPr kumimoji="1" lang="ja-JP" altLang="en-US" sz="1200" dirty="0">
+                  <a:solidFill>
+                    <a:schemeClr val="bg1"/>
+                  </a:solidFill>
+                  <a:latin typeface="+mn-ea"/>
+                </a:rPr>
+                <a:t>体にいろいろと不具合が出始めてる頃ではないでしょうか</a:t>
+              </a:r>
+              <a:r>
+                <a:rPr kumimoji="1" lang="en-US" altLang="ja-JP" sz="1200" dirty="0">
+                  <a:solidFill>
+                    <a:schemeClr val="bg1"/>
+                  </a:solidFill>
+                  <a:latin typeface="+mn-ea"/>
+                </a:rPr>
+                <a:t>...!?</a:t>
+              </a:r>
+            </a:p>
+            <a:p>
+              <a:r>
+                <a:rPr kumimoji="1" lang="ja-JP" altLang="en-US" sz="1200" dirty="0">
+                  <a:solidFill>
+                    <a:schemeClr val="bg1"/>
+                  </a:solidFill>
+                  <a:latin typeface="+mn-ea"/>
+                </a:rPr>
+                <a:t>私の担当編集のアラサー女子も、</a:t>
+              </a:r>
+            </a:p>
+            <a:p>
+              <a:r>
+                <a:rPr kumimoji="1" lang="ja-JP" altLang="en-US" sz="1200" dirty="0">
+                  <a:solidFill>
+                    <a:schemeClr val="bg1"/>
+                  </a:solidFill>
+                  <a:latin typeface="+mn-ea"/>
+                </a:rPr>
+                <a:t>「最近、髪が薄くなってきた</a:t>
+              </a:r>
+              <a:r>
+                <a:rPr kumimoji="1" lang="en-US" altLang="ja-JP" sz="1200" dirty="0">
+                  <a:solidFill>
+                    <a:schemeClr val="bg1"/>
+                  </a:solidFill>
+                  <a:latin typeface="+mn-ea"/>
+                </a:rPr>
+                <a:t>...</a:t>
+              </a:r>
+              <a:r>
+                <a:rPr kumimoji="1" lang="ja-JP" altLang="en-US" sz="1200" dirty="0">
+                  <a:solidFill>
+                    <a:schemeClr val="bg1"/>
+                  </a:solidFill>
+                  <a:latin typeface="+mn-ea"/>
+                </a:rPr>
+                <a:t>」と嘆いてます</a:t>
+              </a:r>
+              <a:r>
+                <a:rPr kumimoji="1" lang="en-US" altLang="ja-JP" sz="1200" dirty="0">
+                  <a:solidFill>
+                    <a:schemeClr val="bg1"/>
+                  </a:solidFill>
+                  <a:latin typeface="+mn-ea"/>
+                </a:rPr>
+                <a:t>(</a:t>
+              </a:r>
+              <a:r>
+                <a:rPr kumimoji="1" lang="ja-JP" altLang="en-US" sz="1200" dirty="0">
+                  <a:solidFill>
+                    <a:schemeClr val="bg1"/>
+                  </a:solidFill>
+                  <a:latin typeface="+mn-ea"/>
+                </a:rPr>
+                <a:t>笑</a:t>
+              </a:r>
+              <a:r>
+                <a:rPr kumimoji="1" lang="en-US" altLang="ja-JP" sz="1200" dirty="0">
+                  <a:solidFill>
+                    <a:schemeClr val="bg1"/>
+                  </a:solidFill>
+                  <a:latin typeface="+mn-ea"/>
+                </a:rPr>
+                <a:t>)</a:t>
+              </a:r>
+              <a:r>
+                <a:rPr kumimoji="1" lang="ja-JP" altLang="en-US" sz="1200" dirty="0">
+                  <a:solidFill>
+                    <a:schemeClr val="bg1"/>
+                  </a:solidFill>
+                  <a:latin typeface="+mn-ea"/>
+                </a:rPr>
+                <a:t>。</a:t>
+              </a:r>
+            </a:p>
+            <a:p>
+              <a:r>
+                <a:rPr kumimoji="1" lang="ja-JP" altLang="en-US" sz="1200" dirty="0">
+                  <a:solidFill>
+                    <a:schemeClr val="bg1"/>
+                  </a:solidFill>
+                  <a:latin typeface="+mn-ea"/>
+                </a:rPr>
+                <a:t>健康に関する悩みって、周りからは「気にしすぎ」と</a:t>
+              </a:r>
+            </a:p>
+            <a:p>
+              <a:r>
+                <a:rPr kumimoji="1" lang="ja-JP" altLang="en-US" sz="1200" dirty="0">
+                  <a:solidFill>
+                    <a:schemeClr val="bg1"/>
+                  </a:solidFill>
+                  <a:latin typeface="+mn-ea"/>
+                </a:rPr>
+                <a:t>思うことでも、本人にとっては真剣だものね。</a:t>
+              </a:r>
+            </a:p>
+            <a:p>
+              <a:r>
+                <a:rPr kumimoji="1" lang="ja-JP" altLang="en-US" sz="1200" dirty="0">
+                  <a:solidFill>
+                    <a:schemeClr val="bg1"/>
+                  </a:solidFill>
+                  <a:latin typeface="+mn-ea"/>
+                </a:rPr>
+                <a:t>そこで、みなさんの身近な健康や美容に関する悩みを</a:t>
+              </a:r>
+            </a:p>
+            <a:p>
+              <a:r>
+                <a:rPr kumimoji="1" lang="ja-JP" altLang="en-US" sz="1200" dirty="0">
+                  <a:solidFill>
+                    <a:schemeClr val="bg1"/>
+                  </a:solidFill>
+                  <a:latin typeface="+mn-ea"/>
+                </a:rPr>
+                <a:t>私たち夫婦が解決していく「健康コミックエッセイ」を</a:t>
+              </a:r>
+            </a:p>
+            <a:p>
+              <a:r>
+                <a:rPr kumimoji="1" lang="ja-JP" altLang="en-US" sz="1200" dirty="0">
+                  <a:solidFill>
+                    <a:schemeClr val="bg1"/>
+                  </a:solidFill>
+                  <a:latin typeface="+mn-ea"/>
+                </a:rPr>
+                <a:t>はじめることになりました</a:t>
+              </a:r>
+              <a:r>
+                <a:rPr kumimoji="1" lang="en-US" altLang="ja-JP" sz="1200" dirty="0">
+                  <a:solidFill>
+                    <a:schemeClr val="bg1"/>
+                  </a:solidFill>
+                  <a:latin typeface="+mn-ea"/>
+                </a:rPr>
+                <a:t>!</a:t>
+              </a:r>
+            </a:p>
+            <a:p>
+              <a:r>
+                <a:rPr kumimoji="1" lang="ja-JP" altLang="en-US" sz="1200" dirty="0">
+                  <a:solidFill>
+                    <a:schemeClr val="bg1"/>
+                  </a:solidFill>
+                  <a:latin typeface="+mn-ea"/>
+                </a:rPr>
+                <a:t>少しでも健康でいて、長生きを</a:t>
+              </a:r>
+              <a:r>
+                <a:rPr kumimoji="1" lang="en-US" altLang="ja-JP" sz="1200" dirty="0">
+                  <a:solidFill>
+                    <a:schemeClr val="bg1"/>
+                  </a:solidFill>
+                  <a:latin typeface="+mn-ea"/>
+                </a:rPr>
+                <a:t>!</a:t>
+              </a:r>
+            </a:p>
+            <a:p>
+              <a:r>
+                <a:rPr kumimoji="1" lang="ja-JP" altLang="en-US" sz="1200" dirty="0">
+                  <a:solidFill>
+                    <a:schemeClr val="bg1"/>
+                  </a:solidFill>
+                  <a:latin typeface="+mn-ea"/>
+                </a:rPr>
+                <a:t>それを目標にがんばりたいと思いますので、</a:t>
+              </a:r>
+            </a:p>
+            <a:p>
+              <a:r>
+                <a:rPr kumimoji="1" lang="ja-JP" altLang="en-US" sz="1200" dirty="0">
+                  <a:solidFill>
+                    <a:schemeClr val="bg1"/>
+                  </a:solidFill>
+                  <a:latin typeface="+mn-ea"/>
+                </a:rPr>
+                <a:t>独女のみなさんもぜひ読んでみてくださいね♪</a:t>
+              </a:r>
+            </a:p>
+          </p:txBody>
+        </p:sp>
+        <p:sp>
+          <p:nvSpPr>
+            <p:cNvPr id="3" name="テキスト ボックス 2">
+              <a:extLst>
+                <a:ext uri="{FF2B5EF4-FFF2-40B4-BE49-F238E27FC236}">
+                  <a16:creationId xmlns:a16="http://schemas.microsoft.com/office/drawing/2014/main" id="{F3A0CE5E-33FD-5207-6DD4-AD576C1F3FC9}"/>
+                </a:ext>
+              </a:extLst>
+            </p:cNvPr>
+            <p:cNvSpPr txBox="1"/>
+            <p:nvPr/>
+          </p:nvSpPr>
+          <p:spPr>
+            <a:xfrm>
+              <a:off x="5289818" y="1561169"/>
+              <a:ext cx="3608855" cy="2677656"/>
+            </a:xfrm>
+            <a:prstGeom prst="rect">
+              <a:avLst/>
+            </a:prstGeom>
+          </p:spPr>
+          <p:style>
+            <a:lnRef idx="2">
+              <a:schemeClr val="dk1"/>
+            </a:lnRef>
+            <a:fillRef idx="1">
+              <a:schemeClr val="lt1"/>
+            </a:fillRef>
+            <a:effectRef idx="0">
+              <a:schemeClr val="dk1"/>
+            </a:effectRef>
+            <a:fontRef idx="minor">
+              <a:schemeClr val="dk1"/>
+            </a:fontRef>
+          </p:style>
+          <p:txBody>
+            <a:bodyPr wrap="square" rtlCol="0">
+              <a:spAutoFit/>
+            </a:bodyPr>
+            <a:lstStyle/>
+            <a:p>
+              <a:r>
+                <a:rPr lang="ja-JP" altLang="en-US" sz="1200" b="0" i="0" dirty="0">
+                  <a:solidFill>
+                    <a:sysClr val="windowText" lastClr="000000"/>
+                  </a:solidFill>
+                  <a:effectLst/>
+                  <a:latin typeface="+mn-ea"/>
+                </a:rPr>
+                <a:t>この文章では、尾形未紀の新シリーズ「健康コミックエッセイ」の紹介がされています。</a:t>
+              </a:r>
+              <a:endParaRPr lang="en-US" altLang="ja-JP" sz="1200" b="0" i="0" dirty="0">
+                <a:solidFill>
+                  <a:sysClr val="windowText" lastClr="000000"/>
+                </a:solidFill>
+                <a:effectLst/>
+                <a:latin typeface="+mn-ea"/>
+              </a:endParaRPr>
+            </a:p>
+            <a:p>
+              <a:r>
+                <a:rPr lang="ja-JP" altLang="en-US" sz="1200" b="0" i="0" dirty="0">
+                  <a:solidFill>
+                    <a:sysClr val="windowText" lastClr="000000"/>
+                  </a:solidFill>
+                  <a:effectLst/>
+                  <a:latin typeface="+mn-ea"/>
+                </a:rPr>
+                <a:t>このエッセイでは、健康や美容に関する身近な悩みについて取り上げ、解決策を探っていきます。尾形未紀と夫の夫婦二人三脚で、充実した健康的な生活を送るためのサポートを読者に提供する目的があるようです。具体的には、疲れやすさ、老化による見た目の変化、アルコールの影響、病気や入院に関する不安、髪の健康など、幅広いトピックが取り上げられる予定です。このエッセイは、主に独女（独身女性）の健康や美容に関する悩みに焦点を当てていますが、健康に関心のある読者にとって有益な情報を提供することを目指しています。</a:t>
+              </a:r>
+              <a:endParaRPr kumimoji="1" lang="ja-JP" altLang="en-US" sz="1200" dirty="0">
+                <a:solidFill>
+                  <a:sysClr val="windowText" lastClr="000000"/>
+                </a:solidFill>
+                <a:latin typeface="+mn-ea"/>
+              </a:endParaRPr>
+            </a:p>
+          </p:txBody>
+        </p:sp>
+        <p:sp>
+          <p:nvSpPr>
+            <p:cNvPr id="4" name="テキスト ボックス 3">
+              <a:extLst>
+                <a:ext uri="{FF2B5EF4-FFF2-40B4-BE49-F238E27FC236}">
+                  <a16:creationId xmlns:a16="http://schemas.microsoft.com/office/drawing/2014/main" id="{E5901582-9302-8B7B-68C2-1E0832A02782}"/>
+                </a:ext>
+              </a:extLst>
+            </p:cNvPr>
+            <p:cNvSpPr txBox="1"/>
+            <p:nvPr/>
+          </p:nvSpPr>
+          <p:spPr>
+            <a:xfrm>
+              <a:off x="5864772" y="1242142"/>
+              <a:ext cx="2465913" cy="400110"/>
+            </a:xfrm>
+            <a:prstGeom prst="rect">
+              <a:avLst/>
+            </a:prstGeom>
+            <a:noFill/>
+          </p:spPr>
+          <p:txBody>
+            <a:bodyPr wrap="square" rtlCol="0">
+              <a:spAutoFit/>
+            </a:bodyPr>
+            <a:lstStyle/>
+            <a:p>
+              <a:pPr algn="ctr"/>
+              <a:r>
+                <a:rPr kumimoji="1" lang="en-US" altLang="ja-JP" sz="2000" b="1" dirty="0">
+                  <a:solidFill>
+                    <a:schemeClr val="bg1"/>
+                  </a:solidFill>
+                </a:rPr>
+                <a:t>&lt;</a:t>
+              </a:r>
+              <a:r>
+                <a:rPr kumimoji="1" lang="ja-JP" altLang="en-US" sz="2000" b="1" dirty="0">
+                  <a:solidFill>
+                    <a:schemeClr val="bg1"/>
+                  </a:solidFill>
+                </a:rPr>
+                <a:t>要約文</a:t>
+              </a:r>
+              <a:r>
+                <a:rPr kumimoji="1" lang="en-US" altLang="ja-JP" sz="2000" b="1" dirty="0">
+                  <a:solidFill>
+                    <a:schemeClr val="bg1"/>
+                  </a:solidFill>
+                </a:rPr>
+                <a:t>&gt;</a:t>
+              </a:r>
+              <a:endParaRPr kumimoji="1" lang="ja-JP" altLang="en-US" sz="2000" b="1" dirty="0">
+                <a:solidFill>
+                  <a:schemeClr val="bg1"/>
+                </a:solidFill>
+              </a:endParaRPr>
+            </a:p>
+          </p:txBody>
+        </p:sp>
+        <p:sp>
+          <p:nvSpPr>
+            <p:cNvPr id="5" name="テキスト ボックス 4">
+              <a:extLst>
+                <a:ext uri="{FF2B5EF4-FFF2-40B4-BE49-F238E27FC236}">
+                  <a16:creationId xmlns:a16="http://schemas.microsoft.com/office/drawing/2014/main" id="{781FADE9-1A8A-166B-B5C9-EAAD8598D64A}"/>
+                </a:ext>
+              </a:extLst>
+            </p:cNvPr>
+            <p:cNvSpPr txBox="1"/>
+            <p:nvPr/>
+          </p:nvSpPr>
+          <p:spPr>
+            <a:xfrm>
+              <a:off x="1460062" y="1242142"/>
+              <a:ext cx="2465913" cy="400110"/>
+            </a:xfrm>
+            <a:prstGeom prst="rect">
+              <a:avLst/>
+            </a:prstGeom>
+            <a:noFill/>
+          </p:spPr>
+          <p:txBody>
+            <a:bodyPr wrap="square" rtlCol="0">
+              <a:spAutoFit/>
+            </a:bodyPr>
+            <a:lstStyle/>
+            <a:p>
+              <a:pPr algn="ctr"/>
+              <a:r>
+                <a:rPr kumimoji="1" lang="en-US" altLang="ja-JP" sz="2000" b="1" dirty="0">
+                  <a:solidFill>
+                    <a:schemeClr val="bg1"/>
+                  </a:solidFill>
+                </a:rPr>
+                <a:t>&lt;</a:t>
+              </a:r>
+              <a:r>
+                <a:rPr kumimoji="1" lang="ja-JP" altLang="en-US" sz="2000" b="1" dirty="0">
+                  <a:solidFill>
+                    <a:schemeClr val="bg1"/>
+                  </a:solidFill>
+                </a:rPr>
+                <a:t>原文</a:t>
+              </a:r>
+              <a:r>
+                <a:rPr kumimoji="1" lang="en-US" altLang="ja-JP" sz="2000" b="1" dirty="0">
+                  <a:solidFill>
+                    <a:schemeClr val="bg1"/>
+                  </a:solidFill>
+                </a:rPr>
+                <a:t>&gt;</a:t>
+              </a:r>
+              <a:endParaRPr kumimoji="1" lang="ja-JP" altLang="en-US" sz="2000" b="1" dirty="0">
+                <a:solidFill>
+                  <a:schemeClr val="bg1"/>
+                </a:solidFill>
+              </a:endParaRPr>
+            </a:p>
+          </p:txBody>
+        </p:sp>
+      </p:grpSp>
+    </p:spTree>
+    <p:extLst>
+      <p:ext uri="{BB962C8B-B14F-4D97-AF65-F5344CB8AC3E}">
+        <p14:creationId xmlns:p14="http://schemas.microsoft.com/office/powerpoint/2010/main" val="2931851735"/>
+      </p:ext>
+    </p:extLst>
+  </p:cSld>
+  <p:clrMapOvr>
+    <a:masterClrMapping/>
+  </p:clrMapOvr>
+</p:sld>
+</file>
+
+<file path=ppt/slides/slide18.xml><?xml version="1.0" encoding="utf-8"?>
+<p:sld xmlns:a="http://schemas.openxmlformats.org/drawingml/2006/main" xmlns:r="http://schemas.openxmlformats.org/officeDocument/2006/relationships" xmlns:p="http://schemas.openxmlformats.org/presentationml/2006/main">
+  <p:cSld>
+    <p:spTree>
+      <p:nvGrpSpPr>
+        <p:cNvPr id="1" name="">
+          <a:extLst>
+            <a:ext uri="{FF2B5EF4-FFF2-40B4-BE49-F238E27FC236}">
               <a16:creationId xmlns:a16="http://schemas.microsoft.com/office/drawing/2014/main" id="{DE74CE7E-E2CE-933B-21B2-6B17CD808760}"/>
             </a:ext>
           </a:extLst>
@@ -21645,7 +22998,7 @@
           <a:p>
             <a:fld id="{84E5AB44-6C43-4864-84E5-D75B94A07FCF}" type="slidenum">
               <a:rPr kumimoji="1" lang="ja-JP" altLang="en-US" smtClean="0"/>
-              <a:t>17</a:t>
+              <a:t>18</a:t>
             </a:fld>
             <a:endParaRPr kumimoji="1" lang="ja-JP" altLang="en-US"/>
           </a:p>
@@ -23272,7 +24625,1511 @@
 </p:sld>
 </file>
 
-<file path=ppt/slides/slide18.xml><?xml version="1.0" encoding="utf-8"?>
+<file path=ppt/slides/slide19.xml><?xml version="1.0" encoding="utf-8"?>
+<p:sld xmlns:a="http://schemas.openxmlformats.org/drawingml/2006/main" xmlns:r="http://schemas.openxmlformats.org/officeDocument/2006/relationships" xmlns:p="http://schemas.openxmlformats.org/presentationml/2006/main">
+  <p:cSld>
+    <p:spTree>
+      <p:nvGrpSpPr>
+        <p:cNvPr id="1" name="">
+          <a:extLst>
+            <a:ext uri="{FF2B5EF4-FFF2-40B4-BE49-F238E27FC236}">
+              <a16:creationId xmlns:a16="http://schemas.microsoft.com/office/drawing/2014/main" id="{BCDA1449-56D4-0C14-805D-7F1660AD020F}"/>
+            </a:ext>
+          </a:extLst>
+        </p:cNvPr>
+        <p:cNvGrpSpPr/>
+        <p:nvPr/>
+      </p:nvGrpSpPr>
+      <p:grpSpPr>
+        <a:xfrm>
+          <a:off x="0" y="0"/>
+          <a:ext cx="0" cy="0"/>
+          <a:chOff x="0" y="0"/>
+          <a:chExt cx="0" cy="0"/>
+        </a:xfrm>
+      </p:grpSpPr>
+      <p:sp>
+        <p:nvSpPr>
+          <p:cNvPr id="10" name="Google Shape;92;p14">
+            <a:extLst>
+              <a:ext uri="{FF2B5EF4-FFF2-40B4-BE49-F238E27FC236}">
+                <a16:creationId xmlns:a16="http://schemas.microsoft.com/office/drawing/2014/main" id="{DEEC24A7-3D61-DDA8-841D-1E9BA3373911}"/>
+              </a:ext>
+            </a:extLst>
+          </p:cNvPr>
+          <p:cNvSpPr txBox="1"/>
+          <p:nvPr/>
+        </p:nvSpPr>
+        <p:spPr>
+          <a:xfrm>
+            <a:off x="245327" y="-51424"/>
+            <a:ext cx="8633965" cy="732078"/>
+          </a:xfrm>
+          <a:prstGeom prst="rect">
+            <a:avLst/>
+          </a:prstGeom>
+          <a:noFill/>
+          <a:ln>
+            <a:noFill/>
+          </a:ln>
+        </p:spPr>
+        <p:txBody>
+          <a:bodyPr spcFirstLastPara="1" wrap="square" lIns="91425" tIns="91425" rIns="91425" bIns="91425" anchor="t" anchorCtr="0">
+            <a:noAutofit/>
+          </a:bodyPr>
+          <a:lstStyle/>
+          <a:p>
+            <a:pPr marL="0" lvl="0" indent="0" algn="l" rtl="0">
+              <a:spcBef>
+                <a:spcPts val="0"/>
+              </a:spcBef>
+              <a:spcAft>
+                <a:spcPts val="0"/>
+              </a:spcAft>
+              <a:buNone/>
+            </a:pPr>
+            <a:r>
+              <a:rPr lang="ja-JP" altLang="en-US" sz="3200" b="1" dirty="0">
+                <a:latin typeface="+mn-ea"/>
+              </a:rPr>
+              <a:t>要約文の生成例 </a:t>
+            </a:r>
+            <a:r>
+              <a:rPr lang="en-US" altLang="ja-JP" sz="3200" b="1" dirty="0">
+                <a:latin typeface="+mn-ea"/>
+              </a:rPr>
+              <a:t>2</a:t>
+            </a:r>
+            <a:r>
+              <a:rPr lang="ja-JP" altLang="en-US" sz="3200" b="1" dirty="0">
+                <a:latin typeface="+mn-ea"/>
+              </a:rPr>
+              <a:t> </a:t>
+            </a:r>
+            <a:r>
+              <a:rPr lang="en-US" altLang="ja-JP" sz="2400" b="1" dirty="0">
+                <a:latin typeface="+mn-ea"/>
+              </a:rPr>
+              <a:t>(</a:t>
+            </a:r>
+            <a:r>
+              <a:rPr lang="ja-JP" altLang="en-US" sz="2400" b="1" dirty="0">
+                <a:latin typeface="+mn-ea"/>
+              </a:rPr>
+              <a:t>ラベル</a:t>
+            </a:r>
+            <a:r>
+              <a:rPr lang="en-US" altLang="ja-JP" sz="2400" b="1" dirty="0">
+                <a:latin typeface="+mn-ea"/>
+              </a:rPr>
+              <a:t>: MOVIE ENTER)</a:t>
+            </a:r>
+            <a:endParaRPr lang="en-US" altLang="ja-JP" b="1" dirty="0">
+              <a:latin typeface="+mn-ea"/>
+            </a:endParaRPr>
+          </a:p>
+          <a:p>
+            <a:pPr marL="0" lvl="0" indent="0" algn="l" rtl="0">
+              <a:spcBef>
+                <a:spcPts val="0"/>
+              </a:spcBef>
+              <a:spcAft>
+                <a:spcPts val="0"/>
+              </a:spcAft>
+              <a:buNone/>
+            </a:pPr>
+            <a:endParaRPr lang="en-US" altLang="ja-JP" sz="2400" b="1" dirty="0">
+              <a:latin typeface="+mn-ea"/>
+            </a:endParaRPr>
+          </a:p>
+          <a:p>
+            <a:pPr marL="0" lvl="0" indent="0" algn="l" rtl="0">
+              <a:spcBef>
+                <a:spcPts val="0"/>
+              </a:spcBef>
+              <a:spcAft>
+                <a:spcPts val="0"/>
+              </a:spcAft>
+              <a:buNone/>
+            </a:pPr>
+            <a:endParaRPr lang="en-US" altLang="ja-JP" sz="2400" b="1" dirty="0">
+              <a:latin typeface="+mn-ea"/>
+            </a:endParaRPr>
+          </a:p>
+          <a:p>
+            <a:pPr marL="0" lvl="0" indent="0" algn="l" rtl="0">
+              <a:spcBef>
+                <a:spcPts val="0"/>
+              </a:spcBef>
+              <a:spcAft>
+                <a:spcPts val="0"/>
+              </a:spcAft>
+              <a:buNone/>
+            </a:pPr>
+            <a:endParaRPr lang="en-US" altLang="ja-JP" sz="2400" b="1" dirty="0">
+              <a:latin typeface="+mn-ea"/>
+            </a:endParaRPr>
+          </a:p>
+          <a:p>
+            <a:pPr marL="0" lvl="0" indent="0" algn="l" rtl="0">
+              <a:spcBef>
+                <a:spcPts val="0"/>
+              </a:spcBef>
+              <a:spcAft>
+                <a:spcPts val="0"/>
+              </a:spcAft>
+              <a:buNone/>
+            </a:pPr>
+            <a:endParaRPr lang="en-US" altLang="ja-JP" sz="2400" b="1" dirty="0">
+              <a:latin typeface="+mn-ea"/>
+            </a:endParaRPr>
+          </a:p>
+          <a:p>
+            <a:pPr marL="0" lvl="0" indent="0" algn="l" rtl="0">
+              <a:spcBef>
+                <a:spcPts val="0"/>
+              </a:spcBef>
+              <a:spcAft>
+                <a:spcPts val="0"/>
+              </a:spcAft>
+              <a:buNone/>
+            </a:pPr>
+            <a:endParaRPr lang="en-US" altLang="ja-JP" sz="2400" b="1" dirty="0">
+              <a:latin typeface="+mn-ea"/>
+            </a:endParaRPr>
+          </a:p>
+          <a:p>
+            <a:pPr marL="0" lvl="0" indent="0" algn="l" rtl="0">
+              <a:spcBef>
+                <a:spcPts val="0"/>
+              </a:spcBef>
+              <a:spcAft>
+                <a:spcPts val="0"/>
+              </a:spcAft>
+              <a:buNone/>
+            </a:pPr>
+            <a:br>
+              <a:rPr lang="en-US" altLang="ja-JP" sz="3200" b="1" dirty="0">
+                <a:latin typeface="+mn-ea"/>
+              </a:rPr>
+            </a:br>
+            <a:r>
+              <a:rPr lang="en-US" sz="2400" b="1" dirty="0">
+                <a:latin typeface="+mn-ea"/>
+                <a:ea typeface="+mn-ea"/>
+              </a:rPr>
+              <a:t>	</a:t>
+            </a:r>
+            <a:r>
+              <a:rPr lang="en-US" sz="2800" dirty="0">
+                <a:latin typeface="+mn-ea"/>
+                <a:ea typeface="+mn-ea"/>
+              </a:rPr>
+              <a:t>	</a:t>
+            </a:r>
+            <a:br>
+              <a:rPr lang="en-US" sz="2800" dirty="0">
+                <a:latin typeface="+mn-ea"/>
+                <a:ea typeface="+mn-ea"/>
+              </a:rPr>
+            </a:br>
+            <a:r>
+              <a:rPr lang="en-US" sz="2400" dirty="0">
+                <a:latin typeface="+mn-ea"/>
+                <a:ea typeface="+mn-ea"/>
+              </a:rPr>
+              <a:t>	</a:t>
+            </a:r>
+            <a:endParaRPr lang="en-US" altLang="ja-JP" sz="2400" dirty="0">
+              <a:latin typeface="+mn-ea"/>
+              <a:ea typeface="+mn-ea"/>
+            </a:endParaRPr>
+          </a:p>
+        </p:txBody>
+      </p:sp>
+      <p:sp>
+        <p:nvSpPr>
+          <p:cNvPr id="7" name="スライド番号プレースホルダー 6">
+            <a:extLst>
+              <a:ext uri="{FF2B5EF4-FFF2-40B4-BE49-F238E27FC236}">
+                <a16:creationId xmlns:a16="http://schemas.microsoft.com/office/drawing/2014/main" id="{0C4C46FB-353C-0595-52D3-D48FC50EACD0}"/>
+              </a:ext>
+            </a:extLst>
+          </p:cNvPr>
+          <p:cNvSpPr>
+            <a:spLocks noGrp="1"/>
+          </p:cNvSpPr>
+          <p:nvPr>
+            <p:ph type="sldNum" sz="quarter" idx="12"/>
+          </p:nvPr>
+        </p:nvSpPr>
+        <p:spPr/>
+        <p:txBody>
+          <a:bodyPr/>
+          <a:lstStyle/>
+          <a:p>
+            <a:fld id="{84E5AB44-6C43-4864-84E5-D75B94A07FCF}" type="slidenum">
+              <a:rPr kumimoji="1" lang="ja-JP" altLang="en-US" smtClean="0"/>
+              <a:t>19</a:t>
+            </a:fld>
+            <a:endParaRPr kumimoji="1" lang="ja-JP" altLang="en-US"/>
+          </a:p>
+        </p:txBody>
+      </p:sp>
+      <p:grpSp>
+        <p:nvGrpSpPr>
+          <p:cNvPr id="6" name="グループ化 5">
+            <a:extLst>
+              <a:ext uri="{FF2B5EF4-FFF2-40B4-BE49-F238E27FC236}">
+                <a16:creationId xmlns:a16="http://schemas.microsoft.com/office/drawing/2014/main" id="{B8F19871-75E9-BE71-1243-19C7652169F9}"/>
+              </a:ext>
+            </a:extLst>
+          </p:cNvPr>
+          <p:cNvGrpSpPr/>
+          <p:nvPr/>
+        </p:nvGrpSpPr>
+        <p:grpSpPr>
+          <a:xfrm>
+            <a:off x="245327" y="1242142"/>
+            <a:ext cx="8653346" cy="4843343"/>
+            <a:chOff x="245327" y="1242142"/>
+            <a:chExt cx="8653346" cy="4843343"/>
+          </a:xfrm>
+        </p:grpSpPr>
+        <p:sp>
+          <p:nvSpPr>
+            <p:cNvPr id="2" name="テキスト ボックス 1">
+              <a:extLst>
+                <a:ext uri="{FF2B5EF4-FFF2-40B4-BE49-F238E27FC236}">
+                  <a16:creationId xmlns:a16="http://schemas.microsoft.com/office/drawing/2014/main" id="{54FA4BED-4CF3-F78F-E63C-0C4219E909B5}"/>
+                </a:ext>
+              </a:extLst>
+            </p:cNvPr>
+            <p:cNvSpPr txBox="1"/>
+            <p:nvPr/>
+          </p:nvSpPr>
+          <p:spPr>
+            <a:xfrm>
+              <a:off x="245327" y="1561170"/>
+              <a:ext cx="4895385" cy="4524315"/>
+            </a:xfrm>
+            <a:prstGeom prst="rect">
+              <a:avLst/>
+            </a:prstGeom>
+          </p:spPr>
+          <p:style>
+            <a:lnRef idx="2">
+              <a:schemeClr val="dk1"/>
+            </a:lnRef>
+            <a:fillRef idx="1">
+              <a:schemeClr val="lt1"/>
+            </a:fillRef>
+            <a:effectRef idx="0">
+              <a:schemeClr val="dk1"/>
+            </a:effectRef>
+            <a:fontRef idx="minor">
+              <a:schemeClr val="dk1"/>
+            </a:fontRef>
+          </p:style>
+          <p:txBody>
+            <a:bodyPr wrap="square" rtlCol="0">
+              <a:spAutoFit/>
+            </a:bodyPr>
+            <a:lstStyle/>
+            <a:p>
+              <a:r>
+                <a:rPr lang="en-US" altLang="ja-JP" sz="1200" i="0" dirty="0">
+                  <a:solidFill>
+                    <a:schemeClr val="bg1"/>
+                  </a:solidFill>
+                  <a:effectLst/>
+                  <a:latin typeface="+mn-ea"/>
+                </a:rPr>
+                <a:t>【C-3PO</a:t>
+              </a:r>
+              <a:r>
+                <a:rPr lang="ja-JP" altLang="en-US" sz="1200" i="0" dirty="0">
+                  <a:solidFill>
+                    <a:schemeClr val="bg1"/>
+                  </a:solidFill>
+                  <a:effectLst/>
+                  <a:latin typeface="+mn-ea"/>
+                </a:rPr>
+                <a:t>が名場面を紹介する</a:t>
+              </a:r>
+              <a:r>
+                <a:rPr lang="en-US" altLang="ja-JP" sz="1000" i="0" dirty="0">
+                  <a:solidFill>
+                    <a:schemeClr val="bg1"/>
+                  </a:solidFill>
+                  <a:effectLst/>
+                  <a:latin typeface="+mn-ea"/>
+                </a:rPr>
+                <a:t>『</a:t>
+              </a:r>
+              <a:r>
+                <a:rPr lang="ja-JP" altLang="en-US" sz="1000" i="0" dirty="0">
+                  <a:solidFill>
+                    <a:schemeClr val="bg1"/>
+                  </a:solidFill>
+                  <a:effectLst/>
+                  <a:latin typeface="+mn-ea"/>
+                </a:rPr>
+                <a:t>スター・ウォーズ</a:t>
+              </a:r>
+              <a:r>
+                <a:rPr lang="en-US" altLang="ja-JP" sz="1000" i="0" dirty="0">
+                  <a:solidFill>
+                    <a:schemeClr val="bg1"/>
+                  </a:solidFill>
+                  <a:effectLst/>
+                  <a:latin typeface="+mn-ea"/>
+                </a:rPr>
+                <a:t>in</a:t>
+              </a:r>
+              <a:r>
+                <a:rPr lang="ja-JP" altLang="en-US" sz="1000" i="0" dirty="0">
+                  <a:solidFill>
+                    <a:schemeClr val="bg1"/>
+                  </a:solidFill>
+                  <a:effectLst/>
+                  <a:latin typeface="+mn-ea"/>
+                </a:rPr>
+                <a:t>コンサート</a:t>
+              </a:r>
+              <a:r>
+                <a:rPr lang="en-US" altLang="ja-JP" sz="1000" i="0" dirty="0">
+                  <a:solidFill>
+                    <a:schemeClr val="bg1"/>
+                  </a:solidFill>
+                  <a:effectLst/>
+                  <a:latin typeface="+mn-ea"/>
+                </a:rPr>
+                <a:t>』</a:t>
+              </a:r>
+              <a:r>
+                <a:rPr lang="ja-JP" altLang="en-US" sz="1200" i="0" dirty="0">
+                  <a:solidFill>
+                    <a:schemeClr val="bg1"/>
+                  </a:solidFill>
+                  <a:effectLst/>
+                  <a:latin typeface="+mn-ea"/>
+                </a:rPr>
+                <a:t>日本上陸</a:t>
+              </a:r>
+              <a:r>
+                <a:rPr lang="en-US" altLang="ja-JP" sz="1200" i="0" dirty="0">
+                  <a:solidFill>
+                    <a:schemeClr val="bg1"/>
+                  </a:solidFill>
+                  <a:effectLst/>
+                  <a:latin typeface="+mn-ea"/>
+                </a:rPr>
+                <a:t>】</a:t>
+              </a:r>
+              <a:endParaRPr kumimoji="1" lang="en-US" altLang="ja-JP" sz="1200" dirty="0">
+                <a:solidFill>
+                  <a:sysClr val="windowText" lastClr="000000"/>
+                </a:solidFill>
+                <a:latin typeface="+mn-ea"/>
+              </a:endParaRPr>
+            </a:p>
+            <a:p>
+              <a:endParaRPr kumimoji="1" lang="en-US" altLang="ja-JP" sz="1200" dirty="0">
+                <a:solidFill>
+                  <a:sysClr val="windowText" lastClr="000000"/>
+                </a:solidFill>
+                <a:latin typeface="+mn-ea"/>
+              </a:endParaRPr>
+            </a:p>
+            <a:p>
+              <a:r>
+                <a:rPr kumimoji="1" lang="en-US" altLang="ja-JP" sz="1200" dirty="0">
+                  <a:solidFill>
+                    <a:sysClr val="windowText" lastClr="000000"/>
+                  </a:solidFill>
+                  <a:latin typeface="+mn-ea"/>
+                </a:rPr>
+                <a:t>2009</a:t>
+              </a:r>
+              <a:r>
+                <a:rPr kumimoji="1" lang="ja-JP" altLang="en-US" sz="1200" dirty="0">
+                  <a:solidFill>
+                    <a:sysClr val="windowText" lastClr="000000"/>
+                  </a:solidFill>
+                  <a:latin typeface="+mn-ea"/>
+                </a:rPr>
+                <a:t>年</a:t>
+              </a:r>
+              <a:r>
+                <a:rPr kumimoji="1" lang="en-US" altLang="ja-JP" sz="1200" dirty="0">
+                  <a:solidFill>
+                    <a:sysClr val="windowText" lastClr="000000"/>
+                  </a:solidFill>
+                  <a:latin typeface="+mn-ea"/>
+                </a:rPr>
+                <a:t>4</a:t>
+              </a:r>
+              <a:r>
+                <a:rPr kumimoji="1" lang="ja-JP" altLang="en-US" sz="1200" dirty="0">
+                  <a:solidFill>
+                    <a:sysClr val="windowText" lastClr="000000"/>
+                  </a:solidFill>
+                  <a:latin typeface="+mn-ea"/>
+                </a:rPr>
+                <a:t>月にロンドンにて世界初初演し、同年より</a:t>
+              </a:r>
+              <a:r>
+                <a:rPr kumimoji="1" lang="en-US" altLang="ja-JP" sz="1200" dirty="0">
+                  <a:solidFill>
+                    <a:sysClr val="windowText" lastClr="000000"/>
+                  </a:solidFill>
+                  <a:latin typeface="+mn-ea"/>
+                </a:rPr>
+                <a:t>2010</a:t>
+              </a:r>
+              <a:r>
+                <a:rPr kumimoji="1" lang="ja-JP" altLang="en-US" sz="1200" dirty="0">
+                  <a:solidFill>
+                    <a:sysClr val="windowText" lastClr="000000"/>
+                  </a:solidFill>
+                  <a:latin typeface="+mn-ea"/>
+                </a:rPr>
+                <a:t>年にかけて北米、欧州ツアーを行い、</a:t>
+              </a:r>
+              <a:r>
+                <a:rPr kumimoji="1" lang="en-US" altLang="ja-JP" sz="1200" dirty="0">
+                  <a:solidFill>
+                    <a:sysClr val="windowText" lastClr="000000"/>
+                  </a:solidFill>
+                  <a:latin typeface="+mn-ea"/>
+                </a:rPr>
+                <a:t>175</a:t>
+              </a:r>
+              <a:r>
+                <a:rPr kumimoji="1" lang="ja-JP" altLang="en-US" sz="1200" dirty="0">
+                  <a:solidFill>
+                    <a:sysClr val="windowText" lastClr="000000"/>
+                  </a:solidFill>
+                  <a:latin typeface="+mn-ea"/>
+                </a:rPr>
+                <a:t>万人以上を動員した</a:t>
+              </a:r>
+              <a:r>
+                <a:rPr kumimoji="1" lang="en-US" altLang="ja-JP" sz="1200" dirty="0">
+                  <a:solidFill>
+                    <a:sysClr val="windowText" lastClr="000000"/>
+                  </a:solidFill>
+                  <a:latin typeface="+mn-ea"/>
+                </a:rPr>
+                <a:t>『</a:t>
+              </a:r>
+              <a:r>
+                <a:rPr kumimoji="1" lang="ja-JP" altLang="en-US" sz="1200" dirty="0">
+                  <a:solidFill>
+                    <a:sysClr val="windowText" lastClr="000000"/>
+                  </a:solidFill>
+                  <a:latin typeface="+mn-ea"/>
+                </a:rPr>
+                <a:t>スター・ウォーズ</a:t>
+              </a:r>
+              <a:r>
+                <a:rPr kumimoji="1" lang="en-US" altLang="ja-JP" sz="1200" dirty="0">
+                  <a:solidFill>
+                    <a:sysClr val="windowText" lastClr="000000"/>
+                  </a:solidFill>
+                  <a:latin typeface="+mn-ea"/>
+                </a:rPr>
+                <a:t>in</a:t>
+              </a:r>
+              <a:r>
+                <a:rPr kumimoji="1" lang="ja-JP" altLang="en-US" sz="1200" dirty="0">
+                  <a:solidFill>
+                    <a:sysClr val="windowText" lastClr="000000"/>
+                  </a:solidFill>
+                  <a:latin typeface="+mn-ea"/>
+                </a:rPr>
+                <a:t>コンサート</a:t>
+              </a:r>
+              <a:r>
+                <a:rPr kumimoji="1" lang="en-US" altLang="ja-JP" sz="1200" dirty="0">
+                  <a:solidFill>
+                    <a:sysClr val="windowText" lastClr="000000"/>
+                  </a:solidFill>
+                  <a:latin typeface="+mn-ea"/>
+                </a:rPr>
+                <a:t>』</a:t>
+              </a:r>
+              <a:r>
+                <a:rPr kumimoji="1" lang="ja-JP" altLang="en-US" sz="1200" dirty="0">
+                  <a:solidFill>
+                    <a:sysClr val="windowText" lastClr="000000"/>
+                  </a:solidFill>
+                  <a:latin typeface="+mn-ea"/>
+                </a:rPr>
+                <a:t>の、日本公演が遂にアジア初として決定した。</a:t>
+              </a:r>
+            </a:p>
+            <a:p>
+              <a:r>
+                <a:rPr kumimoji="1" lang="ja-JP" altLang="en-US" sz="1200" dirty="0">
+                  <a:solidFill>
+                    <a:sysClr val="windowText" lastClr="000000"/>
+                  </a:solidFill>
+                  <a:latin typeface="+mn-ea"/>
+                </a:rPr>
+                <a:t>通常は、</a:t>
+              </a:r>
+              <a:r>
+                <a:rPr kumimoji="1" lang="en-US" altLang="ja-JP" sz="1200" dirty="0">
+                  <a:solidFill>
+                    <a:sysClr val="windowText" lastClr="000000"/>
+                  </a:solidFill>
+                  <a:latin typeface="+mn-ea"/>
+                </a:rPr>
+                <a:t>1</a:t>
+              </a:r>
+              <a:r>
+                <a:rPr kumimoji="1" lang="ja-JP" altLang="en-US" sz="1200" dirty="0">
+                  <a:solidFill>
+                    <a:sysClr val="windowText" lastClr="000000"/>
+                  </a:solidFill>
+                  <a:latin typeface="+mn-ea"/>
+                </a:rPr>
+                <a:t>万</a:t>
+              </a:r>
+              <a:r>
+                <a:rPr kumimoji="1" lang="en-US" altLang="ja-JP" sz="1200" dirty="0">
+                  <a:solidFill>
+                    <a:sysClr val="windowText" lastClr="000000"/>
+                  </a:solidFill>
+                  <a:latin typeface="+mn-ea"/>
+                </a:rPr>
+                <a:t>5</a:t>
+              </a:r>
+              <a:r>
+                <a:rPr kumimoji="1" lang="ja-JP" altLang="en-US" sz="1200" dirty="0">
+                  <a:solidFill>
+                    <a:sysClr val="windowText" lastClr="000000"/>
+                  </a:solidFill>
+                  <a:latin typeface="+mn-ea"/>
+                </a:rPr>
+                <a:t>千人規模のアリーナ級の会場で行われていたが、今回は演出と音響の質を最大限に引き出すため、約</a:t>
+              </a:r>
+              <a:r>
+                <a:rPr kumimoji="1" lang="en-US" altLang="ja-JP" sz="1200" dirty="0">
+                  <a:solidFill>
+                    <a:sysClr val="windowText" lastClr="000000"/>
+                  </a:solidFill>
+                  <a:latin typeface="+mn-ea"/>
+                </a:rPr>
+                <a:t>4500</a:t>
+              </a:r>
+              <a:r>
+                <a:rPr kumimoji="1" lang="ja-JP" altLang="en-US" sz="1200" dirty="0">
+                  <a:solidFill>
+                    <a:sysClr val="windowText" lastClr="000000"/>
+                  </a:solidFill>
+                  <a:latin typeface="+mn-ea"/>
+                </a:rPr>
+                <a:t>人規模のホール級会場での公演が実現。更なる臨場感と興奮が味わえるショーとなり、目と耳の肥えた日本のファンに向けたプレミアムなコンサートとなる。</a:t>
+              </a:r>
+            </a:p>
+            <a:p>
+              <a:r>
+                <a:rPr kumimoji="1" lang="en-US" altLang="ja-JP" sz="1200" dirty="0">
+                  <a:solidFill>
+                    <a:sysClr val="windowText" lastClr="000000"/>
+                  </a:solidFill>
+                  <a:latin typeface="+mn-ea"/>
+                </a:rPr>
+                <a:t>『</a:t>
+              </a:r>
+              <a:r>
+                <a:rPr kumimoji="1" lang="ja-JP" altLang="en-US" sz="1200" dirty="0">
+                  <a:solidFill>
+                    <a:sysClr val="windowText" lastClr="000000"/>
+                  </a:solidFill>
+                  <a:latin typeface="+mn-ea"/>
+                </a:rPr>
+                <a:t>スター・ウォーズ</a:t>
+              </a:r>
+              <a:r>
+                <a:rPr kumimoji="1" lang="en-US" altLang="ja-JP" sz="1200" dirty="0">
+                  <a:solidFill>
+                    <a:sysClr val="windowText" lastClr="000000"/>
+                  </a:solidFill>
+                  <a:latin typeface="+mn-ea"/>
+                </a:rPr>
+                <a:t>in</a:t>
+              </a:r>
+              <a:r>
+                <a:rPr kumimoji="1" lang="ja-JP" altLang="en-US" sz="1200" dirty="0">
+                  <a:solidFill>
+                    <a:sysClr val="windowText" lastClr="000000"/>
+                  </a:solidFill>
+                  <a:latin typeface="+mn-ea"/>
+                </a:rPr>
+                <a:t>コンサート</a:t>
+              </a:r>
+              <a:r>
+                <a:rPr kumimoji="1" lang="en-US" altLang="ja-JP" sz="1200" dirty="0">
+                  <a:solidFill>
+                    <a:sysClr val="windowText" lastClr="000000"/>
+                  </a:solidFill>
+                  <a:latin typeface="+mn-ea"/>
+                </a:rPr>
+                <a:t>』</a:t>
+              </a:r>
+              <a:r>
+                <a:rPr kumimoji="1" lang="ja-JP" altLang="en-US" sz="1200" dirty="0">
+                  <a:solidFill>
+                    <a:sysClr val="windowText" lastClr="000000"/>
+                  </a:solidFill>
+                  <a:latin typeface="+mn-ea"/>
+                </a:rPr>
+                <a:t>は特別に編集された映画の名場面を、巨大</a:t>
+              </a:r>
+              <a:r>
+                <a:rPr kumimoji="1" lang="en-US" altLang="ja-JP" sz="1200" dirty="0">
+                  <a:solidFill>
+                    <a:sysClr val="windowText" lastClr="000000"/>
+                  </a:solidFill>
+                  <a:latin typeface="+mn-ea"/>
+                </a:rPr>
+                <a:t>LED</a:t>
+              </a:r>
+              <a:r>
+                <a:rPr kumimoji="1" lang="ja-JP" altLang="en-US" sz="1200" dirty="0">
+                  <a:solidFill>
+                    <a:sysClr val="windowText" lastClr="000000"/>
+                  </a:solidFill>
+                  <a:latin typeface="+mn-ea"/>
+                </a:rPr>
+                <a:t>スクリーンに映し、ジョン・ウィリアムズのスリリングな楽曲の演奏にライブでシンクロする。また、全</a:t>
+              </a:r>
+              <a:r>
+                <a:rPr kumimoji="1" lang="en-US" altLang="ja-JP" sz="1200" dirty="0">
+                  <a:solidFill>
+                    <a:sysClr val="windowText" lastClr="000000"/>
+                  </a:solidFill>
+                  <a:latin typeface="+mn-ea"/>
+                </a:rPr>
+                <a:t>6</a:t>
+              </a:r>
+              <a:r>
+                <a:rPr kumimoji="1" lang="ja-JP" altLang="en-US" sz="1200" dirty="0">
+                  <a:solidFill>
+                    <a:sysClr val="windowText" lastClr="000000"/>
+                  </a:solidFill>
+                  <a:latin typeface="+mn-ea"/>
+                </a:rPr>
+                <a:t>作で</a:t>
+              </a:r>
+              <a:r>
+                <a:rPr kumimoji="1" lang="en-US" altLang="ja-JP" sz="1200" dirty="0">
+                  <a:solidFill>
+                    <a:sysClr val="windowText" lastClr="000000"/>
+                  </a:solidFill>
+                  <a:latin typeface="+mn-ea"/>
+                </a:rPr>
+                <a:t>C-3PO</a:t>
+              </a:r>
+              <a:r>
+                <a:rPr kumimoji="1" lang="ja-JP" altLang="en-US" sz="1200" dirty="0">
+                  <a:solidFill>
+                    <a:sysClr val="windowText" lastClr="000000"/>
+                  </a:solidFill>
+                  <a:latin typeface="+mn-ea"/>
+                </a:rPr>
+                <a:t>役を演じたアンソニー・ダニエルズが、名場面のナレーションを行うことにより、スター・ウォーズに新しい生命を吹き込み、観客を興奮の世界と誘う。</a:t>
+              </a:r>
+            </a:p>
+            <a:p>
+              <a:r>
+                <a:rPr kumimoji="1" lang="ja-JP" altLang="en-US" sz="1200" dirty="0">
+                  <a:solidFill>
+                    <a:sysClr val="windowText" lastClr="000000"/>
+                  </a:solidFill>
+                  <a:latin typeface="+mn-ea"/>
+                </a:rPr>
+                <a:t>東京公演は、</a:t>
+              </a:r>
+              <a:r>
+                <a:rPr kumimoji="1" lang="en-US" altLang="ja-JP" sz="1200" dirty="0">
+                  <a:solidFill>
+                    <a:sysClr val="windowText" lastClr="000000"/>
+                  </a:solidFill>
+                  <a:latin typeface="+mn-ea"/>
+                </a:rPr>
+                <a:t>8</a:t>
+              </a:r>
+              <a:r>
+                <a:rPr kumimoji="1" lang="ja-JP" altLang="en-US" sz="1200" dirty="0">
+                  <a:solidFill>
+                    <a:sysClr val="windowText" lastClr="000000"/>
+                  </a:solidFill>
+                  <a:latin typeface="+mn-ea"/>
+                </a:rPr>
+                <a:t>月</a:t>
+              </a:r>
+              <a:r>
+                <a:rPr kumimoji="1" lang="en-US" altLang="ja-JP" sz="1200" dirty="0">
+                  <a:solidFill>
+                    <a:sysClr val="windowText" lastClr="000000"/>
+                  </a:solidFill>
+                  <a:latin typeface="+mn-ea"/>
+                </a:rPr>
+                <a:t>9</a:t>
+              </a:r>
+              <a:r>
+                <a:rPr kumimoji="1" lang="ja-JP" altLang="en-US" sz="1200" dirty="0">
+                  <a:solidFill>
+                    <a:sysClr val="windowText" lastClr="000000"/>
+                  </a:solidFill>
+                  <a:latin typeface="+mn-ea"/>
+                </a:rPr>
+                <a:t>日から</a:t>
+              </a:r>
+              <a:r>
+                <a:rPr kumimoji="1" lang="en-US" altLang="ja-JP" sz="1200" dirty="0">
+                  <a:solidFill>
+                    <a:sysClr val="windowText" lastClr="000000"/>
+                  </a:solidFill>
+                  <a:latin typeface="+mn-ea"/>
+                </a:rPr>
+                <a:t>8</a:t>
+              </a:r>
+              <a:r>
+                <a:rPr kumimoji="1" lang="ja-JP" altLang="en-US" sz="1200" dirty="0">
+                  <a:solidFill>
+                    <a:sysClr val="windowText" lastClr="000000"/>
+                  </a:solidFill>
+                  <a:latin typeface="+mn-ea"/>
+                </a:rPr>
+                <a:t>月</a:t>
+              </a:r>
+              <a:r>
+                <a:rPr kumimoji="1" lang="en-US" altLang="ja-JP" sz="1200" dirty="0">
+                  <a:solidFill>
+                    <a:sysClr val="windowText" lastClr="000000"/>
+                  </a:solidFill>
+                  <a:latin typeface="+mn-ea"/>
+                </a:rPr>
+                <a:t>12</a:t>
+              </a:r>
+              <a:r>
+                <a:rPr kumimoji="1" lang="ja-JP" altLang="en-US" sz="1200" dirty="0">
+                  <a:solidFill>
+                    <a:sysClr val="windowText" lastClr="000000"/>
+                  </a:solidFill>
+                  <a:latin typeface="+mn-ea"/>
+                </a:rPr>
+                <a:t>日に東京国際フォーラム ホール</a:t>
+              </a:r>
+              <a:r>
+                <a:rPr kumimoji="1" lang="en-US" altLang="ja-JP" sz="1200" dirty="0">
+                  <a:solidFill>
+                    <a:sysClr val="windowText" lastClr="000000"/>
+                  </a:solidFill>
+                  <a:latin typeface="+mn-ea"/>
+                </a:rPr>
+                <a:t>A</a:t>
+              </a:r>
+              <a:r>
+                <a:rPr kumimoji="1" lang="ja-JP" altLang="en-US" sz="1200" dirty="0">
+                  <a:solidFill>
+                    <a:sysClr val="windowText" lastClr="000000"/>
+                  </a:solidFill>
+                  <a:latin typeface="+mn-ea"/>
+                </a:rPr>
+                <a:t>で、大阪公演は、</a:t>
+              </a:r>
+              <a:r>
+                <a:rPr kumimoji="1" lang="en-US" altLang="ja-JP" sz="1200" dirty="0">
+                  <a:solidFill>
+                    <a:sysClr val="windowText" lastClr="000000"/>
+                  </a:solidFill>
+                  <a:latin typeface="+mn-ea"/>
+                </a:rPr>
+                <a:t>8</a:t>
+              </a:r>
+              <a:r>
+                <a:rPr kumimoji="1" lang="ja-JP" altLang="en-US" sz="1200" dirty="0">
+                  <a:solidFill>
+                    <a:sysClr val="windowText" lastClr="000000"/>
+                  </a:solidFill>
+                  <a:latin typeface="+mn-ea"/>
+                </a:rPr>
+                <a:t>月</a:t>
+              </a:r>
+              <a:r>
+                <a:rPr kumimoji="1" lang="en-US" altLang="ja-JP" sz="1200" dirty="0">
+                  <a:solidFill>
+                    <a:sysClr val="windowText" lastClr="000000"/>
+                  </a:solidFill>
+                  <a:latin typeface="+mn-ea"/>
+                </a:rPr>
+                <a:t>15</a:t>
+              </a:r>
+              <a:r>
+                <a:rPr kumimoji="1" lang="ja-JP" altLang="en-US" sz="1200" dirty="0">
+                  <a:solidFill>
+                    <a:sysClr val="windowText" lastClr="000000"/>
+                  </a:solidFill>
+                  <a:latin typeface="+mn-ea"/>
+                </a:rPr>
+                <a:t>日にグランキューブ大阪で行われる。詳細は、公式サイトで確認できる。</a:t>
+              </a:r>
+            </a:p>
+            <a:p>
+              <a:r>
+                <a:rPr kumimoji="1" lang="ja-JP" altLang="en-US" sz="1200" dirty="0">
+                  <a:solidFill>
+                    <a:sysClr val="windowText" lastClr="000000"/>
+                  </a:solidFill>
+                  <a:latin typeface="+mn-ea"/>
+                </a:rPr>
+                <a:t>ジョージ・ルーカスが全精力を傾注し、最新テクノロジーを駆使した</a:t>
+              </a:r>
+              <a:r>
+                <a:rPr kumimoji="1" lang="en-US" altLang="ja-JP" sz="1200" dirty="0">
+                  <a:solidFill>
+                    <a:sysClr val="windowText" lastClr="000000"/>
+                  </a:solidFill>
+                  <a:latin typeface="+mn-ea"/>
+                </a:rPr>
+                <a:t>3D</a:t>
+              </a:r>
+              <a:r>
+                <a:rPr kumimoji="1" lang="ja-JP" altLang="en-US" sz="1200" dirty="0">
+                  <a:solidFill>
+                    <a:sysClr val="windowText" lastClr="000000"/>
+                  </a:solidFill>
+                  <a:latin typeface="+mn-ea"/>
+                </a:rPr>
+                <a:t>映画として、再び大スクリーンに帰ってくることで注目される</a:t>
+              </a:r>
+              <a:r>
+                <a:rPr kumimoji="1" lang="en-US" altLang="ja-JP" sz="1200" dirty="0">
+                  <a:solidFill>
+                    <a:sysClr val="windowText" lastClr="000000"/>
+                  </a:solidFill>
+                  <a:latin typeface="+mn-ea"/>
+                </a:rPr>
+                <a:t>『STAR WARS </a:t>
+              </a:r>
+              <a:r>
+                <a:rPr kumimoji="1" lang="ja-JP" altLang="en-US" sz="1200" dirty="0">
+                  <a:solidFill>
+                    <a:sysClr val="windowText" lastClr="000000"/>
+                  </a:solidFill>
+                  <a:latin typeface="+mn-ea"/>
+                </a:rPr>
+                <a:t>エピソード</a:t>
+              </a:r>
+              <a:r>
+                <a:rPr kumimoji="1" lang="en-US" altLang="ja-JP" sz="1200" dirty="0">
+                  <a:solidFill>
+                    <a:sysClr val="windowText" lastClr="000000"/>
+                  </a:solidFill>
+                  <a:latin typeface="+mn-ea"/>
+                </a:rPr>
+                <a:t>1/</a:t>
+              </a:r>
+              <a:r>
+                <a:rPr kumimoji="1" lang="ja-JP" altLang="en-US" sz="1200" dirty="0">
+                  <a:solidFill>
+                    <a:sysClr val="windowText" lastClr="000000"/>
+                  </a:solidFill>
+                  <a:latin typeface="+mn-ea"/>
+                </a:rPr>
+                <a:t>ファントム・メナス </a:t>
+              </a:r>
+              <a:r>
+                <a:rPr kumimoji="1" lang="en-US" altLang="ja-JP" sz="1200" dirty="0">
+                  <a:solidFill>
+                    <a:sysClr val="windowText" lastClr="000000"/>
+                  </a:solidFill>
+                  <a:latin typeface="+mn-ea"/>
+                </a:rPr>
+                <a:t>3D』</a:t>
+              </a:r>
+              <a:r>
+                <a:rPr kumimoji="1" lang="ja-JP" altLang="en-US" sz="1200" dirty="0">
+                  <a:solidFill>
+                    <a:sysClr val="windowText" lastClr="000000"/>
+                  </a:solidFill>
+                  <a:latin typeface="+mn-ea"/>
+                </a:rPr>
+                <a:t>の公開も</a:t>
+              </a:r>
+              <a:r>
+                <a:rPr kumimoji="1" lang="en-US" altLang="ja-JP" sz="1200" dirty="0">
+                  <a:solidFill>
+                    <a:sysClr val="windowText" lastClr="000000"/>
+                  </a:solidFill>
+                  <a:latin typeface="+mn-ea"/>
+                </a:rPr>
+                <a:t>3</a:t>
+              </a:r>
+              <a:r>
+                <a:rPr kumimoji="1" lang="ja-JP" altLang="en-US" sz="1200" dirty="0">
+                  <a:solidFill>
+                    <a:sysClr val="windowText" lastClr="000000"/>
+                  </a:solidFill>
+                  <a:latin typeface="+mn-ea"/>
+                </a:rPr>
+                <a:t>月</a:t>
+              </a:r>
+              <a:r>
+                <a:rPr kumimoji="1" lang="en-US" altLang="ja-JP" sz="1200" dirty="0">
+                  <a:solidFill>
+                    <a:sysClr val="windowText" lastClr="000000"/>
+                  </a:solidFill>
+                  <a:latin typeface="+mn-ea"/>
+                </a:rPr>
+                <a:t>16</a:t>
+              </a:r>
+              <a:r>
+                <a:rPr kumimoji="1" lang="ja-JP" altLang="en-US" sz="1200" dirty="0">
+                  <a:solidFill>
+                    <a:sysClr val="windowText" lastClr="000000"/>
+                  </a:solidFill>
+                  <a:latin typeface="+mn-ea"/>
+                </a:rPr>
+                <a:t>日と迫っている。今年は「スターウォーズ」の熱が全世界を包むことだろう。</a:t>
+              </a:r>
+            </a:p>
+          </p:txBody>
+        </p:sp>
+        <p:sp>
+          <p:nvSpPr>
+            <p:cNvPr id="3" name="テキスト ボックス 2">
+              <a:extLst>
+                <a:ext uri="{FF2B5EF4-FFF2-40B4-BE49-F238E27FC236}">
+                  <a16:creationId xmlns:a16="http://schemas.microsoft.com/office/drawing/2014/main" id="{378EAF4E-3393-0EE6-3D22-D85665ED91CB}"/>
+                </a:ext>
+              </a:extLst>
+            </p:cNvPr>
+            <p:cNvSpPr txBox="1"/>
+            <p:nvPr/>
+          </p:nvSpPr>
+          <p:spPr>
+            <a:xfrm>
+              <a:off x="5289818" y="1561169"/>
+              <a:ext cx="3608855" cy="2492990"/>
+            </a:xfrm>
+            <a:prstGeom prst="rect">
+              <a:avLst/>
+            </a:prstGeom>
+          </p:spPr>
+          <p:style>
+            <a:lnRef idx="2">
+              <a:schemeClr val="dk1"/>
+            </a:lnRef>
+            <a:fillRef idx="1">
+              <a:schemeClr val="lt1"/>
+            </a:fillRef>
+            <a:effectRef idx="0">
+              <a:schemeClr val="dk1"/>
+            </a:effectRef>
+            <a:fontRef idx="minor">
+              <a:schemeClr val="dk1"/>
+            </a:fontRef>
+          </p:style>
+          <p:txBody>
+            <a:bodyPr wrap="square" rtlCol="0">
+              <a:spAutoFit/>
+            </a:bodyPr>
+            <a:lstStyle/>
+            <a:p>
+              <a:r>
+                <a:rPr lang="en-US" altLang="ja-JP" sz="1200" b="0" i="0" dirty="0">
+                  <a:solidFill>
+                    <a:schemeClr val="bg1"/>
+                  </a:solidFill>
+                  <a:effectLst/>
+                  <a:latin typeface="+mn-ea"/>
+                </a:rPr>
+                <a:t>『</a:t>
+              </a:r>
+              <a:r>
+                <a:rPr lang="ja-JP" altLang="en-US" sz="1200" b="0" i="0" dirty="0">
+                  <a:solidFill>
+                    <a:schemeClr val="bg1"/>
+                  </a:solidFill>
+                  <a:effectLst/>
+                  <a:latin typeface="+mn-ea"/>
+                </a:rPr>
+                <a:t>スター・ウォーズ</a:t>
+              </a:r>
+              <a:r>
+                <a:rPr lang="en-US" altLang="ja-JP" sz="1200" b="0" i="0" dirty="0">
+                  <a:solidFill>
+                    <a:schemeClr val="bg1"/>
+                  </a:solidFill>
+                  <a:effectLst/>
+                  <a:latin typeface="+mn-ea"/>
+                </a:rPr>
+                <a:t>in</a:t>
+              </a:r>
+              <a:r>
+                <a:rPr lang="ja-JP" altLang="en-US" sz="1200" b="0" i="0" dirty="0">
+                  <a:solidFill>
+                    <a:schemeClr val="bg1"/>
+                  </a:solidFill>
+                  <a:effectLst/>
+                  <a:latin typeface="+mn-ea"/>
+                </a:rPr>
+                <a:t>コンサート</a:t>
+              </a:r>
+              <a:r>
+                <a:rPr lang="en-US" altLang="ja-JP" sz="1200" b="0" i="0" dirty="0">
+                  <a:solidFill>
+                    <a:schemeClr val="bg1"/>
+                  </a:solidFill>
+                  <a:effectLst/>
+                  <a:latin typeface="+mn-ea"/>
+                </a:rPr>
+                <a:t>』</a:t>
+              </a:r>
+              <a:r>
+                <a:rPr lang="ja-JP" altLang="en-US" sz="1200" b="0" i="0" dirty="0">
+                  <a:solidFill>
+                    <a:schemeClr val="bg1"/>
+                  </a:solidFill>
+                  <a:effectLst/>
+                  <a:latin typeface="+mn-ea"/>
+                </a:rPr>
+                <a:t>アジア初の日本公演が東京と大阪で開催されます。このコンサートは、映画の名場面を巨大</a:t>
+              </a:r>
+              <a:r>
+                <a:rPr lang="en-US" altLang="ja-JP" sz="1200" b="0" i="0" dirty="0">
+                  <a:solidFill>
+                    <a:schemeClr val="bg1"/>
+                  </a:solidFill>
+                  <a:effectLst/>
+                  <a:latin typeface="+mn-ea"/>
+                </a:rPr>
+                <a:t>LED</a:t>
+              </a:r>
+              <a:r>
+                <a:rPr lang="ja-JP" altLang="en-US" sz="1200" b="0" i="0" dirty="0">
+                  <a:solidFill>
+                    <a:schemeClr val="bg1"/>
+                  </a:solidFill>
+                  <a:effectLst/>
+                  <a:latin typeface="+mn-ea"/>
+                </a:rPr>
+                <a:t>スクリーンで映し、ジョン・ウィリアムズの楽曲の演奏に合わせて楽しむものです。特別ゲストとして、全</a:t>
+              </a:r>
+              <a:r>
+                <a:rPr lang="en-US" altLang="ja-JP" sz="1200" b="0" i="0" dirty="0">
+                  <a:solidFill>
+                    <a:schemeClr val="bg1"/>
+                  </a:solidFill>
+                  <a:effectLst/>
+                  <a:latin typeface="+mn-ea"/>
+                </a:rPr>
+                <a:t>6</a:t>
+              </a:r>
+              <a:r>
+                <a:rPr lang="ja-JP" altLang="en-US" sz="1200" b="0" i="0" dirty="0">
+                  <a:solidFill>
+                    <a:schemeClr val="bg1"/>
+                  </a:solidFill>
+                  <a:effectLst/>
+                  <a:latin typeface="+mn-ea"/>
+                </a:rPr>
+                <a:t>部作で</a:t>
+              </a:r>
+              <a:r>
+                <a:rPr lang="en-US" altLang="ja-JP" sz="1200" b="0" i="0" dirty="0">
+                  <a:solidFill>
+                    <a:schemeClr val="bg1"/>
+                  </a:solidFill>
+                  <a:effectLst/>
+                  <a:latin typeface="+mn-ea"/>
+                </a:rPr>
+                <a:t>C-3PO</a:t>
+              </a:r>
+              <a:r>
+                <a:rPr lang="ja-JP" altLang="en-US" sz="1200" b="0" i="0" dirty="0">
+                  <a:solidFill>
+                    <a:schemeClr val="bg1"/>
+                  </a:solidFill>
+                  <a:effectLst/>
+                  <a:latin typeface="+mn-ea"/>
+                </a:rPr>
+                <a:t>を演じたアンソニー・ダニエルズが名場面のナレーションを行います。東京公演は</a:t>
+              </a:r>
+              <a:r>
+                <a:rPr lang="en-US" altLang="ja-JP" sz="1200" b="0" i="0" dirty="0">
+                  <a:solidFill>
+                    <a:schemeClr val="bg1"/>
+                  </a:solidFill>
+                  <a:effectLst/>
+                  <a:latin typeface="+mn-ea"/>
+                </a:rPr>
+                <a:t>8</a:t>
+              </a:r>
+              <a:r>
+                <a:rPr lang="ja-JP" altLang="en-US" sz="1200" b="0" i="0" dirty="0">
+                  <a:solidFill>
+                    <a:schemeClr val="bg1"/>
+                  </a:solidFill>
+                  <a:effectLst/>
+                  <a:latin typeface="+mn-ea"/>
+                </a:rPr>
+                <a:t>月</a:t>
+              </a:r>
+              <a:r>
+                <a:rPr lang="en-US" altLang="ja-JP" sz="1200" b="0" i="0" dirty="0">
+                  <a:solidFill>
+                    <a:schemeClr val="bg1"/>
+                  </a:solidFill>
+                  <a:effectLst/>
+                  <a:latin typeface="+mn-ea"/>
+                </a:rPr>
+                <a:t>9</a:t>
+              </a:r>
+              <a:r>
+                <a:rPr lang="ja-JP" altLang="en-US" sz="1200" b="0" i="0" dirty="0">
+                  <a:solidFill>
+                    <a:schemeClr val="bg1"/>
+                  </a:solidFill>
+                  <a:effectLst/>
+                  <a:latin typeface="+mn-ea"/>
+                </a:rPr>
+                <a:t>日から</a:t>
+              </a:r>
+              <a:r>
+                <a:rPr lang="en-US" altLang="ja-JP" sz="1200" b="0" i="0" dirty="0">
+                  <a:solidFill>
+                    <a:schemeClr val="bg1"/>
+                  </a:solidFill>
+                  <a:effectLst/>
+                  <a:latin typeface="+mn-ea"/>
+                </a:rPr>
+                <a:t>12</a:t>
+              </a:r>
+              <a:r>
+                <a:rPr lang="ja-JP" altLang="en-US" sz="1200" b="0" i="0" dirty="0">
+                  <a:solidFill>
+                    <a:schemeClr val="bg1"/>
+                  </a:solidFill>
+                  <a:effectLst/>
+                  <a:latin typeface="+mn-ea"/>
+                </a:rPr>
+                <a:t>日まで東京国際フォーラム ホール</a:t>
+              </a:r>
+              <a:r>
+                <a:rPr lang="en-US" altLang="ja-JP" sz="1200" b="0" i="0" dirty="0">
+                  <a:solidFill>
+                    <a:schemeClr val="bg1"/>
+                  </a:solidFill>
+                  <a:effectLst/>
+                  <a:latin typeface="+mn-ea"/>
+                </a:rPr>
+                <a:t>A</a:t>
+              </a:r>
+              <a:r>
+                <a:rPr lang="ja-JP" altLang="en-US" sz="1200" b="0" i="0" dirty="0">
+                  <a:solidFill>
+                    <a:schemeClr val="bg1"/>
+                  </a:solidFill>
+                  <a:effectLst/>
+                  <a:latin typeface="+mn-ea"/>
+                </a:rPr>
+                <a:t>、大阪公演は</a:t>
+              </a:r>
+              <a:r>
+                <a:rPr lang="en-US" altLang="ja-JP" sz="1200" b="0" i="0" dirty="0">
+                  <a:solidFill>
+                    <a:schemeClr val="bg1"/>
+                  </a:solidFill>
+                  <a:effectLst/>
+                  <a:latin typeface="+mn-ea"/>
+                </a:rPr>
+                <a:t>8</a:t>
+              </a:r>
+              <a:r>
+                <a:rPr lang="ja-JP" altLang="en-US" sz="1200" b="0" i="0" dirty="0">
+                  <a:solidFill>
+                    <a:schemeClr val="bg1"/>
+                  </a:solidFill>
+                  <a:effectLst/>
+                  <a:latin typeface="+mn-ea"/>
+                </a:rPr>
+                <a:t>月</a:t>
+              </a:r>
+              <a:r>
+                <a:rPr lang="en-US" altLang="ja-JP" sz="1200" b="0" i="0" dirty="0">
+                  <a:solidFill>
+                    <a:schemeClr val="bg1"/>
+                  </a:solidFill>
+                  <a:effectLst/>
+                  <a:latin typeface="+mn-ea"/>
+                </a:rPr>
+                <a:t>15</a:t>
+              </a:r>
+              <a:r>
+                <a:rPr lang="ja-JP" altLang="en-US" sz="1200" b="0" i="0" dirty="0">
+                  <a:solidFill>
+                    <a:schemeClr val="bg1"/>
+                  </a:solidFill>
+                  <a:effectLst/>
+                  <a:latin typeface="+mn-ea"/>
+                </a:rPr>
+                <a:t>日にグランキューブ大阪で行われます。ジョージ・ルーカスが監督した</a:t>
+              </a:r>
+              <a:r>
+                <a:rPr lang="en-US" altLang="ja-JP" sz="1200" b="0" i="0" dirty="0">
+                  <a:solidFill>
+                    <a:schemeClr val="bg1"/>
+                  </a:solidFill>
+                  <a:effectLst/>
+                  <a:latin typeface="+mn-ea"/>
+                </a:rPr>
+                <a:t>『</a:t>
+              </a:r>
+              <a:r>
+                <a:rPr lang="ja-JP" altLang="en-US" sz="1200" b="0" i="0" dirty="0">
+                  <a:solidFill>
+                    <a:schemeClr val="bg1"/>
+                  </a:solidFill>
+                  <a:effectLst/>
+                  <a:latin typeface="+mn-ea"/>
+                </a:rPr>
+                <a:t>スター・ウォーズ エピソード</a:t>
+              </a:r>
+              <a:r>
+                <a:rPr lang="en-US" altLang="ja-JP" sz="1200" b="0" i="0" dirty="0">
+                  <a:solidFill>
+                    <a:schemeClr val="bg1"/>
+                  </a:solidFill>
+                  <a:effectLst/>
+                  <a:latin typeface="+mn-ea"/>
+                </a:rPr>
+                <a:t>1/</a:t>
+              </a:r>
+              <a:r>
+                <a:rPr lang="ja-JP" altLang="en-US" sz="1200" b="0" i="0" dirty="0">
+                  <a:solidFill>
+                    <a:schemeClr val="bg1"/>
+                  </a:solidFill>
+                  <a:effectLst/>
+                  <a:latin typeface="+mn-ea"/>
+                </a:rPr>
+                <a:t>ファントム・メナス </a:t>
+              </a:r>
+              <a:r>
+                <a:rPr lang="en-US" altLang="ja-JP" sz="1200" b="0" i="0" dirty="0">
+                  <a:solidFill>
+                    <a:schemeClr val="bg1"/>
+                  </a:solidFill>
+                  <a:effectLst/>
+                  <a:latin typeface="+mn-ea"/>
+                </a:rPr>
+                <a:t>3D』</a:t>
+              </a:r>
+              <a:r>
+                <a:rPr lang="ja-JP" altLang="en-US" sz="1200" b="0" i="0" dirty="0">
+                  <a:solidFill>
+                    <a:schemeClr val="bg1"/>
+                  </a:solidFill>
+                  <a:effectLst/>
+                  <a:latin typeface="+mn-ea"/>
+                </a:rPr>
+                <a:t>の公開も</a:t>
+              </a:r>
+              <a:r>
+                <a:rPr lang="en-US" altLang="ja-JP" sz="1200" b="0" i="0" dirty="0">
+                  <a:solidFill>
+                    <a:schemeClr val="bg1"/>
+                  </a:solidFill>
+                  <a:effectLst/>
+                  <a:latin typeface="+mn-ea"/>
+                </a:rPr>
+                <a:t>3</a:t>
+              </a:r>
+              <a:r>
+                <a:rPr lang="ja-JP" altLang="en-US" sz="1200" b="0" i="0" dirty="0">
+                  <a:solidFill>
+                    <a:schemeClr val="bg1"/>
+                  </a:solidFill>
+                  <a:effectLst/>
+                  <a:latin typeface="+mn-ea"/>
+                </a:rPr>
+                <a:t>月</a:t>
+              </a:r>
+              <a:r>
+                <a:rPr lang="en-US" altLang="ja-JP" sz="1200" b="0" i="0" dirty="0">
+                  <a:solidFill>
+                    <a:schemeClr val="bg1"/>
+                  </a:solidFill>
+                  <a:effectLst/>
+                  <a:latin typeface="+mn-ea"/>
+                </a:rPr>
+                <a:t>16</a:t>
+              </a:r>
+              <a:r>
+                <a:rPr lang="ja-JP" altLang="en-US" sz="1200" b="0" i="0" dirty="0">
+                  <a:solidFill>
+                    <a:schemeClr val="bg1"/>
+                  </a:solidFill>
+                  <a:effectLst/>
+                  <a:latin typeface="+mn-ea"/>
+                </a:rPr>
+                <a:t>日に予定されており、今年はスター・ウォーズの熱が世界中を包み込むでしょう。</a:t>
+              </a:r>
+              <a:endParaRPr kumimoji="1" lang="ja-JP" altLang="en-US" sz="1200" dirty="0">
+                <a:solidFill>
+                  <a:schemeClr val="bg1"/>
+                </a:solidFill>
+                <a:latin typeface="+mn-ea"/>
+              </a:endParaRPr>
+            </a:p>
+          </p:txBody>
+        </p:sp>
+        <p:sp>
+          <p:nvSpPr>
+            <p:cNvPr id="4" name="テキスト ボックス 3">
+              <a:extLst>
+                <a:ext uri="{FF2B5EF4-FFF2-40B4-BE49-F238E27FC236}">
+                  <a16:creationId xmlns:a16="http://schemas.microsoft.com/office/drawing/2014/main" id="{65387C5D-D0C0-D14F-A685-AFAE6C936C02}"/>
+                </a:ext>
+              </a:extLst>
+            </p:cNvPr>
+            <p:cNvSpPr txBox="1"/>
+            <p:nvPr/>
+          </p:nvSpPr>
+          <p:spPr>
+            <a:xfrm>
+              <a:off x="5861288" y="1242142"/>
+              <a:ext cx="2465913" cy="400110"/>
+            </a:xfrm>
+            <a:prstGeom prst="rect">
+              <a:avLst/>
+            </a:prstGeom>
+            <a:noFill/>
+          </p:spPr>
+          <p:txBody>
+            <a:bodyPr wrap="square" rtlCol="0">
+              <a:spAutoFit/>
+            </a:bodyPr>
+            <a:lstStyle/>
+            <a:p>
+              <a:pPr algn="ctr"/>
+              <a:r>
+                <a:rPr kumimoji="1" lang="en-US" altLang="ja-JP" sz="2000" b="1" dirty="0">
+                  <a:solidFill>
+                    <a:schemeClr val="bg1"/>
+                  </a:solidFill>
+                </a:rPr>
+                <a:t>&lt;</a:t>
+              </a:r>
+              <a:r>
+                <a:rPr kumimoji="1" lang="ja-JP" altLang="en-US" sz="2000" b="1" dirty="0">
+                  <a:solidFill>
+                    <a:schemeClr val="bg1"/>
+                  </a:solidFill>
+                </a:rPr>
+                <a:t>要約文</a:t>
+              </a:r>
+              <a:r>
+                <a:rPr kumimoji="1" lang="en-US" altLang="ja-JP" sz="2000" b="1" dirty="0">
+                  <a:solidFill>
+                    <a:schemeClr val="bg1"/>
+                  </a:solidFill>
+                </a:rPr>
+                <a:t>&gt;</a:t>
+              </a:r>
+              <a:endParaRPr kumimoji="1" lang="ja-JP" altLang="en-US" sz="2000" b="1" dirty="0">
+                <a:solidFill>
+                  <a:schemeClr val="bg1"/>
+                </a:solidFill>
+              </a:endParaRPr>
+            </a:p>
+          </p:txBody>
+        </p:sp>
+        <p:sp>
+          <p:nvSpPr>
+            <p:cNvPr id="5" name="テキスト ボックス 4">
+              <a:extLst>
+                <a:ext uri="{FF2B5EF4-FFF2-40B4-BE49-F238E27FC236}">
+                  <a16:creationId xmlns:a16="http://schemas.microsoft.com/office/drawing/2014/main" id="{6C78C1DF-B142-BAE6-7371-42A506D32F32}"/>
+                </a:ext>
+              </a:extLst>
+            </p:cNvPr>
+            <p:cNvSpPr txBox="1"/>
+            <p:nvPr/>
+          </p:nvSpPr>
+          <p:spPr>
+            <a:xfrm>
+              <a:off x="1460062" y="1242142"/>
+              <a:ext cx="2465913" cy="400110"/>
+            </a:xfrm>
+            <a:prstGeom prst="rect">
+              <a:avLst/>
+            </a:prstGeom>
+            <a:noFill/>
+          </p:spPr>
+          <p:txBody>
+            <a:bodyPr wrap="square" rtlCol="0">
+              <a:spAutoFit/>
+            </a:bodyPr>
+            <a:lstStyle/>
+            <a:p>
+              <a:pPr algn="ctr"/>
+              <a:r>
+                <a:rPr kumimoji="1" lang="en-US" altLang="ja-JP" sz="2000" b="1" dirty="0">
+                  <a:solidFill>
+                    <a:schemeClr val="bg1"/>
+                  </a:solidFill>
+                </a:rPr>
+                <a:t>&lt;</a:t>
+              </a:r>
+              <a:r>
+                <a:rPr kumimoji="1" lang="ja-JP" altLang="en-US" sz="2000" b="1" dirty="0">
+                  <a:solidFill>
+                    <a:schemeClr val="bg1"/>
+                  </a:solidFill>
+                </a:rPr>
+                <a:t>原文</a:t>
+              </a:r>
+              <a:r>
+                <a:rPr kumimoji="1" lang="en-US" altLang="ja-JP" sz="2000" b="1" dirty="0">
+                  <a:solidFill>
+                    <a:schemeClr val="bg1"/>
+                  </a:solidFill>
+                </a:rPr>
+                <a:t>&gt;</a:t>
+              </a:r>
+              <a:endParaRPr kumimoji="1" lang="ja-JP" altLang="en-US" sz="2000" b="1" dirty="0">
+                <a:solidFill>
+                  <a:schemeClr val="bg1"/>
+                </a:solidFill>
+              </a:endParaRPr>
+            </a:p>
+          </p:txBody>
+        </p:sp>
+      </p:grpSp>
+    </p:spTree>
+    <p:extLst>
+      <p:ext uri="{BB962C8B-B14F-4D97-AF65-F5344CB8AC3E}">
+        <p14:creationId xmlns:p14="http://schemas.microsoft.com/office/powerpoint/2010/main" val="2323652995"/>
+      </p:ext>
+    </p:extLst>
+  </p:cSld>
+  <p:clrMapOvr>
+    <a:masterClrMapping/>
+  </p:clrMapOvr>
+</p:sld>
+</file>
+
+<file path=ppt/slides/slide2.xml><?xml version="1.0" encoding="utf-8"?>
 <p:sld xmlns:a="http://schemas.openxmlformats.org/drawingml/2006/main" xmlns:r="http://schemas.openxmlformats.org/officeDocument/2006/relationships" xmlns:p="http://schemas.openxmlformats.org/presentationml/2006/main">
   <p:cSld>
     <p:spTree>
@@ -23362,37 +26219,71 @@
           <a:lstStyle/>
           <a:p>
             <a:r>
-              <a:rPr lang="ja-JP" altLang="en-US" sz="2400" dirty="0"/>
+              <a:rPr lang="ja-JP" altLang="en-US" sz="2400" dirty="0">
+                <a:solidFill>
+                  <a:schemeClr val="tx1">
+                    <a:lumMod val="95000"/>
+                  </a:schemeClr>
+                </a:solidFill>
+              </a:rPr>
               <a:t>はじめに</a:t>
-            </a:r>
-            <a:endParaRPr lang="en-US" altLang="ja-JP" sz="2400" dirty="0"/>
-          </a:p>
-          <a:p>
-            <a:r>
-              <a:rPr lang="ja-JP" altLang="en-US" sz="2400" dirty="0"/>
-              <a:t>要素技術</a:t>
-            </a:r>
-            <a:endParaRPr lang="en-US" altLang="ja-JP" sz="2400" dirty="0"/>
-          </a:p>
-          <a:p>
-            <a:r>
-              <a:rPr lang="ja-JP" altLang="en-US" sz="2400" dirty="0"/>
-              <a:t>提案手法</a:t>
-            </a:r>
-            <a:endParaRPr lang="en-US" altLang="ja-JP" sz="2400" dirty="0"/>
-          </a:p>
-          <a:p>
-            <a:r>
-              <a:rPr lang="ja-JP" altLang="en-US" sz="2400" dirty="0">
-                <a:solidFill>
-                  <a:srgbClr val="F4B54B"/>
-                </a:solidFill>
-              </a:rPr>
-              <a:t>数値実験</a:t>
             </a:r>
             <a:endParaRPr lang="en-US" altLang="ja-JP" sz="2400" dirty="0">
               <a:solidFill>
-                <a:srgbClr val="F4B54B"/>
+                <a:schemeClr val="tx1">
+                  <a:lumMod val="95000"/>
+                </a:schemeClr>
+              </a:solidFill>
+            </a:endParaRPr>
+          </a:p>
+          <a:p>
+            <a:r>
+              <a:rPr lang="ja-JP" altLang="en-US" sz="2400" dirty="0">
+                <a:solidFill>
+                  <a:schemeClr val="tx1">
+                    <a:lumMod val="95000"/>
+                  </a:schemeClr>
+                </a:solidFill>
+              </a:rPr>
+              <a:t>要素技術</a:t>
+            </a:r>
+            <a:endParaRPr lang="en-US" altLang="ja-JP" sz="2400" dirty="0">
+              <a:solidFill>
+                <a:schemeClr val="tx1">
+                  <a:lumMod val="95000"/>
+                </a:schemeClr>
+              </a:solidFill>
+            </a:endParaRPr>
+          </a:p>
+          <a:p>
+            <a:r>
+              <a:rPr lang="ja-JP" altLang="en-US" sz="2400" dirty="0">
+                <a:solidFill>
+                  <a:schemeClr val="tx1">
+                    <a:lumMod val="95000"/>
+                  </a:schemeClr>
+                </a:solidFill>
+              </a:rPr>
+              <a:t>提案手法</a:t>
+            </a:r>
+            <a:endParaRPr lang="en-US" altLang="ja-JP" sz="2400" dirty="0">
+              <a:solidFill>
+                <a:schemeClr val="tx1">
+                  <a:lumMod val="95000"/>
+                </a:schemeClr>
+              </a:solidFill>
+            </a:endParaRPr>
+          </a:p>
+          <a:p>
+            <a:r>
+              <a:rPr lang="ja-JP" altLang="en-US" sz="2400" dirty="0"/>
+              <a:t>数値実験</a:t>
+            </a:r>
+            <a:endParaRPr lang="en-US" altLang="ja-JP" sz="2400" dirty="0">
+              <a:solidFill>
+                <a:schemeClr val="tx1">
+                  <a:lumMod val="95000"/>
+                </a:schemeClr>
               </a:solidFill>
             </a:endParaRPr>
           </a:p>
@@ -23440,7 +26331,194 @@
           <a:p>
             <a:fld id="{84E5AB44-6C43-4864-84E5-D75B94A07FCF}" type="slidenum">
               <a:rPr kumimoji="1" lang="ja-JP" altLang="en-US" smtClean="0"/>
-              <a:t>18</a:t>
+              <a:t>2</a:t>
+            </a:fld>
+            <a:endParaRPr kumimoji="1" lang="ja-JP" altLang="en-US" dirty="0"/>
+          </a:p>
+        </p:txBody>
+      </p:sp>
+    </p:spTree>
+    <p:extLst>
+      <p:ext uri="{BB962C8B-B14F-4D97-AF65-F5344CB8AC3E}">
+        <p14:creationId xmlns:p14="http://schemas.microsoft.com/office/powerpoint/2010/main" val="3372139398"/>
+      </p:ext>
+    </p:extLst>
+  </p:cSld>
+  <p:clrMapOvr>
+    <a:masterClrMapping/>
+  </p:clrMapOvr>
+</p:sld>
+</file>
+
+<file path=ppt/slides/slide20.xml><?xml version="1.0" encoding="utf-8"?>
+<p:sld xmlns:a="http://schemas.openxmlformats.org/drawingml/2006/main" xmlns:r="http://schemas.openxmlformats.org/officeDocument/2006/relationships" xmlns:p="http://schemas.openxmlformats.org/presentationml/2006/main">
+  <p:cSld>
+    <p:spTree>
+      <p:nvGrpSpPr>
+        <p:cNvPr id="1" name=""/>
+        <p:cNvGrpSpPr/>
+        <p:nvPr/>
+      </p:nvGrpSpPr>
+      <p:grpSpPr>
+        <a:xfrm>
+          <a:off x="0" y="0"/>
+          <a:ext cx="0" cy="0"/>
+          <a:chOff x="0" y="0"/>
+          <a:chExt cx="0" cy="0"/>
+        </a:xfrm>
+      </p:grpSpPr>
+      <p:sp>
+        <p:nvSpPr>
+          <p:cNvPr id="2" name="タイトル 1">
+            <a:extLst>
+              <a:ext uri="{FF2B5EF4-FFF2-40B4-BE49-F238E27FC236}">
+                <a16:creationId xmlns:a16="http://schemas.microsoft.com/office/drawing/2014/main" id="{26724EC4-59E0-455F-A897-89BE35095300}"/>
+              </a:ext>
+            </a:extLst>
+          </p:cNvPr>
+          <p:cNvSpPr>
+            <a:spLocks noGrp="1"/>
+          </p:cNvSpPr>
+          <p:nvPr>
+            <p:ph type="title"/>
+          </p:nvPr>
+        </p:nvSpPr>
+        <p:spPr>
+          <a:xfrm>
+            <a:off x="856061" y="857250"/>
+            <a:ext cx="7429499" cy="820024"/>
+          </a:xfrm>
+        </p:spPr>
+        <p:txBody>
+          <a:bodyPr>
+            <a:normAutofit/>
+          </a:bodyPr>
+          <a:lstStyle/>
+          <a:p>
+            <a:r>
+              <a:rPr lang="ja-JP" altLang="en-US" sz="4050">
+                <a:solidFill>
+                  <a:schemeClr val="tx1"/>
+                </a:solidFill>
+              </a:rPr>
+              <a:t>発表の流れ</a:t>
+            </a:r>
+            <a:endParaRPr lang="ja-JP" altLang="en-US" sz="4050" dirty="0">
+              <a:solidFill>
+                <a:schemeClr val="tx1"/>
+              </a:solidFill>
+            </a:endParaRPr>
+          </a:p>
+        </p:txBody>
+      </p:sp>
+      <p:sp>
+        <p:nvSpPr>
+          <p:cNvPr id="3" name="コンテンツ プレースホルダー 2">
+            <a:extLst>
+              <a:ext uri="{FF2B5EF4-FFF2-40B4-BE49-F238E27FC236}">
+                <a16:creationId xmlns:a16="http://schemas.microsoft.com/office/drawing/2014/main" id="{98CFB785-78A6-450C-B1C8-DDD36D0563D7}"/>
+              </a:ext>
+            </a:extLst>
+          </p:cNvPr>
+          <p:cNvSpPr>
+            <a:spLocks noGrp="1"/>
+          </p:cNvSpPr>
+          <p:nvPr>
+            <p:ph idx="1"/>
+          </p:nvPr>
+        </p:nvSpPr>
+        <p:spPr>
+          <a:xfrm>
+            <a:off x="856061" y="2134475"/>
+            <a:ext cx="7429499" cy="3066177"/>
+          </a:xfrm>
+        </p:spPr>
+        <p:txBody>
+          <a:bodyPr>
+            <a:normAutofit/>
+          </a:bodyPr>
+          <a:lstStyle/>
+          <a:p>
+            <a:r>
+              <a:rPr lang="ja-JP" altLang="en-US" sz="2400" dirty="0"/>
+              <a:t>はじめに</a:t>
+            </a:r>
+            <a:endParaRPr lang="en-US" altLang="ja-JP" sz="2400" dirty="0"/>
+          </a:p>
+          <a:p>
+            <a:r>
+              <a:rPr lang="ja-JP" altLang="en-US" sz="2400" dirty="0"/>
+              <a:t>要素技術</a:t>
+            </a:r>
+            <a:endParaRPr lang="en-US" altLang="ja-JP" sz="2400" dirty="0"/>
+          </a:p>
+          <a:p>
+            <a:r>
+              <a:rPr lang="ja-JP" altLang="en-US" sz="2400" dirty="0"/>
+              <a:t>提案手法</a:t>
+            </a:r>
+            <a:endParaRPr lang="en-US" altLang="ja-JP" sz="2400" dirty="0"/>
+          </a:p>
+          <a:p>
+            <a:r>
+              <a:rPr lang="ja-JP" altLang="en-US" sz="2400" dirty="0">
+                <a:solidFill>
+                  <a:srgbClr val="F4B54B"/>
+                </a:solidFill>
+              </a:rPr>
+              <a:t>数値実験</a:t>
+            </a:r>
+            <a:endParaRPr lang="en-US" altLang="ja-JP" sz="2400" dirty="0">
+              <a:solidFill>
+                <a:srgbClr val="F4B54B"/>
+              </a:solidFill>
+            </a:endParaRPr>
+          </a:p>
+          <a:p>
+            <a:r>
+              <a:rPr lang="ja-JP" altLang="en-US" sz="2400" dirty="0">
+                <a:solidFill>
+                  <a:schemeClr val="tx1">
+                    <a:lumMod val="95000"/>
+                  </a:schemeClr>
+                </a:solidFill>
+              </a:rPr>
+              <a:t>まとめと今後の課題</a:t>
+            </a:r>
+            <a:endParaRPr lang="en-US" altLang="ja-JP" sz="2400" dirty="0">
+              <a:solidFill>
+                <a:schemeClr val="tx1">
+                  <a:lumMod val="95000"/>
+                </a:schemeClr>
+              </a:solidFill>
+            </a:endParaRPr>
+          </a:p>
+        </p:txBody>
+      </p:sp>
+      <p:sp>
+        <p:nvSpPr>
+          <p:cNvPr id="5" name="スライド番号プレースホルダー 4">
+            <a:extLst>
+              <a:ext uri="{FF2B5EF4-FFF2-40B4-BE49-F238E27FC236}">
+                <a16:creationId xmlns:a16="http://schemas.microsoft.com/office/drawing/2014/main" id="{91BCF9A2-C925-44D4-9820-76E63661DB2F}"/>
+              </a:ext>
+            </a:extLst>
+          </p:cNvPr>
+          <p:cNvSpPr>
+            <a:spLocks noGrp="1"/>
+          </p:cNvSpPr>
+          <p:nvPr>
+            <p:ph type="sldNum" sz="quarter" idx="12"/>
+          </p:nvPr>
+        </p:nvSpPr>
+        <p:spPr/>
+        <p:txBody>
+          <a:bodyPr/>
+          <a:lstStyle/>
+          <a:p>
+            <a:fld id="{84E5AB44-6C43-4864-84E5-D75B94A07FCF}" type="slidenum">
+              <a:rPr kumimoji="1" lang="ja-JP" altLang="en-US" smtClean="0"/>
+              <a:t>20</a:t>
             </a:fld>
             <a:endParaRPr kumimoji="1" lang="ja-JP" altLang="en-US" dirty="0"/>
           </a:p>
@@ -23459,7 +26537,7 @@
 </p:sld>
 </file>
 
-<file path=ppt/slides/slide19.xml><?xml version="1.0" encoding="utf-8"?>
+<file path=ppt/slides/slide21.xml><?xml version="1.0" encoding="utf-8"?>
 <p:sld xmlns:a="http://schemas.openxmlformats.org/drawingml/2006/main" xmlns:r="http://schemas.openxmlformats.org/officeDocument/2006/relationships" xmlns:p="http://schemas.openxmlformats.org/presentationml/2006/main">
   <p:cSld>
     <p:spTree>
@@ -23590,7 +26668,7 @@
           <a:p>
             <a:fld id="{84E5AB44-6C43-4864-84E5-D75B94A07FCF}" type="slidenum">
               <a:rPr kumimoji="1" lang="ja-JP" altLang="en-US" smtClean="0"/>
-              <a:t>19</a:t>
+              <a:t>21</a:t>
             </a:fld>
             <a:endParaRPr kumimoji="1" lang="ja-JP" altLang="en-US"/>
           </a:p>
@@ -24624,228 +27702,7 @@
 </p:sld>
 </file>
 
-<file path=ppt/slides/slide2.xml><?xml version="1.0" encoding="utf-8"?>
-<p:sld xmlns:a="http://schemas.openxmlformats.org/drawingml/2006/main" xmlns:r="http://schemas.openxmlformats.org/officeDocument/2006/relationships" xmlns:p="http://schemas.openxmlformats.org/presentationml/2006/main">
-  <p:cSld>
-    <p:spTree>
-      <p:nvGrpSpPr>
-        <p:cNvPr id="1" name=""/>
-        <p:cNvGrpSpPr/>
-        <p:nvPr/>
-      </p:nvGrpSpPr>
-      <p:grpSpPr>
-        <a:xfrm>
-          <a:off x="0" y="0"/>
-          <a:ext cx="0" cy="0"/>
-          <a:chOff x="0" y="0"/>
-          <a:chExt cx="0" cy="0"/>
-        </a:xfrm>
-      </p:grpSpPr>
-      <p:sp>
-        <p:nvSpPr>
-          <p:cNvPr id="2" name="タイトル 1">
-            <a:extLst>
-              <a:ext uri="{FF2B5EF4-FFF2-40B4-BE49-F238E27FC236}">
-                <a16:creationId xmlns:a16="http://schemas.microsoft.com/office/drawing/2014/main" id="{26724EC4-59E0-455F-A897-89BE35095300}"/>
-              </a:ext>
-            </a:extLst>
-          </p:cNvPr>
-          <p:cNvSpPr>
-            <a:spLocks noGrp="1"/>
-          </p:cNvSpPr>
-          <p:nvPr>
-            <p:ph type="title"/>
-          </p:nvPr>
-        </p:nvSpPr>
-        <p:spPr>
-          <a:xfrm>
-            <a:off x="856061" y="857250"/>
-            <a:ext cx="7429499" cy="820024"/>
-          </a:xfrm>
-        </p:spPr>
-        <p:txBody>
-          <a:bodyPr>
-            <a:normAutofit/>
-          </a:bodyPr>
-          <a:lstStyle/>
-          <a:p>
-            <a:r>
-              <a:rPr lang="ja-JP" altLang="en-US" sz="4050">
-                <a:solidFill>
-                  <a:schemeClr val="tx1"/>
-                </a:solidFill>
-              </a:rPr>
-              <a:t>発表の流れ</a:t>
-            </a:r>
-            <a:endParaRPr lang="ja-JP" altLang="en-US" sz="4050" dirty="0">
-              <a:solidFill>
-                <a:schemeClr val="tx1"/>
-              </a:solidFill>
-            </a:endParaRPr>
-          </a:p>
-        </p:txBody>
-      </p:sp>
-      <p:sp>
-        <p:nvSpPr>
-          <p:cNvPr id="3" name="コンテンツ プレースホルダー 2">
-            <a:extLst>
-              <a:ext uri="{FF2B5EF4-FFF2-40B4-BE49-F238E27FC236}">
-                <a16:creationId xmlns:a16="http://schemas.microsoft.com/office/drawing/2014/main" id="{98CFB785-78A6-450C-B1C8-DDD36D0563D7}"/>
-              </a:ext>
-            </a:extLst>
-          </p:cNvPr>
-          <p:cNvSpPr>
-            <a:spLocks noGrp="1"/>
-          </p:cNvSpPr>
-          <p:nvPr>
-            <p:ph idx="1"/>
-          </p:nvPr>
-        </p:nvSpPr>
-        <p:spPr>
-          <a:xfrm>
-            <a:off x="856061" y="2134475"/>
-            <a:ext cx="7429499" cy="3066177"/>
-          </a:xfrm>
-        </p:spPr>
-        <p:txBody>
-          <a:bodyPr>
-            <a:normAutofit/>
-          </a:bodyPr>
-          <a:lstStyle/>
-          <a:p>
-            <a:r>
-              <a:rPr lang="ja-JP" altLang="en-US" sz="2400" dirty="0">
-                <a:solidFill>
-                  <a:schemeClr val="tx1">
-                    <a:lumMod val="95000"/>
-                  </a:schemeClr>
-                </a:solidFill>
-              </a:rPr>
-              <a:t>はじめに</a:t>
-            </a:r>
-            <a:endParaRPr lang="en-US" altLang="ja-JP" sz="2400" dirty="0">
-              <a:solidFill>
-                <a:schemeClr val="tx1">
-                  <a:lumMod val="95000"/>
-                </a:schemeClr>
-              </a:solidFill>
-            </a:endParaRPr>
-          </a:p>
-          <a:p>
-            <a:r>
-              <a:rPr lang="ja-JP" altLang="en-US" sz="2400" dirty="0">
-                <a:solidFill>
-                  <a:schemeClr val="tx1">
-                    <a:lumMod val="95000"/>
-                  </a:schemeClr>
-                </a:solidFill>
-              </a:rPr>
-              <a:t>要素技術</a:t>
-            </a:r>
-            <a:endParaRPr lang="en-US" altLang="ja-JP" sz="2400" dirty="0">
-              <a:solidFill>
-                <a:schemeClr val="tx1">
-                  <a:lumMod val="95000"/>
-                </a:schemeClr>
-              </a:solidFill>
-            </a:endParaRPr>
-          </a:p>
-          <a:p>
-            <a:r>
-              <a:rPr lang="ja-JP" altLang="en-US" sz="2400" dirty="0">
-                <a:solidFill>
-                  <a:schemeClr val="tx1">
-                    <a:lumMod val="95000"/>
-                  </a:schemeClr>
-                </a:solidFill>
-              </a:rPr>
-              <a:t>提案手法</a:t>
-            </a:r>
-            <a:endParaRPr lang="en-US" altLang="ja-JP" sz="2400" dirty="0">
-              <a:solidFill>
-                <a:schemeClr val="tx1">
-                  <a:lumMod val="95000"/>
-                </a:schemeClr>
-              </a:solidFill>
-            </a:endParaRPr>
-          </a:p>
-          <a:p>
-            <a:r>
-              <a:rPr lang="ja-JP" altLang="en-US" sz="2400" dirty="0"/>
-              <a:t>数値実験</a:t>
-            </a:r>
-            <a:endParaRPr lang="en-US" altLang="ja-JP" sz="2400" dirty="0">
-              <a:solidFill>
-                <a:schemeClr val="tx1">
-                  <a:lumMod val="95000"/>
-                </a:schemeClr>
-              </a:solidFill>
-            </a:endParaRPr>
-          </a:p>
-          <a:p>
-            <a:r>
-              <a:rPr lang="ja-JP" altLang="en-US" sz="2400" dirty="0">
-                <a:solidFill>
-                  <a:schemeClr val="tx1">
-                    <a:lumMod val="95000"/>
-                  </a:schemeClr>
-                </a:solidFill>
-              </a:rPr>
-              <a:t>まとめと今後の課題</a:t>
-            </a:r>
-            <a:endParaRPr lang="en-US" altLang="ja-JP" sz="2400" dirty="0">
-              <a:solidFill>
-                <a:schemeClr val="tx1">
-                  <a:lumMod val="95000"/>
-                </a:schemeClr>
-              </a:solidFill>
-            </a:endParaRPr>
-          </a:p>
-        </p:txBody>
-      </p:sp>
-      <p:sp>
-        <p:nvSpPr>
-          <p:cNvPr id="5" name="スライド番号プレースホルダー 4">
-            <a:extLst>
-              <a:ext uri="{FF2B5EF4-FFF2-40B4-BE49-F238E27FC236}">
-                <a16:creationId xmlns:a16="http://schemas.microsoft.com/office/drawing/2014/main" id="{91BCF9A2-C925-44D4-9820-76E63661DB2F}"/>
-              </a:ext>
-            </a:extLst>
-          </p:cNvPr>
-          <p:cNvSpPr>
-            <a:spLocks noGrp="1"/>
-          </p:cNvSpPr>
-          <p:nvPr>
-            <p:ph type="sldNum" sz="quarter" idx="12"/>
-          </p:nvPr>
-        </p:nvSpPr>
-        <p:spPr/>
-        <p:txBody>
-          <a:bodyPr/>
-          <a:lstStyle/>
-          <a:p>
-            <a:fld id="{84E5AB44-6C43-4864-84E5-D75B94A07FCF}" type="slidenum">
-              <a:rPr kumimoji="1" lang="ja-JP" altLang="en-US" smtClean="0"/>
-              <a:t>2</a:t>
-            </a:fld>
-            <a:endParaRPr kumimoji="1" lang="ja-JP" altLang="en-US" dirty="0"/>
-          </a:p>
-        </p:txBody>
-      </p:sp>
-    </p:spTree>
-    <p:extLst>
-      <p:ext uri="{BB962C8B-B14F-4D97-AF65-F5344CB8AC3E}">
-        <p14:creationId xmlns:p14="http://schemas.microsoft.com/office/powerpoint/2010/main" val="3372139398"/>
-      </p:ext>
-    </p:extLst>
-  </p:cSld>
-  <p:clrMapOvr>
-    <a:masterClrMapping/>
-  </p:clrMapOvr>
-</p:sld>
-</file>
-
-<file path=ppt/slides/slide20.xml><?xml version="1.0" encoding="utf-8"?>
+<file path=ppt/slides/slide22.xml><?xml version="1.0" encoding="utf-8"?>
 <p:sld xmlns:a="http://schemas.openxmlformats.org/drawingml/2006/main" xmlns:r="http://schemas.openxmlformats.org/officeDocument/2006/relationships" xmlns:p="http://schemas.openxmlformats.org/presentationml/2006/main">
   <p:cSld>
     <p:spTree>
@@ -24976,7 +27833,7 @@
           <a:p>
             <a:fld id="{84E5AB44-6C43-4864-84E5-D75B94A07FCF}" type="slidenum">
               <a:rPr kumimoji="1" lang="ja-JP" altLang="en-US" smtClean="0"/>
-              <a:t>20</a:t>
+              <a:t>22</a:t>
             </a:fld>
             <a:endParaRPr kumimoji="1" lang="ja-JP" altLang="en-US"/>
           </a:p>
@@ -25420,7 +28277,7 @@
 </p:sld>
 </file>
 
-<file path=ppt/slides/slide21.xml><?xml version="1.0" encoding="utf-8"?>
+<file path=ppt/slides/slide23.xml><?xml version="1.0" encoding="utf-8"?>
 <p:sld xmlns:a="http://schemas.openxmlformats.org/drawingml/2006/main" xmlns:r="http://schemas.openxmlformats.org/officeDocument/2006/relationships" xmlns:p="http://schemas.openxmlformats.org/presentationml/2006/main">
   <p:cSld>
     <p:spTree>
@@ -25551,7 +28408,7 @@
           <a:p>
             <a:fld id="{84E5AB44-6C43-4864-84E5-D75B94A07FCF}" type="slidenum">
               <a:rPr kumimoji="1" lang="ja-JP" altLang="en-US" smtClean="0"/>
-              <a:t>21</a:t>
+              <a:t>23</a:t>
             </a:fld>
             <a:endParaRPr kumimoji="1" lang="ja-JP" altLang="en-US"/>
           </a:p>
@@ -25655,7 +28512,7 @@
 </p:sld>
 </file>
 
-<file path=ppt/slides/slide22.xml><?xml version="1.0" encoding="utf-8"?>
+<file path=ppt/slides/slide24.xml><?xml version="1.0" encoding="utf-8"?>
 <p:sld xmlns:a="http://schemas.openxmlformats.org/drawingml/2006/main" xmlns:r="http://schemas.openxmlformats.org/officeDocument/2006/relationships" xmlns:p="http://schemas.openxmlformats.org/presentationml/2006/main">
   <p:cSld>
     <p:spTree>
@@ -25798,7 +28655,7 @@
           <a:p>
             <a:fld id="{84E5AB44-6C43-4864-84E5-D75B94A07FCF}" type="slidenum">
               <a:rPr kumimoji="1" lang="ja-JP" altLang="en-US" smtClean="0"/>
-              <a:t>22</a:t>
+              <a:t>24</a:t>
             </a:fld>
             <a:endParaRPr kumimoji="1" lang="ja-JP" altLang="en-US"/>
           </a:p>
@@ -26806,7 +29663,7 @@
 </p:sld>
 </file>
 
-<file path=ppt/slides/slide23.xml><?xml version="1.0" encoding="utf-8"?>
+<file path=ppt/slides/slide25.xml><?xml version="1.0" encoding="utf-8"?>
 <p:sld xmlns:a="http://schemas.openxmlformats.org/drawingml/2006/main" xmlns:r="http://schemas.openxmlformats.org/officeDocument/2006/relationships" xmlns:p="http://schemas.openxmlformats.org/presentationml/2006/main">
   <p:cSld>
     <p:spTree>
@@ -26979,7 +29836,7 @@
           <a:p>
             <a:fld id="{84E5AB44-6C43-4864-84E5-D75B94A07FCF}" type="slidenum">
               <a:rPr kumimoji="1" lang="ja-JP" altLang="en-US" smtClean="0"/>
-              <a:t>23</a:t>
+              <a:t>25</a:t>
             </a:fld>
             <a:endParaRPr kumimoji="1" lang="ja-JP" altLang="en-US"/>
           </a:p>
@@ -27298,7 +30155,7 @@
 </p:sld>
 </file>
 
-<file path=ppt/slides/slide24.xml><?xml version="1.0" encoding="utf-8"?>
+<file path=ppt/slides/slide26.xml><?xml version="1.0" encoding="utf-8"?>
 <p:sld xmlns:a="http://schemas.openxmlformats.org/drawingml/2006/main" xmlns:r="http://schemas.openxmlformats.org/officeDocument/2006/relationships" xmlns:p="http://schemas.openxmlformats.org/presentationml/2006/main">
   <p:cSld>
     <p:spTree>
@@ -27459,7 +30316,7 @@
           <a:p>
             <a:fld id="{84E5AB44-6C43-4864-84E5-D75B94A07FCF}" type="slidenum">
               <a:rPr kumimoji="1" lang="ja-JP" altLang="en-US" smtClean="0"/>
-              <a:t>24</a:t>
+              <a:t>26</a:t>
             </a:fld>
             <a:endParaRPr kumimoji="1" lang="ja-JP" altLang="en-US"/>
           </a:p>
@@ -28290,7 +31147,7 @@
 </p:sld>
 </file>
 
-<file path=ppt/slides/slide25.xml><?xml version="1.0" encoding="utf-8"?>
+<file path=ppt/slides/slide27.xml><?xml version="1.0" encoding="utf-8"?>
 <p:sld xmlns:a="http://schemas.openxmlformats.org/drawingml/2006/main" xmlns:r="http://schemas.openxmlformats.org/officeDocument/2006/relationships" xmlns:p="http://schemas.openxmlformats.org/presentationml/2006/main">
   <p:cSld>
     <p:spTree>
@@ -28433,7 +31290,7 @@
           <a:p>
             <a:fld id="{84E5AB44-6C43-4864-84E5-D75B94A07FCF}" type="slidenum">
               <a:rPr kumimoji="1" lang="ja-JP" altLang="en-US" smtClean="0"/>
-              <a:t>25</a:t>
+              <a:t>27</a:t>
             </a:fld>
             <a:endParaRPr kumimoji="1" lang="ja-JP" altLang="en-US"/>
           </a:p>
@@ -29374,7 +32231,7 @@
 </p:sld>
 </file>
 
-<file path=ppt/slides/slide26.xml><?xml version="1.0" encoding="utf-8"?>
+<file path=ppt/slides/slide28.xml><?xml version="1.0" encoding="utf-8"?>
 <p:sld xmlns:a="http://schemas.openxmlformats.org/drawingml/2006/main" xmlns:r="http://schemas.openxmlformats.org/officeDocument/2006/relationships" xmlns:p="http://schemas.openxmlformats.org/presentationml/2006/main">
   <p:cSld>
     <p:spTree>
@@ -29589,7 +32446,7 @@
           <a:p>
             <a:fld id="{84E5AB44-6C43-4864-84E5-D75B94A07FCF}" type="slidenum">
               <a:rPr kumimoji="1" lang="ja-JP" altLang="en-US" smtClean="0"/>
-              <a:t>26</a:t>
+              <a:t>28</a:t>
             </a:fld>
             <a:endParaRPr kumimoji="1" lang="ja-JP" altLang="en-US"/>
           </a:p>
@@ -30737,7 +33594,7 @@
 </p:sld>
 </file>
 
-<file path=ppt/slides/slide27.xml><?xml version="1.0" encoding="utf-8"?>
+<file path=ppt/slides/slide29.xml><?xml version="1.0" encoding="utf-8"?>
 <p:sld xmlns:a="http://schemas.openxmlformats.org/drawingml/2006/main" xmlns:r="http://schemas.openxmlformats.org/officeDocument/2006/relationships" xmlns:p="http://schemas.openxmlformats.org/presentationml/2006/main">
   <p:cSld>
     <p:spTree>
@@ -30894,7 +33751,7 @@
           <a:p>
             <a:fld id="{84E5AB44-6C43-4864-84E5-D75B94A07FCF}" type="slidenum">
               <a:rPr kumimoji="1" lang="ja-JP" altLang="en-US" smtClean="0"/>
-              <a:t>27</a:t>
+              <a:t>29</a:t>
             </a:fld>
             <a:endParaRPr kumimoji="1" lang="ja-JP" altLang="en-US" dirty="0"/>
           </a:p>
@@ -30904,620 +33761,6 @@
     <p:extLst>
       <p:ext uri="{BB962C8B-B14F-4D97-AF65-F5344CB8AC3E}">
         <p14:creationId xmlns:p14="http://schemas.microsoft.com/office/powerpoint/2010/main" val="2671050989"/>
-      </p:ext>
-    </p:extLst>
-  </p:cSld>
-  <p:clrMapOvr>
-    <a:masterClrMapping/>
-  </p:clrMapOvr>
-</p:sld>
-</file>
-
-<file path=ppt/slides/slide28.xml><?xml version="1.0" encoding="utf-8"?>
-<p:sld xmlns:a="http://schemas.openxmlformats.org/drawingml/2006/main" xmlns:r="http://schemas.openxmlformats.org/officeDocument/2006/relationships" xmlns:p="http://schemas.openxmlformats.org/presentationml/2006/main">
-  <p:cSld>
-    <p:spTree>
-      <p:nvGrpSpPr>
-        <p:cNvPr id="1" name=""/>
-        <p:cNvGrpSpPr/>
-        <p:nvPr/>
-      </p:nvGrpSpPr>
-      <p:grpSpPr>
-        <a:xfrm>
-          <a:off x="0" y="0"/>
-          <a:ext cx="0" cy="0"/>
-          <a:chOff x="0" y="0"/>
-          <a:chExt cx="0" cy="0"/>
-        </a:xfrm>
-      </p:grpSpPr>
-      <p:sp>
-        <p:nvSpPr>
-          <p:cNvPr id="2" name="タイトル 1">
-            <a:extLst>
-              <a:ext uri="{FF2B5EF4-FFF2-40B4-BE49-F238E27FC236}">
-                <a16:creationId xmlns:a16="http://schemas.microsoft.com/office/drawing/2014/main" id="{26724EC4-59E0-455F-A897-89BE35095300}"/>
-              </a:ext>
-            </a:extLst>
-          </p:cNvPr>
-          <p:cNvSpPr>
-            <a:spLocks noGrp="1"/>
-          </p:cNvSpPr>
-          <p:nvPr>
-            <p:ph type="title"/>
-          </p:nvPr>
-        </p:nvSpPr>
-        <p:spPr>
-          <a:xfrm>
-            <a:off x="856061" y="857250"/>
-            <a:ext cx="7429499" cy="820024"/>
-          </a:xfrm>
-        </p:spPr>
-        <p:txBody>
-          <a:bodyPr>
-            <a:normAutofit/>
-          </a:bodyPr>
-          <a:lstStyle/>
-          <a:p>
-            <a:r>
-              <a:rPr lang="ja-JP" altLang="en-US" sz="4050" cap="none" dirty="0">
-                <a:solidFill>
-                  <a:schemeClr val="tx1"/>
-                </a:solidFill>
-              </a:rPr>
-              <a:t>まとめ</a:t>
-            </a:r>
-          </a:p>
-        </p:txBody>
-      </p:sp>
-      <p:sp>
-        <p:nvSpPr>
-          <p:cNvPr id="5" name="スライド番号プレースホルダー 4">
-            <a:extLst>
-              <a:ext uri="{FF2B5EF4-FFF2-40B4-BE49-F238E27FC236}">
-                <a16:creationId xmlns:a16="http://schemas.microsoft.com/office/drawing/2014/main" id="{2FE01468-1359-49DA-BFF6-96729E5228E8}"/>
-              </a:ext>
-            </a:extLst>
-          </p:cNvPr>
-          <p:cNvSpPr>
-            <a:spLocks noGrp="1"/>
-          </p:cNvSpPr>
-          <p:nvPr>
-            <p:ph type="sldNum" sz="quarter" idx="12"/>
-          </p:nvPr>
-        </p:nvSpPr>
-        <p:spPr/>
-        <p:txBody>
-          <a:bodyPr/>
-          <a:lstStyle/>
-          <a:p>
-            <a:fld id="{84E5AB44-6C43-4864-84E5-D75B94A07FCF}" type="slidenum">
-              <a:rPr kumimoji="1" lang="ja-JP" altLang="en-US" smtClean="0"/>
-              <a:t>28</a:t>
-            </a:fld>
-            <a:endParaRPr kumimoji="1" lang="ja-JP" altLang="en-US"/>
-          </a:p>
-        </p:txBody>
-      </p:sp>
-      <p:sp>
-        <p:nvSpPr>
-          <p:cNvPr id="41" name="コンテンツ プレースホルダー 2">
-            <a:extLst>
-              <a:ext uri="{FF2B5EF4-FFF2-40B4-BE49-F238E27FC236}">
-                <a16:creationId xmlns:a16="http://schemas.microsoft.com/office/drawing/2014/main" id="{B6CE2A65-0A9A-4443-993D-9F3E8C864BA1}"/>
-              </a:ext>
-            </a:extLst>
-          </p:cNvPr>
-          <p:cNvSpPr>
-            <a:spLocks noGrp="1"/>
-          </p:cNvSpPr>
-          <p:nvPr>
-            <p:ph idx="1"/>
-          </p:nvPr>
-        </p:nvSpPr>
-        <p:spPr>
-          <a:xfrm>
-            <a:off x="411000" y="1807917"/>
-            <a:ext cx="8733000" cy="4370343"/>
-          </a:xfrm>
-        </p:spPr>
-        <p:txBody>
-          <a:bodyPr anchor="t">
-            <a:normAutofit/>
-          </a:bodyPr>
-          <a:lstStyle/>
-          <a:p>
-            <a:pPr>
-              <a:buFont typeface="Arial" panose="020B0604020202020204" pitchFamily="34" charset="0"/>
-              <a:buChar char="•"/>
-            </a:pPr>
-            <a:r>
-              <a:rPr lang="en-US" altLang="ja-JP" sz="2400" cap="none" dirty="0">
-                <a:solidFill>
-                  <a:schemeClr val="tx1">
-                    <a:lumMod val="95000"/>
-                  </a:schemeClr>
-                </a:solidFill>
-              </a:rPr>
-              <a:t>LLM </a:t>
-            </a:r>
-            <a:r>
-              <a:rPr lang="ja-JP" altLang="en-US" sz="2400" cap="none" dirty="0">
-                <a:solidFill>
-                  <a:schemeClr val="tx1">
-                    <a:lumMod val="95000"/>
-                  </a:schemeClr>
-                </a:solidFill>
-              </a:rPr>
-              <a:t>を用いて原文データから要約文を事前に生成し</a:t>
-            </a:r>
-            <a:r>
-              <a:rPr lang="en-US" altLang="ja-JP" sz="2400" cap="none" dirty="0">
-                <a:solidFill>
-                  <a:schemeClr val="tx1">
-                    <a:lumMod val="95000"/>
-                  </a:schemeClr>
-                </a:solidFill>
-              </a:rPr>
-              <a:t>,</a:t>
-            </a:r>
-            <a:br>
-              <a:rPr lang="en-US" altLang="ja-JP" sz="2400" cap="none" dirty="0">
-                <a:solidFill>
-                  <a:schemeClr val="tx1">
-                    <a:lumMod val="95000"/>
-                  </a:schemeClr>
-                </a:solidFill>
-              </a:rPr>
-            </a:br>
-            <a:r>
-              <a:rPr lang="ja-JP" altLang="en-US" sz="2400" cap="none" dirty="0">
-                <a:solidFill>
-                  <a:schemeClr val="tx1">
-                    <a:lumMod val="95000"/>
-                  </a:schemeClr>
-                </a:solidFill>
-              </a:rPr>
-              <a:t>要約文から得た分散表現を先行研究である </a:t>
-            </a:r>
-            <a:r>
-              <a:rPr lang="en-US" altLang="ja-JP" sz="2400" cap="none" dirty="0">
-                <a:solidFill>
-                  <a:schemeClr val="tx1">
-                    <a:lumMod val="95000"/>
-                  </a:schemeClr>
-                </a:solidFill>
-              </a:rPr>
-              <a:t>CAP </a:t>
-            </a:r>
-            <a:r>
-              <a:rPr lang="ja-JP" altLang="en-US" sz="2400" cap="none" dirty="0">
-                <a:solidFill>
-                  <a:schemeClr val="tx1">
-                    <a:lumMod val="95000"/>
-                  </a:schemeClr>
-                </a:solidFill>
-              </a:rPr>
-              <a:t>層に</a:t>
-            </a:r>
-            <a:br>
-              <a:rPr lang="en-US" altLang="ja-JP" sz="2400" cap="none" dirty="0">
-                <a:solidFill>
-                  <a:schemeClr val="tx1">
-                    <a:lumMod val="95000"/>
-                  </a:schemeClr>
-                </a:solidFill>
-              </a:rPr>
-            </a:br>
-            <a:r>
-              <a:rPr lang="ja-JP" altLang="en-US" sz="2400" cap="none" dirty="0">
-                <a:solidFill>
-                  <a:schemeClr val="tx1">
-                    <a:lumMod val="95000"/>
-                  </a:schemeClr>
-                </a:solidFill>
-              </a:rPr>
-              <a:t>組み込んだ新たなプーリング手法について提案</a:t>
-            </a:r>
-            <a:endParaRPr lang="en-US" altLang="ja-JP" sz="2400" cap="none" dirty="0">
-              <a:solidFill>
-                <a:schemeClr val="tx1">
-                  <a:lumMod val="95000"/>
-                </a:schemeClr>
-              </a:solidFill>
-            </a:endParaRPr>
-          </a:p>
-          <a:p>
-            <a:pPr>
-              <a:buFont typeface="Arial" panose="020B0604020202020204" pitchFamily="34" charset="0"/>
-              <a:buChar char="•"/>
-            </a:pPr>
-            <a:endParaRPr lang="en-US" altLang="ja-JP" sz="2400" cap="none" dirty="0">
-              <a:solidFill>
-                <a:schemeClr val="tx1">
-                  <a:lumMod val="95000"/>
-                </a:schemeClr>
-              </a:solidFill>
-            </a:endParaRPr>
-          </a:p>
-          <a:p>
-            <a:pPr>
-              <a:buFont typeface="Arial" panose="020B0604020202020204" pitchFamily="34" charset="0"/>
-              <a:buChar char="•"/>
-            </a:pPr>
-            <a:r>
-              <a:rPr lang="ja-JP" altLang="en-US" sz="2400" cap="none" dirty="0">
-                <a:solidFill>
-                  <a:schemeClr val="tx1">
-                    <a:lumMod val="95000"/>
-                  </a:schemeClr>
-                </a:solidFill>
-              </a:rPr>
-              <a:t>テキスト分類タスクにおいて </a:t>
-            </a:r>
-            <a:r>
-              <a:rPr lang="en-US" altLang="ja-JP" sz="2400" cap="none" dirty="0">
-                <a:solidFill>
-                  <a:schemeClr val="tx1">
-                    <a:lumMod val="95000"/>
-                  </a:schemeClr>
-                </a:solidFill>
-              </a:rPr>
-              <a:t>Accuracy, F1 </a:t>
-            </a:r>
-            <a:r>
-              <a:rPr lang="ja-JP" altLang="en-US" sz="2400" cap="none" dirty="0">
-                <a:solidFill>
-                  <a:schemeClr val="tx1">
-                    <a:lumMod val="95000"/>
-                  </a:schemeClr>
-                </a:solidFill>
-              </a:rPr>
-              <a:t>値ともに</a:t>
-            </a:r>
-            <a:br>
-              <a:rPr lang="en-US" altLang="ja-JP" sz="2400" cap="none" dirty="0">
-                <a:solidFill>
-                  <a:schemeClr val="tx1">
-                    <a:lumMod val="95000"/>
-                  </a:schemeClr>
-                </a:solidFill>
-              </a:rPr>
-            </a:br>
-            <a:r>
-              <a:rPr lang="ja-JP" altLang="en-US" sz="2400" cap="none" dirty="0">
-                <a:solidFill>
-                  <a:schemeClr val="tx1">
-                    <a:lumMod val="95000"/>
-                  </a:schemeClr>
-                </a:solidFill>
-              </a:rPr>
-              <a:t>提案手法が従来手法を上回り</a:t>
-            </a:r>
-            <a:r>
-              <a:rPr lang="en-US" altLang="ja-JP" sz="2400" cap="none" dirty="0">
-                <a:solidFill>
-                  <a:schemeClr val="tx1">
-                    <a:lumMod val="95000"/>
-                  </a:schemeClr>
-                </a:solidFill>
-              </a:rPr>
-              <a:t>, </a:t>
-            </a:r>
-            <a:r>
-              <a:rPr lang="ja-JP" altLang="en-US" sz="2400" cap="none" dirty="0">
-                <a:solidFill>
-                  <a:schemeClr val="tx1">
-                    <a:lumMod val="95000"/>
-                  </a:schemeClr>
-                </a:solidFill>
-              </a:rPr>
-              <a:t>その有効性を確認</a:t>
-            </a:r>
-            <a:endParaRPr lang="en-US" altLang="ja-JP" sz="2400" cap="none" dirty="0">
-              <a:solidFill>
-                <a:schemeClr val="tx1">
-                  <a:lumMod val="95000"/>
-                </a:schemeClr>
-              </a:solidFill>
-            </a:endParaRPr>
-          </a:p>
-          <a:p>
-            <a:pPr>
-              <a:buFont typeface="Arial" panose="020B0604020202020204" pitchFamily="34" charset="0"/>
-              <a:buChar char="•"/>
-            </a:pPr>
-            <a:endParaRPr lang="en-US" altLang="ja-JP" sz="2400" cap="none" dirty="0">
-              <a:solidFill>
-                <a:schemeClr val="tx1">
-                  <a:lumMod val="95000"/>
-                </a:schemeClr>
-              </a:solidFill>
-            </a:endParaRPr>
-          </a:p>
-        </p:txBody>
-      </p:sp>
-    </p:spTree>
-    <p:extLst>
-      <p:ext uri="{BB962C8B-B14F-4D97-AF65-F5344CB8AC3E}">
-        <p14:creationId xmlns:p14="http://schemas.microsoft.com/office/powerpoint/2010/main" val="469587655"/>
-      </p:ext>
-    </p:extLst>
-  </p:cSld>
-  <p:clrMapOvr>
-    <a:masterClrMapping/>
-  </p:clrMapOvr>
-</p:sld>
-</file>
-
-<file path=ppt/slides/slide29.xml><?xml version="1.0" encoding="utf-8"?>
-<p:sld xmlns:a="http://schemas.openxmlformats.org/drawingml/2006/main" xmlns:r="http://schemas.openxmlformats.org/officeDocument/2006/relationships" xmlns:p="http://schemas.openxmlformats.org/presentationml/2006/main">
-  <p:cSld>
-    <p:spTree>
-      <p:nvGrpSpPr>
-        <p:cNvPr id="1" name="">
-          <a:extLst>
-            <a:ext uri="{FF2B5EF4-FFF2-40B4-BE49-F238E27FC236}">
-              <a16:creationId xmlns:a16="http://schemas.microsoft.com/office/drawing/2014/main" id="{F74447CC-9AB5-09F8-B448-3B7EB5D4E712}"/>
-            </a:ext>
-          </a:extLst>
-        </p:cNvPr>
-        <p:cNvGrpSpPr/>
-        <p:nvPr/>
-      </p:nvGrpSpPr>
-      <p:grpSpPr>
-        <a:xfrm>
-          <a:off x="0" y="0"/>
-          <a:ext cx="0" cy="0"/>
-          <a:chOff x="0" y="0"/>
-          <a:chExt cx="0" cy="0"/>
-        </a:xfrm>
-      </p:grpSpPr>
-      <p:sp>
-        <p:nvSpPr>
-          <p:cNvPr id="2" name="タイトル 1">
-            <a:extLst>
-              <a:ext uri="{FF2B5EF4-FFF2-40B4-BE49-F238E27FC236}">
-                <a16:creationId xmlns:a16="http://schemas.microsoft.com/office/drawing/2014/main" id="{3A94E6B7-7F28-A9FC-52D3-7604A5B1C3DC}"/>
-              </a:ext>
-            </a:extLst>
-          </p:cNvPr>
-          <p:cNvSpPr>
-            <a:spLocks noGrp="1"/>
-          </p:cNvSpPr>
-          <p:nvPr>
-            <p:ph type="title"/>
-          </p:nvPr>
-        </p:nvSpPr>
-        <p:spPr>
-          <a:xfrm>
-            <a:off x="856061" y="857250"/>
-            <a:ext cx="7429499" cy="820024"/>
-          </a:xfrm>
-        </p:spPr>
-        <p:txBody>
-          <a:bodyPr>
-            <a:normAutofit/>
-          </a:bodyPr>
-          <a:lstStyle/>
-          <a:p>
-            <a:r>
-              <a:rPr lang="ja-JP" altLang="en-US" sz="4050" cap="none" dirty="0">
-                <a:solidFill>
-                  <a:schemeClr val="tx1"/>
-                </a:solidFill>
-              </a:rPr>
-              <a:t>今後の課題</a:t>
-            </a:r>
-          </a:p>
-        </p:txBody>
-      </p:sp>
-      <p:sp>
-        <p:nvSpPr>
-          <p:cNvPr id="5" name="スライド番号プレースホルダー 4">
-            <a:extLst>
-              <a:ext uri="{FF2B5EF4-FFF2-40B4-BE49-F238E27FC236}">
-                <a16:creationId xmlns:a16="http://schemas.microsoft.com/office/drawing/2014/main" id="{ECB973ED-0871-FF47-89B9-6ECD4F8B853B}"/>
-              </a:ext>
-            </a:extLst>
-          </p:cNvPr>
-          <p:cNvSpPr>
-            <a:spLocks noGrp="1"/>
-          </p:cNvSpPr>
-          <p:nvPr>
-            <p:ph type="sldNum" sz="quarter" idx="12"/>
-          </p:nvPr>
-        </p:nvSpPr>
-        <p:spPr/>
-        <p:txBody>
-          <a:bodyPr/>
-          <a:lstStyle/>
-          <a:p>
-            <a:fld id="{84E5AB44-6C43-4864-84E5-D75B94A07FCF}" type="slidenum">
-              <a:rPr kumimoji="1" lang="ja-JP" altLang="en-US" smtClean="0"/>
-              <a:t>29</a:t>
-            </a:fld>
-            <a:endParaRPr kumimoji="1" lang="ja-JP" altLang="en-US"/>
-          </a:p>
-        </p:txBody>
-      </p:sp>
-      <p:sp>
-        <p:nvSpPr>
-          <p:cNvPr id="41" name="コンテンツ プレースホルダー 2">
-            <a:extLst>
-              <a:ext uri="{FF2B5EF4-FFF2-40B4-BE49-F238E27FC236}">
-                <a16:creationId xmlns:a16="http://schemas.microsoft.com/office/drawing/2014/main" id="{7EB06F19-0BFD-AC6D-BFF9-7B0819EA9675}"/>
-              </a:ext>
-            </a:extLst>
-          </p:cNvPr>
-          <p:cNvSpPr>
-            <a:spLocks noGrp="1"/>
-          </p:cNvSpPr>
-          <p:nvPr>
-            <p:ph idx="1"/>
-          </p:nvPr>
-        </p:nvSpPr>
-        <p:spPr>
-          <a:xfrm>
-            <a:off x="411000" y="1807917"/>
-            <a:ext cx="8733000" cy="4370343"/>
-          </a:xfrm>
-        </p:spPr>
-        <p:txBody>
-          <a:bodyPr anchor="t">
-            <a:normAutofit/>
-          </a:bodyPr>
-          <a:lstStyle/>
-          <a:p>
-            <a:pPr>
-              <a:buFont typeface="Arial" panose="020B0604020202020204" pitchFamily="34" charset="0"/>
-              <a:buChar char="•"/>
-            </a:pPr>
-            <a:r>
-              <a:rPr lang="ja-JP" altLang="en-US" sz="2400" cap="none" dirty="0">
-                <a:solidFill>
-                  <a:schemeClr val="tx1">
-                    <a:lumMod val="95000"/>
-                  </a:schemeClr>
-                </a:solidFill>
-              </a:rPr>
-              <a:t>要約文に対する妥当性の検討</a:t>
-            </a:r>
-            <a:br>
-              <a:rPr lang="en-US" altLang="ja-JP" sz="2400" cap="none" dirty="0">
-                <a:solidFill>
-                  <a:schemeClr val="tx1">
-                    <a:lumMod val="95000"/>
-                  </a:schemeClr>
-                </a:solidFill>
-              </a:rPr>
-            </a:br>
-            <a:r>
-              <a:rPr lang="ja-JP" altLang="en-US" sz="2400" cap="none" dirty="0">
-                <a:solidFill>
-                  <a:schemeClr val="tx1">
-                    <a:lumMod val="95000"/>
-                  </a:schemeClr>
-                </a:solidFill>
-              </a:rPr>
-              <a:t>および生成手法の改善</a:t>
-            </a:r>
-            <a:endParaRPr lang="en-US" altLang="ja-JP" sz="2400" cap="none" dirty="0">
-              <a:solidFill>
-                <a:schemeClr val="tx1">
-                  <a:lumMod val="95000"/>
-                </a:schemeClr>
-              </a:solidFill>
-            </a:endParaRPr>
-          </a:p>
-          <a:p>
-            <a:pPr>
-              <a:buFont typeface="Arial" panose="020B0604020202020204" pitchFamily="34" charset="0"/>
-              <a:buChar char="•"/>
-            </a:pPr>
-            <a:endParaRPr lang="en-US" altLang="ja-JP" sz="2400" cap="none" dirty="0">
-              <a:solidFill>
-                <a:schemeClr val="tx1">
-                  <a:lumMod val="95000"/>
-                </a:schemeClr>
-              </a:solidFill>
-            </a:endParaRPr>
-          </a:p>
-          <a:p>
-            <a:pPr>
-              <a:buFont typeface="Arial" panose="020B0604020202020204" pitchFamily="34" charset="0"/>
-              <a:buChar char="•"/>
-            </a:pPr>
-            <a:r>
-              <a:rPr lang="ja-JP" altLang="en-US" sz="2400" cap="none" dirty="0">
-                <a:solidFill>
-                  <a:schemeClr val="tx1">
-                    <a:lumMod val="95000"/>
-                  </a:schemeClr>
-                </a:solidFill>
-              </a:rPr>
-              <a:t>他のタスクやデータセットにおける</a:t>
-            </a:r>
-            <a:br>
-              <a:rPr lang="en-US" altLang="ja-JP" sz="2400" cap="none" dirty="0">
-                <a:solidFill>
-                  <a:schemeClr val="tx1">
-                    <a:lumMod val="95000"/>
-                  </a:schemeClr>
-                </a:solidFill>
-              </a:rPr>
-            </a:br>
-            <a:r>
-              <a:rPr lang="ja-JP" altLang="en-US" sz="2400" cap="none" dirty="0">
-                <a:solidFill>
-                  <a:schemeClr val="tx1">
-                    <a:lumMod val="95000"/>
-                  </a:schemeClr>
-                </a:solidFill>
-              </a:rPr>
-              <a:t>提案手法の有効性の検証</a:t>
-            </a:r>
-            <a:endParaRPr lang="en-US" altLang="ja-JP" sz="2400" cap="none" dirty="0">
-              <a:solidFill>
-                <a:schemeClr val="tx1">
-                  <a:lumMod val="95000"/>
-                </a:schemeClr>
-              </a:solidFill>
-            </a:endParaRPr>
-          </a:p>
-          <a:p>
-            <a:pPr marL="0" indent="0">
-              <a:buNone/>
-            </a:pPr>
-            <a:endParaRPr lang="en-US" altLang="ja-JP" sz="2400" cap="none" dirty="0">
-              <a:solidFill>
-                <a:schemeClr val="tx1">
-                  <a:lumMod val="95000"/>
-                </a:schemeClr>
-              </a:solidFill>
-            </a:endParaRPr>
-          </a:p>
-          <a:p>
-            <a:pPr>
-              <a:buFont typeface="Arial" panose="020B0604020202020204" pitchFamily="34" charset="0"/>
-              <a:buChar char="•"/>
-            </a:pPr>
-            <a:r>
-              <a:rPr lang="ja-JP" altLang="en-US" sz="2400" dirty="0">
-                <a:solidFill>
-                  <a:schemeClr val="tx1"/>
-                </a:solidFill>
-              </a:rPr>
-              <a:t>長い入力系列を扱うことができ</a:t>
-            </a:r>
-            <a:r>
-              <a:rPr lang="ja-JP" altLang="en-US" sz="2400" dirty="0"/>
-              <a:t>る汎用的かつ低コストな</a:t>
-            </a:r>
-            <a:br>
-              <a:rPr lang="en-US" altLang="ja-JP" sz="2400" dirty="0"/>
-            </a:br>
-            <a:r>
-              <a:rPr lang="ja-JP" altLang="en-US" sz="2400" dirty="0">
-                <a:solidFill>
-                  <a:schemeClr val="tx1"/>
-                </a:solidFill>
-              </a:rPr>
-              <a:t>プーリング手法の模索</a:t>
-            </a:r>
-            <a:endParaRPr lang="en-US" altLang="ja-JP" sz="2400" cap="none" dirty="0">
-              <a:solidFill>
-                <a:schemeClr val="tx1">
-                  <a:lumMod val="95000"/>
-                </a:schemeClr>
-              </a:solidFill>
-            </a:endParaRPr>
-          </a:p>
-        </p:txBody>
-      </p:sp>
-    </p:spTree>
-    <p:extLst>
-      <p:ext uri="{BB962C8B-B14F-4D97-AF65-F5344CB8AC3E}">
-        <p14:creationId xmlns:p14="http://schemas.microsoft.com/office/powerpoint/2010/main" val="339333231"/>
       </p:ext>
     </p:extLst>
   </p:cSld>
@@ -31763,10 +34006,49 @@
       </p:grpSpPr>
       <p:sp>
         <p:nvSpPr>
-          <p:cNvPr id="4" name="スライド番号プレースホルダー 3">
+          <p:cNvPr id="2" name="タイトル 1">
             <a:extLst>
               <a:ext uri="{FF2B5EF4-FFF2-40B4-BE49-F238E27FC236}">
-                <a16:creationId xmlns:a16="http://schemas.microsoft.com/office/drawing/2014/main" id="{E49A8BD6-52CB-48F3-8173-5A00389DDA4E}"/>
+                <a16:creationId xmlns:a16="http://schemas.microsoft.com/office/drawing/2014/main" id="{26724EC4-59E0-455F-A897-89BE35095300}"/>
+              </a:ext>
+            </a:extLst>
+          </p:cNvPr>
+          <p:cNvSpPr>
+            <a:spLocks noGrp="1"/>
+          </p:cNvSpPr>
+          <p:nvPr>
+            <p:ph type="title"/>
+          </p:nvPr>
+        </p:nvSpPr>
+        <p:spPr>
+          <a:xfrm>
+            <a:off x="856061" y="857250"/>
+            <a:ext cx="7429499" cy="820024"/>
+          </a:xfrm>
+        </p:spPr>
+        <p:txBody>
+          <a:bodyPr>
+            <a:normAutofit/>
+          </a:bodyPr>
+          <a:lstStyle/>
+          <a:p>
+            <a:r>
+              <a:rPr lang="ja-JP" altLang="en-US" sz="4050" cap="none" dirty="0">
+                <a:solidFill>
+                  <a:schemeClr val="tx1"/>
+                </a:solidFill>
+              </a:rPr>
+              <a:t>まとめ</a:t>
+            </a:r>
+          </a:p>
+        </p:txBody>
+      </p:sp>
+      <p:sp>
+        <p:nvSpPr>
+          <p:cNvPr id="5" name="スライド番号プレースホルダー 4">
+            <a:extLst>
+              <a:ext uri="{FF2B5EF4-FFF2-40B4-BE49-F238E27FC236}">
+                <a16:creationId xmlns:a16="http://schemas.microsoft.com/office/drawing/2014/main" id="{2FE01468-1359-49DA-BFF6-96729E5228E8}"/>
               </a:ext>
             </a:extLst>
           </p:cNvPr>
@@ -31784,53 +34066,254 @@
           <a:p>
             <a:fld id="{84E5AB44-6C43-4864-84E5-D75B94A07FCF}" type="slidenum">
               <a:rPr kumimoji="1" lang="ja-JP" altLang="en-US" smtClean="0"/>
-              <a:pPr/>
               <a:t>30</a:t>
             </a:fld>
-            <a:endParaRPr kumimoji="1" lang="ja-JP" altLang="en-US" dirty="0"/>
+            <a:endParaRPr kumimoji="1" lang="ja-JP" altLang="en-US"/>
           </a:p>
         </p:txBody>
       </p:sp>
       <p:sp>
         <p:nvSpPr>
-          <p:cNvPr id="5" name="テキスト ボックス 4">
+          <p:cNvPr id="41" name="コンテンツ プレースホルダー 2">
             <a:extLst>
               <a:ext uri="{FF2B5EF4-FFF2-40B4-BE49-F238E27FC236}">
-                <a16:creationId xmlns:a16="http://schemas.microsoft.com/office/drawing/2014/main" id="{05204266-CAD7-4CBC-8B8E-B95C64D5B470}"/>
+                <a16:creationId xmlns:a16="http://schemas.microsoft.com/office/drawing/2014/main" id="{B6CE2A65-0A9A-4443-993D-9F3E8C864BA1}"/>
               </a:ext>
             </a:extLst>
           </p:cNvPr>
-          <p:cNvSpPr txBox="1"/>
-          <p:nvPr/>
+          <p:cNvSpPr>
+            <a:spLocks noGrp="1"/>
+          </p:cNvSpPr>
+          <p:nvPr>
+            <p:ph idx="1"/>
+          </p:nvPr>
         </p:nvSpPr>
         <p:spPr>
           <a:xfrm>
-            <a:off x="1446143" y="2905780"/>
-            <a:ext cx="6251713" cy="584775"/>
+            <a:off x="411000" y="1807917"/>
+            <a:ext cx="8733000" cy="4370343"/>
           </a:xfrm>
-          <a:prstGeom prst="rect">
-            <a:avLst/>
-          </a:prstGeom>
-          <a:noFill/>
         </p:spPr>
         <p:txBody>
-          <a:bodyPr wrap="square" rtlCol="0">
-            <a:spAutoFit/>
+          <a:bodyPr anchor="t">
+            <a:normAutofit/>
           </a:bodyPr>
           <a:lstStyle/>
           <a:p>
-            <a:pPr algn="ctr"/>
-            <a:r>
-              <a:rPr kumimoji="1" lang="ja-JP" altLang="en-US" sz="3200" dirty="0"/>
-              <a:t>ご清聴ありがとうございました</a:t>
-            </a:r>
+            <a:pPr>
+              <a:buFont typeface="Arial" panose="020B0604020202020204" pitchFamily="34" charset="0"/>
+              <a:buChar char="•"/>
+            </a:pPr>
+            <a:r>
+              <a:rPr lang="en-US" altLang="ja-JP" sz="2400" cap="none" dirty="0">
+                <a:solidFill>
+                  <a:schemeClr val="tx1">
+                    <a:lumMod val="95000"/>
+                  </a:schemeClr>
+                </a:solidFill>
+              </a:rPr>
+              <a:t>LLM </a:t>
+            </a:r>
+            <a:r>
+              <a:rPr lang="ja-JP" altLang="en-US" sz="2400" cap="none" dirty="0">
+                <a:solidFill>
+                  <a:schemeClr val="tx1">
+                    <a:lumMod val="95000"/>
+                  </a:schemeClr>
+                </a:solidFill>
+              </a:rPr>
+              <a:t>を用いて原文データから要約文を事前に生成し</a:t>
+            </a:r>
+            <a:r>
+              <a:rPr lang="en-US" altLang="ja-JP" sz="2400" cap="none" dirty="0">
+                <a:solidFill>
+                  <a:schemeClr val="tx1">
+                    <a:lumMod val="95000"/>
+                  </a:schemeClr>
+                </a:solidFill>
+              </a:rPr>
+              <a:t>,</a:t>
+            </a:r>
+            <a:br>
+              <a:rPr lang="en-US" altLang="ja-JP" sz="2400" cap="none" dirty="0">
+                <a:solidFill>
+                  <a:schemeClr val="tx1">
+                    <a:lumMod val="95000"/>
+                  </a:schemeClr>
+                </a:solidFill>
+              </a:rPr>
+            </a:br>
+            <a:r>
+              <a:rPr lang="ja-JP" altLang="en-US" sz="2400" cap="none" dirty="0">
+                <a:solidFill>
+                  <a:schemeClr val="tx1">
+                    <a:lumMod val="95000"/>
+                  </a:schemeClr>
+                </a:solidFill>
+              </a:rPr>
+              <a:t>要約文から得た分散表現を先行研究である </a:t>
+            </a:r>
+            <a:r>
+              <a:rPr lang="en-US" altLang="ja-JP" sz="2400" cap="none" dirty="0">
+                <a:solidFill>
+                  <a:schemeClr val="tx1">
+                    <a:lumMod val="95000"/>
+                  </a:schemeClr>
+                </a:solidFill>
+              </a:rPr>
+              <a:t>CAP </a:t>
+            </a:r>
+            <a:r>
+              <a:rPr lang="ja-JP" altLang="en-US" sz="2400" cap="none" dirty="0">
+                <a:solidFill>
+                  <a:schemeClr val="tx1">
+                    <a:lumMod val="95000"/>
+                  </a:schemeClr>
+                </a:solidFill>
+              </a:rPr>
+              <a:t>層に</a:t>
+            </a:r>
+            <a:br>
+              <a:rPr lang="en-US" altLang="ja-JP" sz="2400" cap="none" dirty="0">
+                <a:solidFill>
+                  <a:schemeClr val="tx1">
+                    <a:lumMod val="95000"/>
+                  </a:schemeClr>
+                </a:solidFill>
+              </a:rPr>
+            </a:br>
+            <a:r>
+              <a:rPr lang="ja-JP" altLang="en-US" sz="2400" cap="none" dirty="0">
+                <a:solidFill>
+                  <a:schemeClr val="tx1">
+                    <a:lumMod val="95000"/>
+                  </a:schemeClr>
+                </a:solidFill>
+              </a:rPr>
+              <a:t>組み込んだ新たなプーリング手法について提案</a:t>
+            </a:r>
+            <a:endParaRPr lang="en-US" altLang="ja-JP" sz="2400" cap="none" dirty="0">
+              <a:solidFill>
+                <a:schemeClr val="tx1">
+                  <a:lumMod val="95000"/>
+                </a:schemeClr>
+              </a:solidFill>
+            </a:endParaRPr>
+          </a:p>
+          <a:p>
+            <a:pPr>
+              <a:buFont typeface="Arial" panose="020B0604020202020204" pitchFamily="34" charset="0"/>
+              <a:buChar char="•"/>
+            </a:pPr>
+            <a:endParaRPr lang="en-US" altLang="ja-JP" sz="2400" cap="none" dirty="0">
+              <a:solidFill>
+                <a:schemeClr val="tx1">
+                  <a:lumMod val="95000"/>
+                </a:schemeClr>
+              </a:solidFill>
+            </a:endParaRPr>
+          </a:p>
+          <a:p>
+            <a:pPr>
+              <a:buFont typeface="Arial" panose="020B0604020202020204" pitchFamily="34" charset="0"/>
+              <a:buChar char="•"/>
+            </a:pPr>
+            <a:r>
+              <a:rPr lang="ja-JP" altLang="en-US" sz="2400" cap="none" dirty="0">
+                <a:solidFill>
+                  <a:schemeClr val="tx1">
+                    <a:lumMod val="95000"/>
+                  </a:schemeClr>
+                </a:solidFill>
+              </a:rPr>
+              <a:t>テキスト分類タスクにおいて </a:t>
+            </a:r>
+            <a:r>
+              <a:rPr lang="en-US" altLang="ja-JP" sz="2400" cap="none" dirty="0">
+                <a:solidFill>
+                  <a:schemeClr val="tx1">
+                    <a:lumMod val="95000"/>
+                  </a:schemeClr>
+                </a:solidFill>
+              </a:rPr>
+              <a:t>Accuracy, F1 </a:t>
+            </a:r>
+            <a:r>
+              <a:rPr lang="ja-JP" altLang="en-US" sz="2400" cap="none" dirty="0">
+                <a:solidFill>
+                  <a:schemeClr val="tx1">
+                    <a:lumMod val="95000"/>
+                  </a:schemeClr>
+                </a:solidFill>
+              </a:rPr>
+              <a:t>値ともに</a:t>
+            </a:r>
+            <a:br>
+              <a:rPr lang="en-US" altLang="ja-JP" sz="2400" cap="none" dirty="0">
+                <a:solidFill>
+                  <a:schemeClr val="tx1">
+                    <a:lumMod val="95000"/>
+                  </a:schemeClr>
+                </a:solidFill>
+              </a:rPr>
+            </a:br>
+            <a:r>
+              <a:rPr lang="ja-JP" altLang="en-US" sz="2400" cap="none" dirty="0">
+                <a:solidFill>
+                  <a:schemeClr val="tx1">
+                    <a:lumMod val="95000"/>
+                  </a:schemeClr>
+                </a:solidFill>
+              </a:rPr>
+              <a:t>提案手法が従来手法を上回り</a:t>
+            </a:r>
+            <a:r>
+              <a:rPr lang="en-US" altLang="ja-JP" sz="2400" cap="none" dirty="0">
+                <a:solidFill>
+                  <a:schemeClr val="tx1">
+                    <a:lumMod val="95000"/>
+                  </a:schemeClr>
+                </a:solidFill>
+              </a:rPr>
+              <a:t>, </a:t>
+            </a:r>
+            <a:r>
+              <a:rPr lang="ja-JP" altLang="en-US" sz="2400" cap="none" dirty="0">
+                <a:solidFill>
+                  <a:schemeClr val="tx1">
+                    <a:lumMod val="95000"/>
+                  </a:schemeClr>
+                </a:solidFill>
+              </a:rPr>
+              <a:t>その有効性を確認</a:t>
+            </a:r>
+            <a:endParaRPr lang="en-US" altLang="ja-JP" sz="2400" cap="none" dirty="0">
+              <a:solidFill>
+                <a:schemeClr val="tx1">
+                  <a:lumMod val="95000"/>
+                </a:schemeClr>
+              </a:solidFill>
+            </a:endParaRPr>
+          </a:p>
+          <a:p>
+            <a:pPr>
+              <a:buFont typeface="Arial" panose="020B0604020202020204" pitchFamily="34" charset="0"/>
+              <a:buChar char="•"/>
+            </a:pPr>
+            <a:endParaRPr lang="en-US" altLang="ja-JP" sz="2400" cap="none" dirty="0">
+              <a:solidFill>
+                <a:schemeClr val="tx1">
+                  <a:lumMod val="95000"/>
+                </a:schemeClr>
+              </a:solidFill>
+            </a:endParaRPr>
           </a:p>
         </p:txBody>
       </p:sp>
     </p:spTree>
     <p:extLst>
       <p:ext uri="{BB962C8B-B14F-4D97-AF65-F5344CB8AC3E}">
-        <p14:creationId xmlns:p14="http://schemas.microsoft.com/office/powerpoint/2010/main" val="2739337499"/>
+        <p14:creationId xmlns:p14="http://schemas.microsoft.com/office/powerpoint/2010/main" val="469587655"/>
       </p:ext>
     </p:extLst>
   </p:cSld>
@@ -31841,6 +34324,284 @@
 </file>
 
 <file path=ppt/slides/slide31.xml><?xml version="1.0" encoding="utf-8"?>
+<p:sld xmlns:a="http://schemas.openxmlformats.org/drawingml/2006/main" xmlns:r="http://schemas.openxmlformats.org/officeDocument/2006/relationships" xmlns:p="http://schemas.openxmlformats.org/presentationml/2006/main">
+  <p:cSld>
+    <p:spTree>
+      <p:nvGrpSpPr>
+        <p:cNvPr id="1" name="">
+          <a:extLst>
+            <a:ext uri="{FF2B5EF4-FFF2-40B4-BE49-F238E27FC236}">
+              <a16:creationId xmlns:a16="http://schemas.microsoft.com/office/drawing/2014/main" id="{F74447CC-9AB5-09F8-B448-3B7EB5D4E712}"/>
+            </a:ext>
+          </a:extLst>
+        </p:cNvPr>
+        <p:cNvGrpSpPr/>
+        <p:nvPr/>
+      </p:nvGrpSpPr>
+      <p:grpSpPr>
+        <a:xfrm>
+          <a:off x="0" y="0"/>
+          <a:ext cx="0" cy="0"/>
+          <a:chOff x="0" y="0"/>
+          <a:chExt cx="0" cy="0"/>
+        </a:xfrm>
+      </p:grpSpPr>
+      <p:sp>
+        <p:nvSpPr>
+          <p:cNvPr id="2" name="タイトル 1">
+            <a:extLst>
+              <a:ext uri="{FF2B5EF4-FFF2-40B4-BE49-F238E27FC236}">
+                <a16:creationId xmlns:a16="http://schemas.microsoft.com/office/drawing/2014/main" id="{3A94E6B7-7F28-A9FC-52D3-7604A5B1C3DC}"/>
+              </a:ext>
+            </a:extLst>
+          </p:cNvPr>
+          <p:cNvSpPr>
+            <a:spLocks noGrp="1"/>
+          </p:cNvSpPr>
+          <p:nvPr>
+            <p:ph type="title"/>
+          </p:nvPr>
+        </p:nvSpPr>
+        <p:spPr>
+          <a:xfrm>
+            <a:off x="856061" y="857250"/>
+            <a:ext cx="7429499" cy="820024"/>
+          </a:xfrm>
+        </p:spPr>
+        <p:txBody>
+          <a:bodyPr>
+            <a:normAutofit/>
+          </a:bodyPr>
+          <a:lstStyle/>
+          <a:p>
+            <a:r>
+              <a:rPr lang="ja-JP" altLang="en-US" sz="4050" cap="none" dirty="0">
+                <a:solidFill>
+                  <a:schemeClr val="tx1"/>
+                </a:solidFill>
+              </a:rPr>
+              <a:t>今後の課題</a:t>
+            </a:r>
+          </a:p>
+        </p:txBody>
+      </p:sp>
+      <p:sp>
+        <p:nvSpPr>
+          <p:cNvPr id="5" name="スライド番号プレースホルダー 4">
+            <a:extLst>
+              <a:ext uri="{FF2B5EF4-FFF2-40B4-BE49-F238E27FC236}">
+                <a16:creationId xmlns:a16="http://schemas.microsoft.com/office/drawing/2014/main" id="{ECB973ED-0871-FF47-89B9-6ECD4F8B853B}"/>
+              </a:ext>
+            </a:extLst>
+          </p:cNvPr>
+          <p:cNvSpPr>
+            <a:spLocks noGrp="1"/>
+          </p:cNvSpPr>
+          <p:nvPr>
+            <p:ph type="sldNum" sz="quarter" idx="12"/>
+          </p:nvPr>
+        </p:nvSpPr>
+        <p:spPr/>
+        <p:txBody>
+          <a:bodyPr/>
+          <a:lstStyle/>
+          <a:p>
+            <a:fld id="{84E5AB44-6C43-4864-84E5-D75B94A07FCF}" type="slidenum">
+              <a:rPr kumimoji="1" lang="ja-JP" altLang="en-US" smtClean="0"/>
+              <a:t>31</a:t>
+            </a:fld>
+            <a:endParaRPr kumimoji="1" lang="ja-JP" altLang="en-US"/>
+          </a:p>
+        </p:txBody>
+      </p:sp>
+      <p:sp>
+        <p:nvSpPr>
+          <p:cNvPr id="41" name="コンテンツ プレースホルダー 2">
+            <a:extLst>
+              <a:ext uri="{FF2B5EF4-FFF2-40B4-BE49-F238E27FC236}">
+                <a16:creationId xmlns:a16="http://schemas.microsoft.com/office/drawing/2014/main" id="{7EB06F19-0BFD-AC6D-BFF9-7B0819EA9675}"/>
+              </a:ext>
+            </a:extLst>
+          </p:cNvPr>
+          <p:cNvSpPr>
+            <a:spLocks noGrp="1"/>
+          </p:cNvSpPr>
+          <p:nvPr>
+            <p:ph idx="1"/>
+          </p:nvPr>
+        </p:nvSpPr>
+        <p:spPr>
+          <a:xfrm>
+            <a:off x="411000" y="1807917"/>
+            <a:ext cx="8733000" cy="4370343"/>
+          </a:xfrm>
+        </p:spPr>
+        <p:txBody>
+          <a:bodyPr anchor="t">
+            <a:normAutofit/>
+          </a:bodyPr>
+          <a:lstStyle/>
+          <a:p>
+            <a:pPr>
+              <a:buFont typeface="Arial" panose="020B0604020202020204" pitchFamily="34" charset="0"/>
+              <a:buChar char="•"/>
+            </a:pPr>
+            <a:r>
+              <a:rPr lang="ja-JP" altLang="en-US" sz="2400" cap="none" dirty="0">
+                <a:solidFill>
+                  <a:schemeClr val="tx1">
+                    <a:lumMod val="95000"/>
+                  </a:schemeClr>
+                </a:solidFill>
+              </a:rPr>
+              <a:t>要約文に対する妥当性の検討</a:t>
+            </a:r>
+            <a:br>
+              <a:rPr lang="en-US" altLang="ja-JP" sz="2400" cap="none" dirty="0">
+                <a:solidFill>
+                  <a:schemeClr val="tx1">
+                    <a:lumMod val="95000"/>
+                  </a:schemeClr>
+                </a:solidFill>
+              </a:rPr>
+            </a:br>
+            <a:r>
+              <a:rPr lang="ja-JP" altLang="en-US" sz="2400" cap="none" dirty="0">
+                <a:solidFill>
+                  <a:schemeClr val="tx1">
+                    <a:lumMod val="95000"/>
+                  </a:schemeClr>
+                </a:solidFill>
+              </a:rPr>
+              <a:t>および生成手法の改善</a:t>
+            </a:r>
+            <a:endParaRPr lang="en-US" altLang="ja-JP" sz="2400" cap="none" dirty="0">
+              <a:solidFill>
+                <a:schemeClr val="tx1">
+                  <a:lumMod val="95000"/>
+                </a:schemeClr>
+              </a:solidFill>
+            </a:endParaRPr>
+          </a:p>
+          <a:p>
+            <a:pPr>
+              <a:buFont typeface="Arial" panose="020B0604020202020204" pitchFamily="34" charset="0"/>
+              <a:buChar char="•"/>
+            </a:pPr>
+            <a:endParaRPr lang="en-US" altLang="ja-JP" sz="2400" cap="none" dirty="0">
+              <a:solidFill>
+                <a:schemeClr val="tx1">
+                  <a:lumMod val="95000"/>
+                </a:schemeClr>
+              </a:solidFill>
+            </a:endParaRPr>
+          </a:p>
+          <a:p>
+            <a:pPr>
+              <a:buFont typeface="Arial" panose="020B0604020202020204" pitchFamily="34" charset="0"/>
+              <a:buChar char="•"/>
+            </a:pPr>
+            <a:r>
+              <a:rPr lang="ja-JP" altLang="en-US" sz="2400" cap="none" dirty="0">
+                <a:solidFill>
+                  <a:schemeClr val="tx1">
+                    <a:lumMod val="95000"/>
+                  </a:schemeClr>
+                </a:solidFill>
+              </a:rPr>
+              <a:t>他のタスクやデータセットにおける</a:t>
+            </a:r>
+            <a:br>
+              <a:rPr lang="en-US" altLang="ja-JP" sz="2400" cap="none" dirty="0">
+                <a:solidFill>
+                  <a:schemeClr val="tx1">
+                    <a:lumMod val="95000"/>
+                  </a:schemeClr>
+                </a:solidFill>
+              </a:rPr>
+            </a:br>
+            <a:r>
+              <a:rPr lang="ja-JP" altLang="en-US" sz="2400" cap="none" dirty="0">
+                <a:solidFill>
+                  <a:schemeClr val="tx1">
+                    <a:lumMod val="95000"/>
+                  </a:schemeClr>
+                </a:solidFill>
+              </a:rPr>
+              <a:t>提案手法の有効性の検証</a:t>
+            </a:r>
+            <a:endParaRPr lang="en-US" altLang="ja-JP" sz="2400" cap="none" dirty="0">
+              <a:solidFill>
+                <a:schemeClr val="tx1">
+                  <a:lumMod val="95000"/>
+                </a:schemeClr>
+              </a:solidFill>
+            </a:endParaRPr>
+          </a:p>
+          <a:p>
+            <a:pPr marL="0" indent="0">
+              <a:buNone/>
+            </a:pPr>
+            <a:endParaRPr lang="en-US" altLang="ja-JP" sz="2400" cap="none" dirty="0">
+              <a:solidFill>
+                <a:schemeClr val="tx1">
+                  <a:lumMod val="95000"/>
+                </a:schemeClr>
+              </a:solidFill>
+            </a:endParaRPr>
+          </a:p>
+          <a:p>
+            <a:pPr>
+              <a:buFont typeface="Arial" panose="020B0604020202020204" pitchFamily="34" charset="0"/>
+              <a:buChar char="•"/>
+            </a:pPr>
+            <a:r>
+              <a:rPr lang="ja-JP" altLang="en-US" sz="2400" dirty="0">
+                <a:solidFill>
+                  <a:schemeClr val="tx1"/>
+                </a:solidFill>
+              </a:rPr>
+              <a:t>長い入力系列を扱うことができ</a:t>
+            </a:r>
+            <a:r>
+              <a:rPr lang="ja-JP" altLang="en-US" sz="2400" dirty="0"/>
+              <a:t>る汎用的かつ低コストな</a:t>
+            </a:r>
+            <a:br>
+              <a:rPr lang="en-US" altLang="ja-JP" sz="2400" dirty="0"/>
+            </a:br>
+            <a:r>
+              <a:rPr lang="ja-JP" altLang="en-US" sz="2400" dirty="0">
+                <a:solidFill>
+                  <a:schemeClr val="tx1"/>
+                </a:solidFill>
+              </a:rPr>
+              <a:t>プーリング手法の模索</a:t>
+            </a:r>
+            <a:endParaRPr lang="en-US" altLang="ja-JP" sz="2400" cap="none" dirty="0">
+              <a:solidFill>
+                <a:schemeClr val="tx1">
+                  <a:lumMod val="95000"/>
+                </a:schemeClr>
+              </a:solidFill>
+            </a:endParaRPr>
+          </a:p>
+        </p:txBody>
+      </p:sp>
+    </p:spTree>
+    <p:extLst>
+      <p:ext uri="{BB962C8B-B14F-4D97-AF65-F5344CB8AC3E}">
+        <p14:creationId xmlns:p14="http://schemas.microsoft.com/office/powerpoint/2010/main" val="339333231"/>
+      </p:ext>
+    </p:extLst>
+  </p:cSld>
+  <p:clrMapOvr>
+    <a:masterClrMapping/>
+  </p:clrMapOvr>
+</p:sld>
+</file>
+
+<file path=ppt/slides/slide32.xml><?xml version="1.0" encoding="utf-8"?>
 <p:sld xmlns:a="http://schemas.openxmlformats.org/drawingml/2006/main" xmlns:r="http://schemas.openxmlformats.org/officeDocument/2006/relationships" xmlns:p="http://schemas.openxmlformats.org/presentationml/2006/main">
   <p:cSld>
     <p:spTree>
@@ -31881,7 +34642,103 @@
             <a:fld id="{84E5AB44-6C43-4864-84E5-D75B94A07FCF}" type="slidenum">
               <a:rPr kumimoji="1" lang="ja-JP" altLang="en-US" smtClean="0"/>
               <a:pPr/>
-              <a:t>31</a:t>
+              <a:t>32</a:t>
+            </a:fld>
+            <a:endParaRPr kumimoji="1" lang="ja-JP" altLang="en-US" dirty="0"/>
+          </a:p>
+        </p:txBody>
+      </p:sp>
+      <p:sp>
+        <p:nvSpPr>
+          <p:cNvPr id="5" name="テキスト ボックス 4">
+            <a:extLst>
+              <a:ext uri="{FF2B5EF4-FFF2-40B4-BE49-F238E27FC236}">
+                <a16:creationId xmlns:a16="http://schemas.microsoft.com/office/drawing/2014/main" id="{05204266-CAD7-4CBC-8B8E-B95C64D5B470}"/>
+              </a:ext>
+            </a:extLst>
+          </p:cNvPr>
+          <p:cNvSpPr txBox="1"/>
+          <p:nvPr/>
+        </p:nvSpPr>
+        <p:spPr>
+          <a:xfrm>
+            <a:off x="1446143" y="2905780"/>
+            <a:ext cx="6251713" cy="584775"/>
+          </a:xfrm>
+          <a:prstGeom prst="rect">
+            <a:avLst/>
+          </a:prstGeom>
+          <a:noFill/>
+        </p:spPr>
+        <p:txBody>
+          <a:bodyPr wrap="square" rtlCol="0">
+            <a:spAutoFit/>
+          </a:bodyPr>
+          <a:lstStyle/>
+          <a:p>
+            <a:pPr algn="ctr"/>
+            <a:r>
+              <a:rPr kumimoji="1" lang="ja-JP" altLang="en-US" sz="3200" dirty="0"/>
+              <a:t>ご清聴ありがとうございました</a:t>
+            </a:r>
+          </a:p>
+        </p:txBody>
+      </p:sp>
+    </p:spTree>
+    <p:extLst>
+      <p:ext uri="{BB962C8B-B14F-4D97-AF65-F5344CB8AC3E}">
+        <p14:creationId xmlns:p14="http://schemas.microsoft.com/office/powerpoint/2010/main" val="2739337499"/>
+      </p:ext>
+    </p:extLst>
+  </p:cSld>
+  <p:clrMapOvr>
+    <a:masterClrMapping/>
+  </p:clrMapOvr>
+</p:sld>
+</file>
+
+<file path=ppt/slides/slide33.xml><?xml version="1.0" encoding="utf-8"?>
+<p:sld xmlns:a="http://schemas.openxmlformats.org/drawingml/2006/main" xmlns:r="http://schemas.openxmlformats.org/officeDocument/2006/relationships" xmlns:p="http://schemas.openxmlformats.org/presentationml/2006/main">
+  <p:cSld>
+    <p:spTree>
+      <p:nvGrpSpPr>
+        <p:cNvPr id="1" name=""/>
+        <p:cNvGrpSpPr/>
+        <p:nvPr/>
+      </p:nvGrpSpPr>
+      <p:grpSpPr>
+        <a:xfrm>
+          <a:off x="0" y="0"/>
+          <a:ext cx="0" cy="0"/>
+          <a:chOff x="0" y="0"/>
+          <a:chExt cx="0" cy="0"/>
+        </a:xfrm>
+      </p:grpSpPr>
+      <p:sp>
+        <p:nvSpPr>
+          <p:cNvPr id="4" name="スライド番号プレースホルダー 3">
+            <a:extLst>
+              <a:ext uri="{FF2B5EF4-FFF2-40B4-BE49-F238E27FC236}">
+                <a16:creationId xmlns:a16="http://schemas.microsoft.com/office/drawing/2014/main" id="{E49A8BD6-52CB-48F3-8173-5A00389DDA4E}"/>
+              </a:ext>
+            </a:extLst>
+          </p:cNvPr>
+          <p:cNvSpPr>
+            <a:spLocks noGrp="1"/>
+          </p:cNvSpPr>
+          <p:nvPr>
+            <p:ph type="sldNum" sz="quarter" idx="12"/>
+          </p:nvPr>
+        </p:nvSpPr>
+        <p:spPr/>
+        <p:txBody>
+          <a:bodyPr/>
+          <a:lstStyle/>
+          <a:p>
+            <a:fld id="{84E5AB44-6C43-4864-84E5-D75B94A07FCF}" type="slidenum">
+              <a:rPr kumimoji="1" lang="ja-JP" altLang="en-US" smtClean="0"/>
+              <a:pPr/>
+              <a:t>33</a:t>
             </a:fld>
             <a:endParaRPr kumimoji="1" lang="ja-JP" altLang="en-US" dirty="0"/>
           </a:p>
@@ -31900,7 +34757,7 @@
 </p:sld>
 </file>
 
-<file path=ppt/slides/slide32.xml><?xml version="1.0" encoding="utf-8"?>
+<file path=ppt/slides/slide34.xml><?xml version="1.0" encoding="utf-8"?>
 <p:sld xmlns:a="http://schemas.openxmlformats.org/drawingml/2006/main" xmlns:r="http://schemas.openxmlformats.org/officeDocument/2006/relationships" xmlns:p="http://schemas.openxmlformats.org/presentationml/2006/main">
   <p:cSld>
     <p:spTree>
@@ -32056,7 +34913,7 @@
           <a:p>
             <a:fld id="{84E5AB44-6C43-4864-84E5-D75B94A07FCF}" type="slidenum">
               <a:rPr kumimoji="1" lang="ja-JP" altLang="en-US" smtClean="0"/>
-              <a:t>32</a:t>
+              <a:t>34</a:t>
             </a:fld>
             <a:endParaRPr kumimoji="1" lang="ja-JP" altLang="en-US"/>
           </a:p>
@@ -32110,7 +34967,7 @@
 </p:sld>
 </file>
 
-<file path=ppt/slides/slide33.xml><?xml version="1.0" encoding="utf-8"?>
+<file path=ppt/slides/slide35.xml><?xml version="1.0" encoding="utf-8"?>
 <p:sld xmlns:a="http://schemas.openxmlformats.org/drawingml/2006/main" xmlns:r="http://schemas.openxmlformats.org/officeDocument/2006/relationships" xmlns:p="http://schemas.openxmlformats.org/presentationml/2006/main">
   <p:cSld>
     <p:spTree>
@@ -32271,7 +35128,7 @@
           <a:p>
             <a:fld id="{84E5AB44-6C43-4864-84E5-D75B94A07FCF}" type="slidenum">
               <a:rPr kumimoji="1" lang="ja-JP" altLang="en-US" smtClean="0"/>
-              <a:t>33</a:t>
+              <a:t>35</a:t>
             </a:fld>
             <a:endParaRPr kumimoji="1" lang="ja-JP" altLang="en-US"/>
           </a:p>

--- a/Weekly_Report/2024_kouki/2nd/2024_2nd_takayama.pptx
+++ b/Weekly_Report/2024_kouki/2nd/2024_2nd_takayama.pptx
@@ -320,7 +320,7 @@
           <a:p>
             <a:fld id="{AA11B9FB-333F-460A-9517-0BCD279B4527}" type="datetimeFigureOut">
               <a:rPr kumimoji="1" lang="ja-JP" altLang="en-US" smtClean="0"/>
-              <a:t>2025/2/1</a:t>
+              <a:t>2025/2/6</a:t>
             </a:fld>
             <a:endParaRPr kumimoji="1" lang="ja-JP" altLang="en-US"/>
           </a:p>
@@ -497,7 +497,7 @@
           <a:p>
             <a:fld id="{51CEA0BD-DC90-403D-801D-2BAD5ACCE07B}" type="datetimeFigureOut">
               <a:rPr kumimoji="1" lang="ja-JP" altLang="en-US" smtClean="0"/>
-              <a:t>2025/2/1</a:t>
+              <a:t>2025/2/6</a:t>
             </a:fld>
             <a:endParaRPr kumimoji="1" lang="ja-JP" altLang="en-US"/>
           </a:p>
@@ -11440,7 +11440,7 @@
           <a:p>
             <a:fld id="{ADC4CBD9-3FF8-40EE-9D77-E4BF71F8F70A}" type="datetime1">
               <a:rPr kumimoji="1" lang="ja-JP" altLang="en-US" smtClean="0"/>
-              <a:t>2025/2/1</a:t>
+              <a:t>2025/2/6</a:t>
             </a:fld>
             <a:endParaRPr kumimoji="1" lang="ja-JP" altLang="en-US"/>
           </a:p>
@@ -11731,7 +11731,7 @@
           <a:p>
             <a:fld id="{242B0D6A-3CDB-4C59-8359-D81C7810B887}" type="datetime1">
               <a:rPr kumimoji="1" lang="ja-JP" altLang="en-US" smtClean="0"/>
-              <a:t>2025/2/1</a:t>
+              <a:t>2025/2/6</a:t>
             </a:fld>
             <a:endParaRPr kumimoji="1" lang="ja-JP" altLang="en-US"/>
           </a:p>
@@ -11984,7 +11984,7 @@
           <a:p>
             <a:fld id="{85086828-11F7-43D4-B45B-BD352AC64FA5}" type="datetime1">
               <a:rPr kumimoji="1" lang="ja-JP" altLang="en-US" smtClean="0"/>
-              <a:t>2025/2/1</a:t>
+              <a:t>2025/2/6</a:t>
             </a:fld>
             <a:endParaRPr kumimoji="1" lang="ja-JP" altLang="en-US"/>
           </a:p>
@@ -12522,7 +12522,7 @@
           <a:p>
             <a:fld id="{0DD643D6-4565-4AFF-8261-1DE821FED62A}" type="datetime1">
               <a:rPr kumimoji="1" lang="ja-JP" altLang="en-US" smtClean="0"/>
-              <a:t>2025/2/1</a:t>
+              <a:t>2025/2/6</a:t>
             </a:fld>
             <a:endParaRPr kumimoji="1" lang="ja-JP" altLang="en-US"/>
           </a:p>
@@ -12770,7 +12770,7 @@
           <a:p>
             <a:fld id="{6250FEAA-82FB-45F7-A6C0-6F1709200136}" type="datetime1">
               <a:rPr kumimoji="1" lang="ja-JP" altLang="en-US" smtClean="0"/>
-              <a:t>2025/2/1</a:t>
+              <a:t>2025/2/6</a:t>
             </a:fld>
             <a:endParaRPr kumimoji="1" lang="ja-JP" altLang="en-US"/>
           </a:p>
@@ -13313,7 +13313,7 @@
           <a:p>
             <a:fld id="{0A756BA6-5FBD-4993-B242-DB093BD39E71}" type="datetime1">
               <a:rPr kumimoji="1" lang="ja-JP" altLang="en-US" smtClean="0"/>
-              <a:t>2025/2/1</a:t>
+              <a:t>2025/2/6</a:t>
             </a:fld>
             <a:endParaRPr kumimoji="1" lang="ja-JP" altLang="en-US"/>
           </a:p>
@@ -13623,7 +13623,7 @@
           <a:p>
             <a:fld id="{854A296A-2F8E-453C-9AE8-06C654B11136}" type="datetime1">
               <a:rPr kumimoji="1" lang="ja-JP" altLang="en-US" smtClean="0"/>
-              <a:t>2025/2/1</a:t>
+              <a:t>2025/2/6</a:t>
             </a:fld>
             <a:endParaRPr kumimoji="1" lang="ja-JP" altLang="en-US"/>
           </a:p>
@@ -13830,7 +13830,7 @@
           <a:p>
             <a:fld id="{C813875C-789E-4278-B2F6-ECC0749A8AE4}" type="datetime1">
               <a:rPr kumimoji="1" lang="ja-JP" altLang="en-US" smtClean="0"/>
-              <a:t>2025/2/1</a:t>
+              <a:t>2025/2/6</a:t>
             </a:fld>
             <a:endParaRPr kumimoji="1" lang="ja-JP" altLang="en-US"/>
           </a:p>
@@ -14042,7 +14042,7 @@
           <a:p>
             <a:fld id="{2B16063E-2909-4835-91B9-4DA02899CF91}" type="datetime1">
               <a:rPr kumimoji="1" lang="ja-JP" altLang="en-US" smtClean="0"/>
-              <a:t>2025/2/1</a:t>
+              <a:t>2025/2/6</a:t>
             </a:fld>
             <a:endParaRPr kumimoji="1" lang="ja-JP" altLang="en-US"/>
           </a:p>
@@ -14257,7 +14257,7 @@
           <a:p>
             <a:fld id="{5A9C2B8C-51CA-4594-AFC6-29498B41952D}" type="datetime1">
               <a:rPr kumimoji="1" lang="ja-JP" altLang="en-US" smtClean="0"/>
-              <a:t>2025/2/1</a:t>
+              <a:t>2025/2/6</a:t>
             </a:fld>
             <a:endParaRPr kumimoji="1" lang="ja-JP" altLang="en-US"/>
           </a:p>
@@ -14515,7 +14515,7 @@
           <a:p>
             <a:fld id="{D2770C22-E414-4906-A05C-194BBC5023B7}" type="datetime1">
               <a:rPr kumimoji="1" lang="ja-JP" altLang="en-US" smtClean="0"/>
-              <a:t>2025/2/1</a:t>
+              <a:t>2025/2/6</a:t>
             </a:fld>
             <a:endParaRPr kumimoji="1" lang="ja-JP" altLang="en-US"/>
           </a:p>
@@ -14871,7 +14871,7 @@
           <a:p>
             <a:fld id="{A594D997-E1B3-4962-AB01-9510AC780FED}" type="datetime1">
               <a:rPr kumimoji="1" lang="ja-JP" altLang="en-US" smtClean="0"/>
-              <a:t>2025/2/1</a:t>
+              <a:t>2025/2/6</a:t>
             </a:fld>
             <a:endParaRPr kumimoji="1" lang="ja-JP" altLang="en-US"/>
           </a:p>
@@ -15365,7 +15365,7 @@
           <a:p>
             <a:fld id="{EA510319-9696-41C7-A0B1-C79D0FAB72CE}" type="datetime1">
               <a:rPr kumimoji="1" lang="ja-JP" altLang="en-US" smtClean="0"/>
-              <a:t>2025/2/1</a:t>
+              <a:t>2025/2/6</a:t>
             </a:fld>
             <a:endParaRPr kumimoji="1" lang="ja-JP" altLang="en-US"/>
           </a:p>
@@ -15489,7 +15489,7 @@
           <a:p>
             <a:fld id="{47148222-9A41-429C-9D88-72B46141A146}" type="datetime1">
               <a:rPr kumimoji="1" lang="ja-JP" altLang="en-US" smtClean="0"/>
-              <a:t>2025/2/1</a:t>
+              <a:t>2025/2/6</a:t>
             </a:fld>
             <a:endParaRPr kumimoji="1" lang="ja-JP" altLang="en-US"/>
           </a:p>
@@ -15584,7 +15584,7 @@
           <a:p>
             <a:fld id="{FD4BA19C-D5EF-4F0E-A2B2-101D4B975ABD}" type="datetime1">
               <a:rPr kumimoji="1" lang="ja-JP" altLang="en-US" smtClean="0"/>
-              <a:t>2025/2/1</a:t>
+              <a:t>2025/2/6</a:t>
             </a:fld>
             <a:endParaRPr kumimoji="1" lang="ja-JP" altLang="en-US"/>
           </a:p>
@@ -15899,7 +15899,7 @@
           <a:p>
             <a:fld id="{31360CAD-AA14-4A9A-82A5-7F6F74B1D576}" type="datetime1">
               <a:rPr kumimoji="1" lang="ja-JP" altLang="en-US" smtClean="0"/>
-              <a:t>2025/2/1</a:t>
+              <a:t>2025/2/6</a:t>
             </a:fld>
             <a:endParaRPr kumimoji="1" lang="ja-JP" altLang="en-US"/>
           </a:p>
@@ -16190,7 +16190,7 @@
           <a:p>
             <a:fld id="{7E550737-9CA4-489A-9C80-E740D5B2F379}" type="datetime1">
               <a:rPr kumimoji="1" lang="ja-JP" altLang="en-US" smtClean="0"/>
-              <a:t>2025/2/1</a:t>
+              <a:t>2025/2/6</a:t>
             </a:fld>
             <a:endParaRPr kumimoji="1" lang="ja-JP" altLang="en-US"/>
           </a:p>
@@ -16453,7 +16453,7 @@
           <a:p>
             <a:fld id="{972CBB3C-9CDD-4C6D-9C7E-EDE408A6334B}" type="datetime1">
               <a:rPr kumimoji="1" lang="ja-JP" altLang="en-US" smtClean="0"/>
-              <a:t>2025/2/1</a:t>
+              <a:t>2025/2/6</a:t>
             </a:fld>
             <a:endParaRPr kumimoji="1" lang="ja-JP" altLang="en-US"/>
           </a:p>
@@ -21722,7 +21722,7 @@
 </file>
 
 <file path=ppt/slides/slide17.xml><?xml version="1.0" encoding="utf-8"?>
-<p:sld xmlns:a="http://schemas.openxmlformats.org/drawingml/2006/main" xmlns:r="http://schemas.openxmlformats.org/officeDocument/2006/relationships" xmlns:p="http://schemas.openxmlformats.org/presentationml/2006/main">
+<p:sld xmlns:a="http://schemas.openxmlformats.org/drawingml/2006/main" xmlns:r="http://schemas.openxmlformats.org/officeDocument/2006/relationships" xmlns:p="http://schemas.openxmlformats.org/presentationml/2006/main" show="0">
   <p:cSld>
     <p:spTree>
       <p:nvGrpSpPr>
